--- a/基础PPT/第7章：Java集合操作.pptx
+++ b/基础PPT/第7章：Java集合操作.pptx
@@ -35,10 +35,11 @@
     <p:sldId id="691" r:id="rId28"/>
     <p:sldId id="692" r:id="rId29"/>
     <p:sldId id="693" r:id="rId30"/>
-    <p:sldId id="694" r:id="rId31"/>
-    <p:sldId id="695" r:id="rId32"/>
-    <p:sldId id="696" r:id="rId33"/>
-    <p:sldId id="662" r:id="rId34"/>
+    <p:sldId id="784" r:id="rId31"/>
+    <p:sldId id="694" r:id="rId32"/>
+    <p:sldId id="695" r:id="rId33"/>
+    <p:sldId id="696" r:id="rId34"/>
+    <p:sldId id="662" r:id="rId35"/>
   </p:sldIdLst>
   <p:sldSz cx="12192000" cy="6858000"/>
   <p:notesSz cx="6858000" cy="9144000"/>
@@ -11629,7 +11630,7 @@
         </p:nvCxnSpPr>
         <p:spPr>
           <a:xfrm flipV="1">
-            <a:off x="4885690" y="2155825"/>
+            <a:off x="4876165" y="2146300"/>
             <a:ext cx="0" cy="436880"/>
           </a:xfrm>
           <a:prstGeom prst="straightConnector1">
@@ -11731,7 +11732,7 @@
         </p:nvCxnSpPr>
         <p:spPr>
           <a:xfrm>
-            <a:off x="8312785" y="4562475"/>
+            <a:off x="8303260" y="4552950"/>
             <a:ext cx="0" cy="413385"/>
           </a:xfrm>
           <a:prstGeom prst="straightConnector1">
@@ -13026,7 +13027,7 @@
         </p:nvCxnSpPr>
         <p:spPr>
           <a:xfrm flipV="1">
-            <a:off x="1854835" y="2552065"/>
+            <a:off x="1845310" y="2542540"/>
             <a:ext cx="0" cy="436880"/>
           </a:xfrm>
           <a:prstGeom prst="straightConnector1">
@@ -13132,7 +13133,7 @@
         </p:nvCxnSpPr>
         <p:spPr>
           <a:xfrm>
-            <a:off x="5281930" y="5387340"/>
+            <a:off x="5272405" y="5377815"/>
             <a:ext cx="0" cy="413385"/>
           </a:xfrm>
           <a:prstGeom prst="straightConnector1">
@@ -13597,7 +13598,7 @@
         </p:nvCxnSpPr>
         <p:spPr>
           <a:xfrm rot="5400000" flipH="1">
-            <a:off x="2128520" y="3947160"/>
+            <a:off x="2118995" y="3937635"/>
             <a:ext cx="2023110" cy="857250"/>
           </a:xfrm>
           <a:prstGeom prst="curvedConnector3">
@@ -13637,7 +13638,7 @@
         </p:nvCxnSpPr>
         <p:spPr>
           <a:xfrm>
-            <a:off x="3996055" y="3176905"/>
+            <a:off x="3986530" y="3167380"/>
             <a:ext cx="378460" cy="1798955"/>
           </a:xfrm>
           <a:prstGeom prst="curvedConnector2">
@@ -19675,14 +19676,1985 @@
       <p:grpSpPr/>
       <p:sp>
         <p:nvSpPr>
-          <p:cNvPr id="2" name="文本框 1"/>
+          <p:cNvPr id="79" name="矩形 78"/>
+          <p:cNvSpPr/>
+          <p:nvPr/>
+        </p:nvSpPr>
+        <p:spPr>
+          <a:xfrm>
+            <a:off x="1108075" y="1331595"/>
+            <a:ext cx="881380" cy="962025"/>
+          </a:xfrm>
+          <a:prstGeom prst="rect">
+            <a:avLst/>
+          </a:prstGeom>
+          <a:noFill/>
+          <a:ln w="38100">
+            <a:solidFill>
+              <a:srgbClr val="FFC000"/>
+            </a:solidFill>
+          </a:ln>
+          <a:extLst>
+            <a:ext uri="{909E8E84-426E-40DD-AFC4-6F175D3DCCD1}">
+              <a14:hiddenFill xmlns:a14="http://schemas.microsoft.com/office/drawing/2010/main">
+                <a:solidFill>
+                  <a:schemeClr val="accent1"/>
+                </a:solidFill>
+              </a14:hiddenFill>
+            </a:ext>
+          </a:extLst>
+        </p:spPr>
+        <p:style>
+          <a:lnRef idx="2">
+            <a:schemeClr val="accent1">
+              <a:shade val="50000"/>
+            </a:schemeClr>
+          </a:lnRef>
+          <a:fillRef idx="1">
+            <a:schemeClr val="accent1"/>
+          </a:fillRef>
+          <a:effectRef idx="0">
+            <a:schemeClr val="accent1"/>
+          </a:effectRef>
+          <a:fontRef idx="minor">
+            <a:schemeClr val="lt1"/>
+          </a:fontRef>
+        </p:style>
+        <p:txBody>
+          <a:bodyPr rtlCol="0" anchor="ctr"/>
+          <a:p>
+            <a:pPr algn="ctr"/>
+            <a:r>
+              <a:rPr lang="en-US" altLang="zh-CN">
+                <a:solidFill>
+                  <a:srgbClr val="FF0000"/>
+                </a:solidFill>
+              </a:rPr>
+              <a:t>Entry</a:t>
+            </a:r>
+            <a:endParaRPr lang="en-US" altLang="zh-CN">
+              <a:solidFill>
+                <a:srgbClr val="FF0000"/>
+              </a:solidFill>
+            </a:endParaRPr>
+          </a:p>
+        </p:txBody>
+      </p:sp>
+      <p:sp>
+        <p:nvSpPr>
+          <p:cNvPr id="3" name="矩形 2"/>
+          <p:cNvSpPr/>
+          <p:nvPr/>
+        </p:nvSpPr>
+        <p:spPr>
+          <a:xfrm>
+            <a:off x="1108075" y="2293620"/>
+            <a:ext cx="881380" cy="962025"/>
+          </a:xfrm>
+          <a:prstGeom prst="rect">
+            <a:avLst/>
+          </a:prstGeom>
+          <a:noFill/>
+          <a:ln w="38100">
+            <a:solidFill>
+              <a:srgbClr val="FFC000"/>
+            </a:solidFill>
+          </a:ln>
+          <a:extLst>
+            <a:ext uri="{909E8E84-426E-40DD-AFC4-6F175D3DCCD1}">
+              <a14:hiddenFill xmlns:a14="http://schemas.microsoft.com/office/drawing/2010/main">
+                <a:solidFill>
+                  <a:schemeClr val="accent1"/>
+                </a:solidFill>
+              </a14:hiddenFill>
+            </a:ext>
+          </a:extLst>
+        </p:spPr>
+        <p:style>
+          <a:lnRef idx="2">
+            <a:schemeClr val="accent1">
+              <a:shade val="50000"/>
+            </a:schemeClr>
+          </a:lnRef>
+          <a:fillRef idx="1">
+            <a:schemeClr val="accent1"/>
+          </a:fillRef>
+          <a:effectRef idx="0">
+            <a:schemeClr val="accent1"/>
+          </a:effectRef>
+          <a:fontRef idx="minor">
+            <a:schemeClr val="lt1"/>
+          </a:fontRef>
+        </p:style>
+        <p:txBody>
+          <a:bodyPr rtlCol="0" anchor="ctr"/>
+          <a:p>
+            <a:pPr algn="ctr"/>
+            <a:r>
+              <a:rPr lang="en-US" altLang="zh-CN">
+                <a:solidFill>
+                  <a:srgbClr val="FF0000"/>
+                </a:solidFill>
+              </a:rPr>
+              <a:t>Entry</a:t>
+            </a:r>
+            <a:endParaRPr lang="en-US" altLang="zh-CN">
+              <a:solidFill>
+                <a:srgbClr val="FF0000"/>
+              </a:solidFill>
+            </a:endParaRPr>
+          </a:p>
+        </p:txBody>
+      </p:sp>
+      <p:sp>
+        <p:nvSpPr>
+          <p:cNvPr id="4" name="矩形 3"/>
+          <p:cNvSpPr/>
+          <p:nvPr/>
+        </p:nvSpPr>
+        <p:spPr>
+          <a:xfrm>
+            <a:off x="1108075" y="3255645"/>
+            <a:ext cx="881380" cy="962025"/>
+          </a:xfrm>
+          <a:prstGeom prst="rect">
+            <a:avLst/>
+          </a:prstGeom>
+          <a:noFill/>
+          <a:ln w="38100">
+            <a:solidFill>
+              <a:srgbClr val="FFC000"/>
+            </a:solidFill>
+          </a:ln>
+          <a:extLst>
+            <a:ext uri="{909E8E84-426E-40DD-AFC4-6F175D3DCCD1}">
+              <a14:hiddenFill xmlns:a14="http://schemas.microsoft.com/office/drawing/2010/main">
+                <a:solidFill>
+                  <a:schemeClr val="accent1"/>
+                </a:solidFill>
+              </a14:hiddenFill>
+            </a:ext>
+          </a:extLst>
+        </p:spPr>
+        <p:style>
+          <a:lnRef idx="2">
+            <a:schemeClr val="accent1">
+              <a:shade val="50000"/>
+            </a:schemeClr>
+          </a:lnRef>
+          <a:fillRef idx="1">
+            <a:schemeClr val="accent1"/>
+          </a:fillRef>
+          <a:effectRef idx="0">
+            <a:schemeClr val="accent1"/>
+          </a:effectRef>
+          <a:fontRef idx="minor">
+            <a:schemeClr val="lt1"/>
+          </a:fontRef>
+        </p:style>
+        <p:txBody>
+          <a:bodyPr rtlCol="0" anchor="ctr"/>
+          <a:p>
+            <a:pPr algn="ctr"/>
+            <a:r>
+              <a:rPr lang="en-US" altLang="zh-CN">
+                <a:solidFill>
+                  <a:srgbClr val="FF0000"/>
+                </a:solidFill>
+              </a:rPr>
+              <a:t>Entry</a:t>
+            </a:r>
+            <a:endParaRPr lang="en-US" altLang="zh-CN">
+              <a:solidFill>
+                <a:srgbClr val="FF0000"/>
+              </a:solidFill>
+            </a:endParaRPr>
+          </a:p>
+        </p:txBody>
+      </p:sp>
+      <p:sp>
+        <p:nvSpPr>
+          <p:cNvPr id="5" name="矩形 4"/>
+          <p:cNvSpPr/>
+          <p:nvPr/>
+        </p:nvSpPr>
+        <p:spPr>
+          <a:xfrm>
+            <a:off x="1108075" y="4217670"/>
+            <a:ext cx="881380" cy="962025"/>
+          </a:xfrm>
+          <a:prstGeom prst="rect">
+            <a:avLst/>
+          </a:prstGeom>
+          <a:noFill/>
+          <a:ln w="38100">
+            <a:solidFill>
+              <a:srgbClr val="FFC000"/>
+            </a:solidFill>
+          </a:ln>
+          <a:extLst>
+            <a:ext uri="{909E8E84-426E-40DD-AFC4-6F175D3DCCD1}">
+              <a14:hiddenFill xmlns:a14="http://schemas.microsoft.com/office/drawing/2010/main">
+                <a:solidFill>
+                  <a:schemeClr val="accent1"/>
+                </a:solidFill>
+              </a14:hiddenFill>
+            </a:ext>
+          </a:extLst>
+        </p:spPr>
+        <p:style>
+          <a:lnRef idx="2">
+            <a:schemeClr val="accent1">
+              <a:shade val="50000"/>
+            </a:schemeClr>
+          </a:lnRef>
+          <a:fillRef idx="1">
+            <a:schemeClr val="accent1"/>
+          </a:fillRef>
+          <a:effectRef idx="0">
+            <a:schemeClr val="accent1"/>
+          </a:effectRef>
+          <a:fontRef idx="minor">
+            <a:schemeClr val="lt1"/>
+          </a:fontRef>
+        </p:style>
+        <p:txBody>
+          <a:bodyPr rtlCol="0" anchor="ctr"/>
+          <a:p>
+            <a:pPr algn="ctr"/>
+            <a:r>
+              <a:rPr lang="en-US" altLang="zh-CN">
+                <a:solidFill>
+                  <a:srgbClr val="FF0000"/>
+                </a:solidFill>
+              </a:rPr>
+              <a:t>Entry</a:t>
+            </a:r>
+            <a:endParaRPr lang="en-US" altLang="zh-CN">
+              <a:solidFill>
+                <a:srgbClr val="FF0000"/>
+              </a:solidFill>
+            </a:endParaRPr>
+          </a:p>
+        </p:txBody>
+      </p:sp>
+      <p:sp>
+        <p:nvSpPr>
+          <p:cNvPr id="6" name="矩形 5"/>
+          <p:cNvSpPr/>
+          <p:nvPr/>
+        </p:nvSpPr>
+        <p:spPr>
+          <a:xfrm>
+            <a:off x="1108075" y="5179695"/>
+            <a:ext cx="881380" cy="962025"/>
+          </a:xfrm>
+          <a:prstGeom prst="rect">
+            <a:avLst/>
+          </a:prstGeom>
+          <a:noFill/>
+          <a:ln w="38100">
+            <a:solidFill>
+              <a:srgbClr val="FFC000"/>
+            </a:solidFill>
+          </a:ln>
+          <a:extLst>
+            <a:ext uri="{909E8E84-426E-40DD-AFC4-6F175D3DCCD1}">
+              <a14:hiddenFill xmlns:a14="http://schemas.microsoft.com/office/drawing/2010/main">
+                <a:solidFill>
+                  <a:schemeClr val="accent1"/>
+                </a:solidFill>
+              </a14:hiddenFill>
+            </a:ext>
+          </a:extLst>
+        </p:spPr>
+        <p:style>
+          <a:lnRef idx="2">
+            <a:schemeClr val="accent1">
+              <a:shade val="50000"/>
+            </a:schemeClr>
+          </a:lnRef>
+          <a:fillRef idx="1">
+            <a:schemeClr val="accent1"/>
+          </a:fillRef>
+          <a:effectRef idx="0">
+            <a:schemeClr val="accent1"/>
+          </a:effectRef>
+          <a:fontRef idx="minor">
+            <a:schemeClr val="lt1"/>
+          </a:fontRef>
+        </p:style>
+        <p:txBody>
+          <a:bodyPr rtlCol="0" anchor="ctr"/>
+          <a:p>
+            <a:pPr algn="ctr"/>
+            <a:r>
+              <a:rPr lang="en-US" altLang="zh-CN">
+                <a:solidFill>
+                  <a:srgbClr val="FF0000"/>
+                </a:solidFill>
+              </a:rPr>
+              <a:t>Entry</a:t>
+            </a:r>
+            <a:endParaRPr lang="en-US" altLang="zh-CN">
+              <a:solidFill>
+                <a:srgbClr val="FF0000"/>
+              </a:solidFill>
+            </a:endParaRPr>
+          </a:p>
+        </p:txBody>
+      </p:sp>
+      <p:sp>
+        <p:nvSpPr>
+          <p:cNvPr id="8" name="矩形 7"/>
+          <p:cNvSpPr/>
+          <p:nvPr/>
+        </p:nvSpPr>
+        <p:spPr>
+          <a:xfrm>
+            <a:off x="3815080" y="1452880"/>
+            <a:ext cx="1060450" cy="623570"/>
+          </a:xfrm>
+          <a:prstGeom prst="rect">
+            <a:avLst/>
+          </a:prstGeom>
+          <a:noFill/>
+          <a:ln w="38100">
+            <a:solidFill>
+              <a:srgbClr val="FFC000"/>
+            </a:solidFill>
+          </a:ln>
+          <a:extLst>
+            <a:ext uri="{909E8E84-426E-40DD-AFC4-6F175D3DCCD1}">
+              <a14:hiddenFill xmlns:a14="http://schemas.microsoft.com/office/drawing/2010/main">
+                <a:solidFill>
+                  <a:schemeClr val="accent1"/>
+                </a:solidFill>
+              </a14:hiddenFill>
+            </a:ext>
+          </a:extLst>
+        </p:spPr>
+        <p:style>
+          <a:lnRef idx="2">
+            <a:schemeClr val="accent1">
+              <a:shade val="50000"/>
+            </a:schemeClr>
+          </a:lnRef>
+          <a:fillRef idx="1">
+            <a:schemeClr val="accent1"/>
+          </a:fillRef>
+          <a:effectRef idx="0">
+            <a:schemeClr val="accent1"/>
+          </a:effectRef>
+          <a:fontRef idx="minor">
+            <a:schemeClr val="lt1"/>
+          </a:fontRef>
+        </p:style>
+        <p:txBody>
+          <a:bodyPr rtlCol="0" anchor="ctr"/>
+          <a:p>
+            <a:pPr algn="ctr"/>
+            <a:r>
+              <a:rPr lang="en-US" altLang="zh-CN">
+                <a:solidFill>
+                  <a:srgbClr val="FF0000"/>
+                </a:solidFill>
+              </a:rPr>
+              <a:t>key</a:t>
+            </a:r>
+            <a:endParaRPr lang="en-US" altLang="zh-CN">
+              <a:solidFill>
+                <a:srgbClr val="FF0000"/>
+              </a:solidFill>
+            </a:endParaRPr>
+          </a:p>
+        </p:txBody>
+      </p:sp>
+      <p:sp>
+        <p:nvSpPr>
+          <p:cNvPr id="9" name="矩形 8"/>
+          <p:cNvSpPr/>
+          <p:nvPr/>
+        </p:nvSpPr>
+        <p:spPr>
+          <a:xfrm>
+            <a:off x="4875530" y="1452880"/>
+            <a:ext cx="1060450" cy="623570"/>
+          </a:xfrm>
+          <a:prstGeom prst="rect">
+            <a:avLst/>
+          </a:prstGeom>
+          <a:noFill/>
+          <a:ln w="38100">
+            <a:solidFill>
+              <a:srgbClr val="FFC000"/>
+            </a:solidFill>
+          </a:ln>
+          <a:extLst>
+            <a:ext uri="{909E8E84-426E-40DD-AFC4-6F175D3DCCD1}">
+              <a14:hiddenFill xmlns:a14="http://schemas.microsoft.com/office/drawing/2010/main">
+                <a:solidFill>
+                  <a:schemeClr val="accent1"/>
+                </a:solidFill>
+              </a14:hiddenFill>
+            </a:ext>
+          </a:extLst>
+        </p:spPr>
+        <p:style>
+          <a:lnRef idx="2">
+            <a:schemeClr val="accent1">
+              <a:shade val="50000"/>
+            </a:schemeClr>
+          </a:lnRef>
+          <a:fillRef idx="1">
+            <a:schemeClr val="accent1"/>
+          </a:fillRef>
+          <a:effectRef idx="0">
+            <a:schemeClr val="accent1"/>
+          </a:effectRef>
+          <a:fontRef idx="minor">
+            <a:schemeClr val="lt1"/>
+          </a:fontRef>
+        </p:style>
+        <p:txBody>
+          <a:bodyPr rtlCol="0" anchor="ctr"/>
+          <a:p>
+            <a:pPr algn="ctr"/>
+            <a:r>
+              <a:rPr lang="en-US" altLang="zh-CN">
+                <a:solidFill>
+                  <a:srgbClr val="FF0000"/>
+                </a:solidFill>
+              </a:rPr>
+              <a:t>value</a:t>
+            </a:r>
+            <a:endParaRPr lang="en-US" altLang="zh-CN">
+              <a:solidFill>
+                <a:srgbClr val="FF0000"/>
+              </a:solidFill>
+            </a:endParaRPr>
+          </a:p>
+        </p:txBody>
+      </p:sp>
+      <p:sp>
+        <p:nvSpPr>
+          <p:cNvPr id="10" name="矩形 9"/>
+          <p:cNvSpPr/>
+          <p:nvPr/>
+        </p:nvSpPr>
+        <p:spPr>
+          <a:xfrm>
+            <a:off x="5935980" y="1452880"/>
+            <a:ext cx="1683385" cy="623570"/>
+          </a:xfrm>
+          <a:prstGeom prst="rect">
+            <a:avLst/>
+          </a:prstGeom>
+          <a:noFill/>
+          <a:ln w="38100">
+            <a:solidFill>
+              <a:srgbClr val="FFC000"/>
+            </a:solidFill>
+          </a:ln>
+          <a:extLst>
+            <a:ext uri="{909E8E84-426E-40DD-AFC4-6F175D3DCCD1}">
+              <a14:hiddenFill xmlns:a14="http://schemas.microsoft.com/office/drawing/2010/main">
+                <a:solidFill>
+                  <a:schemeClr val="accent1"/>
+                </a:solidFill>
+              </a14:hiddenFill>
+            </a:ext>
+          </a:extLst>
+        </p:spPr>
+        <p:style>
+          <a:lnRef idx="2">
+            <a:schemeClr val="accent1">
+              <a:shade val="50000"/>
+            </a:schemeClr>
+          </a:lnRef>
+          <a:fillRef idx="1">
+            <a:schemeClr val="accent1"/>
+          </a:fillRef>
+          <a:effectRef idx="0">
+            <a:schemeClr val="accent1"/>
+          </a:effectRef>
+          <a:fontRef idx="minor">
+            <a:schemeClr val="lt1"/>
+          </a:fontRef>
+        </p:style>
+        <p:txBody>
+          <a:bodyPr rtlCol="0" anchor="ctr"/>
+          <a:p>
+            <a:pPr algn="ctr"/>
+            <a:r>
+              <a:rPr lang="en-US" altLang="zh-CN">
+                <a:solidFill>
+                  <a:srgbClr val="FF0000"/>
+                </a:solidFill>
+              </a:rPr>
+              <a:t>Entry next</a:t>
+            </a:r>
+            <a:endParaRPr lang="en-US" altLang="zh-CN">
+              <a:solidFill>
+                <a:srgbClr val="FF0000"/>
+              </a:solidFill>
+            </a:endParaRPr>
+          </a:p>
+        </p:txBody>
+      </p:sp>
+      <p:sp>
+        <p:nvSpPr>
+          <p:cNvPr id="12" name="矩形 11"/>
+          <p:cNvSpPr/>
+          <p:nvPr/>
+        </p:nvSpPr>
+        <p:spPr>
+          <a:xfrm>
+            <a:off x="2754630" y="1452880"/>
+            <a:ext cx="1060450" cy="623570"/>
+          </a:xfrm>
+          <a:prstGeom prst="rect">
+            <a:avLst/>
+          </a:prstGeom>
+          <a:noFill/>
+          <a:ln w="38100">
+            <a:solidFill>
+              <a:srgbClr val="FFC000"/>
+            </a:solidFill>
+          </a:ln>
+          <a:extLst>
+            <a:ext uri="{909E8E84-426E-40DD-AFC4-6F175D3DCCD1}">
+              <a14:hiddenFill xmlns:a14="http://schemas.microsoft.com/office/drawing/2010/main">
+                <a:solidFill>
+                  <a:schemeClr val="accent1"/>
+                </a:solidFill>
+              </a14:hiddenFill>
+            </a:ext>
+          </a:extLst>
+        </p:spPr>
+        <p:style>
+          <a:lnRef idx="2">
+            <a:schemeClr val="accent1">
+              <a:shade val="50000"/>
+            </a:schemeClr>
+          </a:lnRef>
+          <a:fillRef idx="1">
+            <a:schemeClr val="accent1"/>
+          </a:fillRef>
+          <a:effectRef idx="0">
+            <a:schemeClr val="accent1"/>
+          </a:effectRef>
+          <a:fontRef idx="minor">
+            <a:schemeClr val="lt1"/>
+          </a:fontRef>
+        </p:style>
+        <p:txBody>
+          <a:bodyPr rtlCol="0" anchor="ctr"/>
+          <a:p>
+            <a:pPr algn="ctr"/>
+            <a:r>
+              <a:rPr lang="en-US" altLang="zh-CN">
+                <a:solidFill>
+                  <a:srgbClr val="FF0000"/>
+                </a:solidFill>
+              </a:rPr>
+              <a:t>hash</a:t>
+            </a:r>
+            <a:endParaRPr lang="en-US" altLang="zh-CN">
+              <a:solidFill>
+                <a:srgbClr val="FF0000"/>
+              </a:solidFill>
+            </a:endParaRPr>
+          </a:p>
+        </p:txBody>
+      </p:sp>
+      <p:sp>
+        <p:nvSpPr>
+          <p:cNvPr id="13" name="矩形 12"/>
+          <p:cNvSpPr/>
+          <p:nvPr/>
+        </p:nvSpPr>
+        <p:spPr>
+          <a:xfrm>
+            <a:off x="7619365" y="1452880"/>
+            <a:ext cx="1677035" cy="623570"/>
+          </a:xfrm>
+          <a:prstGeom prst="rect">
+            <a:avLst/>
+          </a:prstGeom>
+          <a:noFill/>
+          <a:ln w="38100">
+            <a:solidFill>
+              <a:srgbClr val="8B2C4C"/>
+            </a:solidFill>
+          </a:ln>
+          <a:extLst>
+            <a:ext uri="{909E8E84-426E-40DD-AFC4-6F175D3DCCD1}">
+              <a14:hiddenFill xmlns:a14="http://schemas.microsoft.com/office/drawing/2010/main">
+                <a:solidFill>
+                  <a:schemeClr val="accent1"/>
+                </a:solidFill>
+              </a14:hiddenFill>
+            </a:ext>
+          </a:extLst>
+        </p:spPr>
+        <p:style>
+          <a:lnRef idx="2">
+            <a:schemeClr val="accent1">
+              <a:shade val="50000"/>
+            </a:schemeClr>
+          </a:lnRef>
+          <a:fillRef idx="1">
+            <a:schemeClr val="accent1"/>
+          </a:fillRef>
+          <a:effectRef idx="0">
+            <a:schemeClr val="accent1"/>
+          </a:effectRef>
+          <a:fontRef idx="minor">
+            <a:schemeClr val="lt1"/>
+          </a:fontRef>
+        </p:style>
+        <p:txBody>
+          <a:bodyPr rtlCol="0" anchor="ctr"/>
+          <a:p>
+            <a:pPr algn="ctr"/>
+            <a:r>
+              <a:rPr lang="en-US" altLang="zh-CN">
+                <a:solidFill>
+                  <a:srgbClr val="8B2C4C"/>
+                </a:solidFill>
+              </a:rPr>
+              <a:t>Entry before</a:t>
+            </a:r>
+            <a:endParaRPr lang="en-US" altLang="zh-CN">
+              <a:solidFill>
+                <a:srgbClr val="8B2C4C"/>
+              </a:solidFill>
+            </a:endParaRPr>
+          </a:p>
+        </p:txBody>
+      </p:sp>
+      <p:sp>
+        <p:nvSpPr>
+          <p:cNvPr id="14" name="矩形 13"/>
+          <p:cNvSpPr/>
+          <p:nvPr/>
+        </p:nvSpPr>
+        <p:spPr>
+          <a:xfrm>
+            <a:off x="9296400" y="1452880"/>
+            <a:ext cx="1637665" cy="623570"/>
+          </a:xfrm>
+          <a:prstGeom prst="rect">
+            <a:avLst/>
+          </a:prstGeom>
+          <a:noFill/>
+          <a:ln w="38100">
+            <a:solidFill>
+              <a:srgbClr val="8B2C4C"/>
+            </a:solidFill>
+          </a:ln>
+          <a:extLst>
+            <a:ext uri="{909E8E84-426E-40DD-AFC4-6F175D3DCCD1}">
+              <a14:hiddenFill xmlns:a14="http://schemas.microsoft.com/office/drawing/2010/main">
+                <a:solidFill>
+                  <a:schemeClr val="accent1"/>
+                </a:solidFill>
+              </a14:hiddenFill>
+            </a:ext>
+          </a:extLst>
+        </p:spPr>
+        <p:style>
+          <a:lnRef idx="2">
+            <a:schemeClr val="accent1">
+              <a:shade val="50000"/>
+            </a:schemeClr>
+          </a:lnRef>
+          <a:fillRef idx="1">
+            <a:schemeClr val="accent1"/>
+          </a:fillRef>
+          <a:effectRef idx="0">
+            <a:schemeClr val="accent1"/>
+          </a:effectRef>
+          <a:fontRef idx="minor">
+            <a:schemeClr val="lt1"/>
+          </a:fontRef>
+        </p:style>
+        <p:txBody>
+          <a:bodyPr rtlCol="0" anchor="ctr"/>
+          <a:p>
+            <a:pPr algn="ctr"/>
+            <a:r>
+              <a:rPr lang="en-US" altLang="zh-CN">
+                <a:solidFill>
+                  <a:srgbClr val="8B2C4C"/>
+                </a:solidFill>
+              </a:rPr>
+              <a:t>Entry after</a:t>
+            </a:r>
+            <a:endParaRPr lang="en-US" altLang="zh-CN">
+              <a:solidFill>
+                <a:srgbClr val="8B2C4C"/>
+              </a:solidFill>
+            </a:endParaRPr>
+          </a:p>
+        </p:txBody>
+      </p:sp>
+      <p:sp>
+        <p:nvSpPr>
+          <p:cNvPr id="110" name="矩形 109"/>
+          <p:cNvSpPr/>
+          <p:nvPr/>
+        </p:nvSpPr>
+        <p:spPr>
+          <a:xfrm>
+            <a:off x="3815080" y="2463165"/>
+            <a:ext cx="1060450" cy="623570"/>
+          </a:xfrm>
+          <a:prstGeom prst="rect">
+            <a:avLst/>
+          </a:prstGeom>
+          <a:noFill/>
+          <a:ln w="38100">
+            <a:solidFill>
+              <a:srgbClr val="FFC000"/>
+            </a:solidFill>
+          </a:ln>
+          <a:extLst>
+            <a:ext uri="{909E8E84-426E-40DD-AFC4-6F175D3DCCD1}">
+              <a14:hiddenFill xmlns:a14="http://schemas.microsoft.com/office/drawing/2010/main">
+                <a:solidFill>
+                  <a:schemeClr val="accent1"/>
+                </a:solidFill>
+              </a14:hiddenFill>
+            </a:ext>
+          </a:extLst>
+        </p:spPr>
+        <p:style>
+          <a:lnRef idx="2">
+            <a:schemeClr val="accent1">
+              <a:shade val="50000"/>
+            </a:schemeClr>
+          </a:lnRef>
+          <a:fillRef idx="1">
+            <a:schemeClr val="accent1"/>
+          </a:fillRef>
+          <a:effectRef idx="0">
+            <a:schemeClr val="accent1"/>
+          </a:effectRef>
+          <a:fontRef idx="minor">
+            <a:schemeClr val="lt1"/>
+          </a:fontRef>
+        </p:style>
+        <p:txBody>
+          <a:bodyPr rtlCol="0" anchor="ctr"/>
+          <a:p>
+            <a:pPr algn="ctr"/>
+            <a:r>
+              <a:rPr lang="en-US" altLang="zh-CN">
+                <a:solidFill>
+                  <a:srgbClr val="FF0000"/>
+                </a:solidFill>
+              </a:rPr>
+              <a:t>key</a:t>
+            </a:r>
+            <a:endParaRPr lang="en-US" altLang="zh-CN">
+              <a:solidFill>
+                <a:srgbClr val="FF0000"/>
+              </a:solidFill>
+            </a:endParaRPr>
+          </a:p>
+        </p:txBody>
+      </p:sp>
+      <p:sp>
+        <p:nvSpPr>
+          <p:cNvPr id="111" name="矩形 110"/>
+          <p:cNvSpPr/>
+          <p:nvPr/>
+        </p:nvSpPr>
+        <p:spPr>
+          <a:xfrm>
+            <a:off x="4875530" y="2463165"/>
+            <a:ext cx="1060450" cy="623570"/>
+          </a:xfrm>
+          <a:prstGeom prst="rect">
+            <a:avLst/>
+          </a:prstGeom>
+          <a:noFill/>
+          <a:ln w="38100">
+            <a:solidFill>
+              <a:srgbClr val="FFC000"/>
+            </a:solidFill>
+          </a:ln>
+          <a:extLst>
+            <a:ext uri="{909E8E84-426E-40DD-AFC4-6F175D3DCCD1}">
+              <a14:hiddenFill xmlns:a14="http://schemas.microsoft.com/office/drawing/2010/main">
+                <a:solidFill>
+                  <a:schemeClr val="accent1"/>
+                </a:solidFill>
+              </a14:hiddenFill>
+            </a:ext>
+          </a:extLst>
+        </p:spPr>
+        <p:style>
+          <a:lnRef idx="2">
+            <a:schemeClr val="accent1">
+              <a:shade val="50000"/>
+            </a:schemeClr>
+          </a:lnRef>
+          <a:fillRef idx="1">
+            <a:schemeClr val="accent1"/>
+          </a:fillRef>
+          <a:effectRef idx="0">
+            <a:schemeClr val="accent1"/>
+          </a:effectRef>
+          <a:fontRef idx="minor">
+            <a:schemeClr val="lt1"/>
+          </a:fontRef>
+        </p:style>
+        <p:txBody>
+          <a:bodyPr rtlCol="0" anchor="ctr"/>
+          <a:p>
+            <a:pPr algn="ctr"/>
+            <a:r>
+              <a:rPr lang="en-US" altLang="zh-CN">
+                <a:solidFill>
+                  <a:srgbClr val="FF0000"/>
+                </a:solidFill>
+              </a:rPr>
+              <a:t>value</a:t>
+            </a:r>
+            <a:endParaRPr lang="en-US" altLang="zh-CN">
+              <a:solidFill>
+                <a:srgbClr val="FF0000"/>
+              </a:solidFill>
+            </a:endParaRPr>
+          </a:p>
+        </p:txBody>
+      </p:sp>
+      <p:sp>
+        <p:nvSpPr>
+          <p:cNvPr id="112" name="矩形 111"/>
+          <p:cNvSpPr/>
+          <p:nvPr/>
+        </p:nvSpPr>
+        <p:spPr>
+          <a:xfrm>
+            <a:off x="5935980" y="2463165"/>
+            <a:ext cx="1683385" cy="623570"/>
+          </a:xfrm>
+          <a:prstGeom prst="rect">
+            <a:avLst/>
+          </a:prstGeom>
+          <a:noFill/>
+          <a:ln w="38100">
+            <a:solidFill>
+              <a:srgbClr val="FFC000"/>
+            </a:solidFill>
+          </a:ln>
+          <a:extLst>
+            <a:ext uri="{909E8E84-426E-40DD-AFC4-6F175D3DCCD1}">
+              <a14:hiddenFill xmlns:a14="http://schemas.microsoft.com/office/drawing/2010/main">
+                <a:solidFill>
+                  <a:schemeClr val="accent1"/>
+                </a:solidFill>
+              </a14:hiddenFill>
+            </a:ext>
+          </a:extLst>
+        </p:spPr>
+        <p:style>
+          <a:lnRef idx="2">
+            <a:schemeClr val="accent1">
+              <a:shade val="50000"/>
+            </a:schemeClr>
+          </a:lnRef>
+          <a:fillRef idx="1">
+            <a:schemeClr val="accent1"/>
+          </a:fillRef>
+          <a:effectRef idx="0">
+            <a:schemeClr val="accent1"/>
+          </a:effectRef>
+          <a:fontRef idx="minor">
+            <a:schemeClr val="lt1"/>
+          </a:fontRef>
+        </p:style>
+        <p:txBody>
+          <a:bodyPr rtlCol="0" anchor="ctr"/>
+          <a:p>
+            <a:pPr algn="ctr"/>
+            <a:r>
+              <a:rPr lang="en-US" altLang="zh-CN">
+                <a:solidFill>
+                  <a:srgbClr val="FF0000"/>
+                </a:solidFill>
+              </a:rPr>
+              <a:t>Entry next</a:t>
+            </a:r>
+            <a:endParaRPr lang="en-US" altLang="zh-CN">
+              <a:solidFill>
+                <a:srgbClr val="FF0000"/>
+              </a:solidFill>
+            </a:endParaRPr>
+          </a:p>
+        </p:txBody>
+      </p:sp>
+      <p:sp>
+        <p:nvSpPr>
+          <p:cNvPr id="113" name="矩形 112"/>
+          <p:cNvSpPr/>
+          <p:nvPr/>
+        </p:nvSpPr>
+        <p:spPr>
+          <a:xfrm>
+            <a:off x="2754630" y="2463165"/>
+            <a:ext cx="1060450" cy="623570"/>
+          </a:xfrm>
+          <a:prstGeom prst="rect">
+            <a:avLst/>
+          </a:prstGeom>
+          <a:noFill/>
+          <a:ln w="38100">
+            <a:solidFill>
+              <a:srgbClr val="FFC000"/>
+            </a:solidFill>
+          </a:ln>
+          <a:extLst>
+            <a:ext uri="{909E8E84-426E-40DD-AFC4-6F175D3DCCD1}">
+              <a14:hiddenFill xmlns:a14="http://schemas.microsoft.com/office/drawing/2010/main">
+                <a:solidFill>
+                  <a:schemeClr val="accent1"/>
+                </a:solidFill>
+              </a14:hiddenFill>
+            </a:ext>
+          </a:extLst>
+        </p:spPr>
+        <p:style>
+          <a:lnRef idx="2">
+            <a:schemeClr val="accent1">
+              <a:shade val="50000"/>
+            </a:schemeClr>
+          </a:lnRef>
+          <a:fillRef idx="1">
+            <a:schemeClr val="accent1"/>
+          </a:fillRef>
+          <a:effectRef idx="0">
+            <a:schemeClr val="accent1"/>
+          </a:effectRef>
+          <a:fontRef idx="minor">
+            <a:schemeClr val="lt1"/>
+          </a:fontRef>
+        </p:style>
+        <p:txBody>
+          <a:bodyPr rtlCol="0" anchor="ctr"/>
+          <a:p>
+            <a:pPr algn="ctr"/>
+            <a:r>
+              <a:rPr lang="en-US" altLang="zh-CN">
+                <a:solidFill>
+                  <a:srgbClr val="FF0000"/>
+                </a:solidFill>
+              </a:rPr>
+              <a:t>hash</a:t>
+            </a:r>
+            <a:endParaRPr lang="en-US" altLang="zh-CN">
+              <a:solidFill>
+                <a:srgbClr val="FF0000"/>
+              </a:solidFill>
+            </a:endParaRPr>
+          </a:p>
+        </p:txBody>
+      </p:sp>
+      <p:sp>
+        <p:nvSpPr>
+          <p:cNvPr id="114" name="矩形 113"/>
+          <p:cNvSpPr/>
+          <p:nvPr/>
+        </p:nvSpPr>
+        <p:spPr>
+          <a:xfrm>
+            <a:off x="7619365" y="2463165"/>
+            <a:ext cx="1677035" cy="623570"/>
+          </a:xfrm>
+          <a:prstGeom prst="rect">
+            <a:avLst/>
+          </a:prstGeom>
+          <a:noFill/>
+          <a:ln w="38100">
+            <a:solidFill>
+              <a:srgbClr val="8B2C4C"/>
+            </a:solidFill>
+          </a:ln>
+          <a:extLst>
+            <a:ext uri="{909E8E84-426E-40DD-AFC4-6F175D3DCCD1}">
+              <a14:hiddenFill xmlns:a14="http://schemas.microsoft.com/office/drawing/2010/main">
+                <a:solidFill>
+                  <a:schemeClr val="accent1"/>
+                </a:solidFill>
+              </a14:hiddenFill>
+            </a:ext>
+          </a:extLst>
+        </p:spPr>
+        <p:style>
+          <a:lnRef idx="2">
+            <a:schemeClr val="accent1">
+              <a:shade val="50000"/>
+            </a:schemeClr>
+          </a:lnRef>
+          <a:fillRef idx="1">
+            <a:schemeClr val="accent1"/>
+          </a:fillRef>
+          <a:effectRef idx="0">
+            <a:schemeClr val="accent1"/>
+          </a:effectRef>
+          <a:fontRef idx="minor">
+            <a:schemeClr val="lt1"/>
+          </a:fontRef>
+        </p:style>
+        <p:txBody>
+          <a:bodyPr rtlCol="0" anchor="ctr"/>
+          <a:p>
+            <a:pPr algn="ctr"/>
+            <a:r>
+              <a:rPr lang="en-US" altLang="zh-CN">
+                <a:solidFill>
+                  <a:srgbClr val="8B2C4C"/>
+                </a:solidFill>
+              </a:rPr>
+              <a:t>Entry before</a:t>
+            </a:r>
+            <a:endParaRPr lang="en-US" altLang="zh-CN">
+              <a:solidFill>
+                <a:srgbClr val="8B2C4C"/>
+              </a:solidFill>
+            </a:endParaRPr>
+          </a:p>
+        </p:txBody>
+      </p:sp>
+      <p:sp>
+        <p:nvSpPr>
+          <p:cNvPr id="115" name="矩形 114"/>
+          <p:cNvSpPr/>
+          <p:nvPr/>
+        </p:nvSpPr>
+        <p:spPr>
+          <a:xfrm>
+            <a:off x="9296400" y="2463165"/>
+            <a:ext cx="1637665" cy="623570"/>
+          </a:xfrm>
+          <a:prstGeom prst="rect">
+            <a:avLst/>
+          </a:prstGeom>
+          <a:noFill/>
+          <a:ln w="38100">
+            <a:solidFill>
+              <a:srgbClr val="8B2C4C"/>
+            </a:solidFill>
+          </a:ln>
+          <a:extLst>
+            <a:ext uri="{909E8E84-426E-40DD-AFC4-6F175D3DCCD1}">
+              <a14:hiddenFill xmlns:a14="http://schemas.microsoft.com/office/drawing/2010/main">
+                <a:solidFill>
+                  <a:schemeClr val="accent1"/>
+                </a:solidFill>
+              </a14:hiddenFill>
+            </a:ext>
+          </a:extLst>
+        </p:spPr>
+        <p:style>
+          <a:lnRef idx="2">
+            <a:schemeClr val="accent1">
+              <a:shade val="50000"/>
+            </a:schemeClr>
+          </a:lnRef>
+          <a:fillRef idx="1">
+            <a:schemeClr val="accent1"/>
+          </a:fillRef>
+          <a:effectRef idx="0">
+            <a:schemeClr val="accent1"/>
+          </a:effectRef>
+          <a:fontRef idx="minor">
+            <a:schemeClr val="lt1"/>
+          </a:fontRef>
+        </p:style>
+        <p:txBody>
+          <a:bodyPr rtlCol="0" anchor="ctr"/>
+          <a:p>
+            <a:pPr algn="ctr"/>
+            <a:r>
+              <a:rPr lang="en-US" altLang="zh-CN">
+                <a:solidFill>
+                  <a:srgbClr val="8B2C4C"/>
+                </a:solidFill>
+              </a:rPr>
+              <a:t>Entry after</a:t>
+            </a:r>
+            <a:endParaRPr lang="en-US" altLang="zh-CN">
+              <a:solidFill>
+                <a:srgbClr val="8B2C4C"/>
+              </a:solidFill>
+            </a:endParaRPr>
+          </a:p>
+        </p:txBody>
+      </p:sp>
+      <p:sp>
+        <p:nvSpPr>
+          <p:cNvPr id="116" name="矩形 115"/>
+          <p:cNvSpPr/>
+          <p:nvPr/>
+        </p:nvSpPr>
+        <p:spPr>
+          <a:xfrm>
+            <a:off x="3815080" y="3376930"/>
+            <a:ext cx="1060450" cy="623570"/>
+          </a:xfrm>
+          <a:prstGeom prst="rect">
+            <a:avLst/>
+          </a:prstGeom>
+          <a:noFill/>
+          <a:ln w="38100">
+            <a:solidFill>
+              <a:srgbClr val="FFC000"/>
+            </a:solidFill>
+          </a:ln>
+          <a:extLst>
+            <a:ext uri="{909E8E84-426E-40DD-AFC4-6F175D3DCCD1}">
+              <a14:hiddenFill xmlns:a14="http://schemas.microsoft.com/office/drawing/2010/main">
+                <a:solidFill>
+                  <a:schemeClr val="accent1"/>
+                </a:solidFill>
+              </a14:hiddenFill>
+            </a:ext>
+          </a:extLst>
+        </p:spPr>
+        <p:style>
+          <a:lnRef idx="2">
+            <a:schemeClr val="accent1">
+              <a:shade val="50000"/>
+            </a:schemeClr>
+          </a:lnRef>
+          <a:fillRef idx="1">
+            <a:schemeClr val="accent1"/>
+          </a:fillRef>
+          <a:effectRef idx="0">
+            <a:schemeClr val="accent1"/>
+          </a:effectRef>
+          <a:fontRef idx="minor">
+            <a:schemeClr val="lt1"/>
+          </a:fontRef>
+        </p:style>
+        <p:txBody>
+          <a:bodyPr rtlCol="0" anchor="ctr"/>
+          <a:p>
+            <a:pPr algn="ctr"/>
+            <a:r>
+              <a:rPr lang="en-US" altLang="zh-CN">
+                <a:solidFill>
+                  <a:srgbClr val="FF0000"/>
+                </a:solidFill>
+              </a:rPr>
+              <a:t>key</a:t>
+            </a:r>
+            <a:endParaRPr lang="en-US" altLang="zh-CN">
+              <a:solidFill>
+                <a:srgbClr val="FF0000"/>
+              </a:solidFill>
+            </a:endParaRPr>
+          </a:p>
+        </p:txBody>
+      </p:sp>
+      <p:sp>
+        <p:nvSpPr>
+          <p:cNvPr id="117" name="矩形 116"/>
+          <p:cNvSpPr/>
+          <p:nvPr/>
+        </p:nvSpPr>
+        <p:spPr>
+          <a:xfrm>
+            <a:off x="4875530" y="3376930"/>
+            <a:ext cx="1060450" cy="623570"/>
+          </a:xfrm>
+          <a:prstGeom prst="rect">
+            <a:avLst/>
+          </a:prstGeom>
+          <a:noFill/>
+          <a:ln w="38100">
+            <a:solidFill>
+              <a:srgbClr val="FFC000"/>
+            </a:solidFill>
+          </a:ln>
+          <a:extLst>
+            <a:ext uri="{909E8E84-426E-40DD-AFC4-6F175D3DCCD1}">
+              <a14:hiddenFill xmlns:a14="http://schemas.microsoft.com/office/drawing/2010/main">
+                <a:solidFill>
+                  <a:schemeClr val="accent1"/>
+                </a:solidFill>
+              </a14:hiddenFill>
+            </a:ext>
+          </a:extLst>
+        </p:spPr>
+        <p:style>
+          <a:lnRef idx="2">
+            <a:schemeClr val="accent1">
+              <a:shade val="50000"/>
+            </a:schemeClr>
+          </a:lnRef>
+          <a:fillRef idx="1">
+            <a:schemeClr val="accent1"/>
+          </a:fillRef>
+          <a:effectRef idx="0">
+            <a:schemeClr val="accent1"/>
+          </a:effectRef>
+          <a:fontRef idx="minor">
+            <a:schemeClr val="lt1"/>
+          </a:fontRef>
+        </p:style>
+        <p:txBody>
+          <a:bodyPr rtlCol="0" anchor="ctr"/>
+          <a:p>
+            <a:pPr algn="ctr"/>
+            <a:r>
+              <a:rPr lang="en-US" altLang="zh-CN">
+                <a:solidFill>
+                  <a:srgbClr val="FF0000"/>
+                </a:solidFill>
+              </a:rPr>
+              <a:t>value</a:t>
+            </a:r>
+            <a:endParaRPr lang="en-US" altLang="zh-CN">
+              <a:solidFill>
+                <a:srgbClr val="FF0000"/>
+              </a:solidFill>
+            </a:endParaRPr>
+          </a:p>
+        </p:txBody>
+      </p:sp>
+      <p:sp>
+        <p:nvSpPr>
+          <p:cNvPr id="118" name="矩形 117"/>
+          <p:cNvSpPr/>
+          <p:nvPr/>
+        </p:nvSpPr>
+        <p:spPr>
+          <a:xfrm>
+            <a:off x="5935980" y="3376930"/>
+            <a:ext cx="1683385" cy="623570"/>
+          </a:xfrm>
+          <a:prstGeom prst="rect">
+            <a:avLst/>
+          </a:prstGeom>
+          <a:noFill/>
+          <a:ln w="38100">
+            <a:solidFill>
+              <a:srgbClr val="FFC000"/>
+            </a:solidFill>
+          </a:ln>
+          <a:extLst>
+            <a:ext uri="{909E8E84-426E-40DD-AFC4-6F175D3DCCD1}">
+              <a14:hiddenFill xmlns:a14="http://schemas.microsoft.com/office/drawing/2010/main">
+                <a:solidFill>
+                  <a:schemeClr val="accent1"/>
+                </a:solidFill>
+              </a14:hiddenFill>
+            </a:ext>
+          </a:extLst>
+        </p:spPr>
+        <p:style>
+          <a:lnRef idx="2">
+            <a:schemeClr val="accent1">
+              <a:shade val="50000"/>
+            </a:schemeClr>
+          </a:lnRef>
+          <a:fillRef idx="1">
+            <a:schemeClr val="accent1"/>
+          </a:fillRef>
+          <a:effectRef idx="0">
+            <a:schemeClr val="accent1"/>
+          </a:effectRef>
+          <a:fontRef idx="minor">
+            <a:schemeClr val="lt1"/>
+          </a:fontRef>
+        </p:style>
+        <p:txBody>
+          <a:bodyPr rtlCol="0" anchor="ctr"/>
+          <a:p>
+            <a:pPr algn="ctr"/>
+            <a:r>
+              <a:rPr lang="en-US" altLang="zh-CN">
+                <a:solidFill>
+                  <a:srgbClr val="FF0000"/>
+                </a:solidFill>
+              </a:rPr>
+              <a:t>Entry next</a:t>
+            </a:r>
+            <a:endParaRPr lang="en-US" altLang="zh-CN">
+              <a:solidFill>
+                <a:srgbClr val="FF0000"/>
+              </a:solidFill>
+            </a:endParaRPr>
+          </a:p>
+        </p:txBody>
+      </p:sp>
+      <p:sp>
+        <p:nvSpPr>
+          <p:cNvPr id="119" name="矩形 118"/>
+          <p:cNvSpPr/>
+          <p:nvPr/>
+        </p:nvSpPr>
+        <p:spPr>
+          <a:xfrm>
+            <a:off x="2754630" y="3376930"/>
+            <a:ext cx="1060450" cy="623570"/>
+          </a:xfrm>
+          <a:prstGeom prst="rect">
+            <a:avLst/>
+          </a:prstGeom>
+          <a:noFill/>
+          <a:ln w="38100">
+            <a:solidFill>
+              <a:srgbClr val="FFC000"/>
+            </a:solidFill>
+          </a:ln>
+          <a:extLst>
+            <a:ext uri="{909E8E84-426E-40DD-AFC4-6F175D3DCCD1}">
+              <a14:hiddenFill xmlns:a14="http://schemas.microsoft.com/office/drawing/2010/main">
+                <a:solidFill>
+                  <a:schemeClr val="accent1"/>
+                </a:solidFill>
+              </a14:hiddenFill>
+            </a:ext>
+          </a:extLst>
+        </p:spPr>
+        <p:style>
+          <a:lnRef idx="2">
+            <a:schemeClr val="accent1">
+              <a:shade val="50000"/>
+            </a:schemeClr>
+          </a:lnRef>
+          <a:fillRef idx="1">
+            <a:schemeClr val="accent1"/>
+          </a:fillRef>
+          <a:effectRef idx="0">
+            <a:schemeClr val="accent1"/>
+          </a:effectRef>
+          <a:fontRef idx="minor">
+            <a:schemeClr val="lt1"/>
+          </a:fontRef>
+        </p:style>
+        <p:txBody>
+          <a:bodyPr rtlCol="0" anchor="ctr"/>
+          <a:p>
+            <a:pPr algn="ctr"/>
+            <a:r>
+              <a:rPr lang="en-US" altLang="zh-CN">
+                <a:solidFill>
+                  <a:srgbClr val="FF0000"/>
+                </a:solidFill>
+              </a:rPr>
+              <a:t>hash</a:t>
+            </a:r>
+            <a:endParaRPr lang="en-US" altLang="zh-CN">
+              <a:solidFill>
+                <a:srgbClr val="FF0000"/>
+              </a:solidFill>
+            </a:endParaRPr>
+          </a:p>
+        </p:txBody>
+      </p:sp>
+      <p:sp>
+        <p:nvSpPr>
+          <p:cNvPr id="120" name="矩形 119"/>
+          <p:cNvSpPr/>
+          <p:nvPr/>
+        </p:nvSpPr>
+        <p:spPr>
+          <a:xfrm>
+            <a:off x="7619365" y="3376930"/>
+            <a:ext cx="1677035" cy="623570"/>
+          </a:xfrm>
+          <a:prstGeom prst="rect">
+            <a:avLst/>
+          </a:prstGeom>
+          <a:noFill/>
+          <a:ln w="38100">
+            <a:solidFill>
+              <a:srgbClr val="8B2C4C"/>
+            </a:solidFill>
+          </a:ln>
+          <a:extLst>
+            <a:ext uri="{909E8E84-426E-40DD-AFC4-6F175D3DCCD1}">
+              <a14:hiddenFill xmlns:a14="http://schemas.microsoft.com/office/drawing/2010/main">
+                <a:solidFill>
+                  <a:schemeClr val="accent1"/>
+                </a:solidFill>
+              </a14:hiddenFill>
+            </a:ext>
+          </a:extLst>
+        </p:spPr>
+        <p:style>
+          <a:lnRef idx="2">
+            <a:schemeClr val="accent1">
+              <a:shade val="50000"/>
+            </a:schemeClr>
+          </a:lnRef>
+          <a:fillRef idx="1">
+            <a:schemeClr val="accent1"/>
+          </a:fillRef>
+          <a:effectRef idx="0">
+            <a:schemeClr val="accent1"/>
+          </a:effectRef>
+          <a:fontRef idx="minor">
+            <a:schemeClr val="lt1"/>
+          </a:fontRef>
+        </p:style>
+        <p:txBody>
+          <a:bodyPr rtlCol="0" anchor="ctr"/>
+          <a:p>
+            <a:pPr algn="ctr"/>
+            <a:r>
+              <a:rPr lang="en-US" altLang="zh-CN">
+                <a:solidFill>
+                  <a:srgbClr val="8B2C4C"/>
+                </a:solidFill>
+              </a:rPr>
+              <a:t>Entry before</a:t>
+            </a:r>
+            <a:endParaRPr lang="en-US" altLang="zh-CN">
+              <a:solidFill>
+                <a:srgbClr val="8B2C4C"/>
+              </a:solidFill>
+            </a:endParaRPr>
+          </a:p>
+        </p:txBody>
+      </p:sp>
+      <p:sp>
+        <p:nvSpPr>
+          <p:cNvPr id="121" name="矩形 120"/>
+          <p:cNvSpPr/>
+          <p:nvPr/>
+        </p:nvSpPr>
+        <p:spPr>
+          <a:xfrm>
+            <a:off x="9296400" y="3376930"/>
+            <a:ext cx="1637665" cy="623570"/>
+          </a:xfrm>
+          <a:prstGeom prst="rect">
+            <a:avLst/>
+          </a:prstGeom>
+          <a:noFill/>
+          <a:ln w="38100">
+            <a:solidFill>
+              <a:srgbClr val="8B2C4C"/>
+            </a:solidFill>
+          </a:ln>
+          <a:extLst>
+            <a:ext uri="{909E8E84-426E-40DD-AFC4-6F175D3DCCD1}">
+              <a14:hiddenFill xmlns:a14="http://schemas.microsoft.com/office/drawing/2010/main">
+                <a:solidFill>
+                  <a:schemeClr val="accent1"/>
+                </a:solidFill>
+              </a14:hiddenFill>
+            </a:ext>
+          </a:extLst>
+        </p:spPr>
+        <p:style>
+          <a:lnRef idx="2">
+            <a:schemeClr val="accent1">
+              <a:shade val="50000"/>
+            </a:schemeClr>
+          </a:lnRef>
+          <a:fillRef idx="1">
+            <a:schemeClr val="accent1"/>
+          </a:fillRef>
+          <a:effectRef idx="0">
+            <a:schemeClr val="accent1"/>
+          </a:effectRef>
+          <a:fontRef idx="minor">
+            <a:schemeClr val="lt1"/>
+          </a:fontRef>
+        </p:style>
+        <p:txBody>
+          <a:bodyPr rtlCol="0" anchor="ctr"/>
+          <a:p>
+            <a:pPr algn="ctr"/>
+            <a:r>
+              <a:rPr lang="en-US" altLang="zh-CN">
+                <a:solidFill>
+                  <a:srgbClr val="8B2C4C"/>
+                </a:solidFill>
+              </a:rPr>
+              <a:t>Entry after</a:t>
+            </a:r>
+            <a:endParaRPr lang="en-US" altLang="zh-CN">
+              <a:solidFill>
+                <a:srgbClr val="8B2C4C"/>
+              </a:solidFill>
+            </a:endParaRPr>
+          </a:p>
+        </p:txBody>
+      </p:sp>
+      <p:sp>
+        <p:nvSpPr>
+          <p:cNvPr id="122" name="矩形 121"/>
+          <p:cNvSpPr/>
+          <p:nvPr/>
+        </p:nvSpPr>
+        <p:spPr>
+          <a:xfrm>
+            <a:off x="3815080" y="4387215"/>
+            <a:ext cx="1060450" cy="623570"/>
+          </a:xfrm>
+          <a:prstGeom prst="rect">
+            <a:avLst/>
+          </a:prstGeom>
+          <a:noFill/>
+          <a:ln w="38100">
+            <a:solidFill>
+              <a:srgbClr val="FFC000"/>
+            </a:solidFill>
+          </a:ln>
+          <a:extLst>
+            <a:ext uri="{909E8E84-426E-40DD-AFC4-6F175D3DCCD1}">
+              <a14:hiddenFill xmlns:a14="http://schemas.microsoft.com/office/drawing/2010/main">
+                <a:solidFill>
+                  <a:schemeClr val="accent1"/>
+                </a:solidFill>
+              </a14:hiddenFill>
+            </a:ext>
+          </a:extLst>
+        </p:spPr>
+        <p:style>
+          <a:lnRef idx="2">
+            <a:schemeClr val="accent1">
+              <a:shade val="50000"/>
+            </a:schemeClr>
+          </a:lnRef>
+          <a:fillRef idx="1">
+            <a:schemeClr val="accent1"/>
+          </a:fillRef>
+          <a:effectRef idx="0">
+            <a:schemeClr val="accent1"/>
+          </a:effectRef>
+          <a:fontRef idx="minor">
+            <a:schemeClr val="lt1"/>
+          </a:fontRef>
+        </p:style>
+        <p:txBody>
+          <a:bodyPr rtlCol="0" anchor="ctr"/>
+          <a:p>
+            <a:pPr algn="ctr"/>
+            <a:r>
+              <a:rPr lang="en-US" altLang="zh-CN">
+                <a:solidFill>
+                  <a:srgbClr val="FF0000"/>
+                </a:solidFill>
+              </a:rPr>
+              <a:t>key</a:t>
+            </a:r>
+            <a:endParaRPr lang="en-US" altLang="zh-CN">
+              <a:solidFill>
+                <a:srgbClr val="FF0000"/>
+              </a:solidFill>
+            </a:endParaRPr>
+          </a:p>
+        </p:txBody>
+      </p:sp>
+      <p:sp>
+        <p:nvSpPr>
+          <p:cNvPr id="123" name="矩形 122"/>
+          <p:cNvSpPr/>
+          <p:nvPr/>
+        </p:nvSpPr>
+        <p:spPr>
+          <a:xfrm>
+            <a:off x="4875530" y="4387215"/>
+            <a:ext cx="1060450" cy="623570"/>
+          </a:xfrm>
+          <a:prstGeom prst="rect">
+            <a:avLst/>
+          </a:prstGeom>
+          <a:noFill/>
+          <a:ln w="38100">
+            <a:solidFill>
+              <a:srgbClr val="FFC000"/>
+            </a:solidFill>
+          </a:ln>
+          <a:extLst>
+            <a:ext uri="{909E8E84-426E-40DD-AFC4-6F175D3DCCD1}">
+              <a14:hiddenFill xmlns:a14="http://schemas.microsoft.com/office/drawing/2010/main">
+                <a:solidFill>
+                  <a:schemeClr val="accent1"/>
+                </a:solidFill>
+              </a14:hiddenFill>
+            </a:ext>
+          </a:extLst>
+        </p:spPr>
+        <p:style>
+          <a:lnRef idx="2">
+            <a:schemeClr val="accent1">
+              <a:shade val="50000"/>
+            </a:schemeClr>
+          </a:lnRef>
+          <a:fillRef idx="1">
+            <a:schemeClr val="accent1"/>
+          </a:fillRef>
+          <a:effectRef idx="0">
+            <a:schemeClr val="accent1"/>
+          </a:effectRef>
+          <a:fontRef idx="minor">
+            <a:schemeClr val="lt1"/>
+          </a:fontRef>
+        </p:style>
+        <p:txBody>
+          <a:bodyPr rtlCol="0" anchor="ctr"/>
+          <a:p>
+            <a:pPr algn="ctr"/>
+            <a:r>
+              <a:rPr lang="en-US" altLang="zh-CN">
+                <a:solidFill>
+                  <a:srgbClr val="FF0000"/>
+                </a:solidFill>
+              </a:rPr>
+              <a:t>value</a:t>
+            </a:r>
+            <a:endParaRPr lang="en-US" altLang="zh-CN">
+              <a:solidFill>
+                <a:srgbClr val="FF0000"/>
+              </a:solidFill>
+            </a:endParaRPr>
+          </a:p>
+        </p:txBody>
+      </p:sp>
+      <p:sp>
+        <p:nvSpPr>
+          <p:cNvPr id="124" name="矩形 123"/>
+          <p:cNvSpPr/>
+          <p:nvPr/>
+        </p:nvSpPr>
+        <p:spPr>
+          <a:xfrm>
+            <a:off x="5935980" y="4387215"/>
+            <a:ext cx="1683385" cy="623570"/>
+          </a:xfrm>
+          <a:prstGeom prst="rect">
+            <a:avLst/>
+          </a:prstGeom>
+          <a:noFill/>
+          <a:ln w="38100">
+            <a:solidFill>
+              <a:srgbClr val="FFC000"/>
+            </a:solidFill>
+          </a:ln>
+          <a:extLst>
+            <a:ext uri="{909E8E84-426E-40DD-AFC4-6F175D3DCCD1}">
+              <a14:hiddenFill xmlns:a14="http://schemas.microsoft.com/office/drawing/2010/main">
+                <a:solidFill>
+                  <a:schemeClr val="accent1"/>
+                </a:solidFill>
+              </a14:hiddenFill>
+            </a:ext>
+          </a:extLst>
+        </p:spPr>
+        <p:style>
+          <a:lnRef idx="2">
+            <a:schemeClr val="accent1">
+              <a:shade val="50000"/>
+            </a:schemeClr>
+          </a:lnRef>
+          <a:fillRef idx="1">
+            <a:schemeClr val="accent1"/>
+          </a:fillRef>
+          <a:effectRef idx="0">
+            <a:schemeClr val="accent1"/>
+          </a:effectRef>
+          <a:fontRef idx="minor">
+            <a:schemeClr val="lt1"/>
+          </a:fontRef>
+        </p:style>
+        <p:txBody>
+          <a:bodyPr rtlCol="0" anchor="ctr"/>
+          <a:p>
+            <a:pPr algn="ctr"/>
+            <a:r>
+              <a:rPr lang="en-US" altLang="zh-CN">
+                <a:solidFill>
+                  <a:srgbClr val="FF0000"/>
+                </a:solidFill>
+              </a:rPr>
+              <a:t>Entry next</a:t>
+            </a:r>
+            <a:endParaRPr lang="en-US" altLang="zh-CN">
+              <a:solidFill>
+                <a:srgbClr val="FF0000"/>
+              </a:solidFill>
+            </a:endParaRPr>
+          </a:p>
+        </p:txBody>
+      </p:sp>
+      <p:sp>
+        <p:nvSpPr>
+          <p:cNvPr id="125" name="矩形 124"/>
+          <p:cNvSpPr/>
+          <p:nvPr/>
+        </p:nvSpPr>
+        <p:spPr>
+          <a:xfrm>
+            <a:off x="2754630" y="4387215"/>
+            <a:ext cx="1060450" cy="623570"/>
+          </a:xfrm>
+          <a:prstGeom prst="rect">
+            <a:avLst/>
+          </a:prstGeom>
+          <a:noFill/>
+          <a:ln w="38100">
+            <a:solidFill>
+              <a:srgbClr val="FFC000"/>
+            </a:solidFill>
+          </a:ln>
+          <a:extLst>
+            <a:ext uri="{909E8E84-426E-40DD-AFC4-6F175D3DCCD1}">
+              <a14:hiddenFill xmlns:a14="http://schemas.microsoft.com/office/drawing/2010/main">
+                <a:solidFill>
+                  <a:schemeClr val="accent1"/>
+                </a:solidFill>
+              </a14:hiddenFill>
+            </a:ext>
+          </a:extLst>
+        </p:spPr>
+        <p:style>
+          <a:lnRef idx="2">
+            <a:schemeClr val="accent1">
+              <a:shade val="50000"/>
+            </a:schemeClr>
+          </a:lnRef>
+          <a:fillRef idx="1">
+            <a:schemeClr val="accent1"/>
+          </a:fillRef>
+          <a:effectRef idx="0">
+            <a:schemeClr val="accent1"/>
+          </a:effectRef>
+          <a:fontRef idx="minor">
+            <a:schemeClr val="lt1"/>
+          </a:fontRef>
+        </p:style>
+        <p:txBody>
+          <a:bodyPr rtlCol="0" anchor="ctr"/>
+          <a:p>
+            <a:pPr algn="ctr"/>
+            <a:r>
+              <a:rPr lang="en-US" altLang="zh-CN">
+                <a:solidFill>
+                  <a:srgbClr val="FF0000"/>
+                </a:solidFill>
+              </a:rPr>
+              <a:t>hash</a:t>
+            </a:r>
+            <a:endParaRPr lang="en-US" altLang="zh-CN">
+              <a:solidFill>
+                <a:srgbClr val="FF0000"/>
+              </a:solidFill>
+            </a:endParaRPr>
+          </a:p>
+        </p:txBody>
+      </p:sp>
+      <p:sp>
+        <p:nvSpPr>
+          <p:cNvPr id="126" name="矩形 125"/>
+          <p:cNvSpPr/>
+          <p:nvPr/>
+        </p:nvSpPr>
+        <p:spPr>
+          <a:xfrm>
+            <a:off x="7619365" y="4387215"/>
+            <a:ext cx="1677035" cy="623570"/>
+          </a:xfrm>
+          <a:prstGeom prst="rect">
+            <a:avLst/>
+          </a:prstGeom>
+          <a:noFill/>
+          <a:ln w="38100">
+            <a:solidFill>
+              <a:srgbClr val="8B2C4C"/>
+            </a:solidFill>
+          </a:ln>
+          <a:extLst>
+            <a:ext uri="{909E8E84-426E-40DD-AFC4-6F175D3DCCD1}">
+              <a14:hiddenFill xmlns:a14="http://schemas.microsoft.com/office/drawing/2010/main">
+                <a:solidFill>
+                  <a:schemeClr val="accent1"/>
+                </a:solidFill>
+              </a14:hiddenFill>
+            </a:ext>
+          </a:extLst>
+        </p:spPr>
+        <p:style>
+          <a:lnRef idx="2">
+            <a:schemeClr val="accent1">
+              <a:shade val="50000"/>
+            </a:schemeClr>
+          </a:lnRef>
+          <a:fillRef idx="1">
+            <a:schemeClr val="accent1"/>
+          </a:fillRef>
+          <a:effectRef idx="0">
+            <a:schemeClr val="accent1"/>
+          </a:effectRef>
+          <a:fontRef idx="minor">
+            <a:schemeClr val="lt1"/>
+          </a:fontRef>
+        </p:style>
+        <p:txBody>
+          <a:bodyPr rtlCol="0" anchor="ctr"/>
+          <a:p>
+            <a:pPr algn="ctr"/>
+            <a:r>
+              <a:rPr lang="en-US" altLang="zh-CN">
+                <a:solidFill>
+                  <a:srgbClr val="8B2C4C"/>
+                </a:solidFill>
+              </a:rPr>
+              <a:t>Entry before</a:t>
+            </a:r>
+            <a:endParaRPr lang="en-US" altLang="zh-CN">
+              <a:solidFill>
+                <a:srgbClr val="8B2C4C"/>
+              </a:solidFill>
+            </a:endParaRPr>
+          </a:p>
+        </p:txBody>
+      </p:sp>
+      <p:sp>
+        <p:nvSpPr>
+          <p:cNvPr id="127" name="矩形 126"/>
+          <p:cNvSpPr/>
+          <p:nvPr/>
+        </p:nvSpPr>
+        <p:spPr>
+          <a:xfrm>
+            <a:off x="9296400" y="4387215"/>
+            <a:ext cx="1637665" cy="623570"/>
+          </a:xfrm>
+          <a:prstGeom prst="rect">
+            <a:avLst/>
+          </a:prstGeom>
+          <a:noFill/>
+          <a:ln w="38100">
+            <a:solidFill>
+              <a:srgbClr val="8B2C4C"/>
+            </a:solidFill>
+          </a:ln>
+          <a:extLst>
+            <a:ext uri="{909E8E84-426E-40DD-AFC4-6F175D3DCCD1}">
+              <a14:hiddenFill xmlns:a14="http://schemas.microsoft.com/office/drawing/2010/main">
+                <a:solidFill>
+                  <a:schemeClr val="accent1"/>
+                </a:solidFill>
+              </a14:hiddenFill>
+            </a:ext>
+          </a:extLst>
+        </p:spPr>
+        <p:style>
+          <a:lnRef idx="2">
+            <a:schemeClr val="accent1">
+              <a:shade val="50000"/>
+            </a:schemeClr>
+          </a:lnRef>
+          <a:fillRef idx="1">
+            <a:schemeClr val="accent1"/>
+          </a:fillRef>
+          <a:effectRef idx="0">
+            <a:schemeClr val="accent1"/>
+          </a:effectRef>
+          <a:fontRef idx="minor">
+            <a:schemeClr val="lt1"/>
+          </a:fontRef>
+        </p:style>
+        <p:txBody>
+          <a:bodyPr rtlCol="0" anchor="ctr"/>
+          <a:p>
+            <a:pPr algn="ctr"/>
+            <a:r>
+              <a:rPr lang="en-US" altLang="zh-CN">
+                <a:solidFill>
+                  <a:srgbClr val="8B2C4C"/>
+                </a:solidFill>
+              </a:rPr>
+              <a:t>Entry after</a:t>
+            </a:r>
+            <a:endParaRPr lang="en-US" altLang="zh-CN">
+              <a:solidFill>
+                <a:srgbClr val="8B2C4C"/>
+              </a:solidFill>
+            </a:endParaRPr>
+          </a:p>
+        </p:txBody>
+      </p:sp>
+      <p:sp>
+        <p:nvSpPr>
+          <p:cNvPr id="129" name="矩形标注 128"/>
+          <p:cNvSpPr/>
+          <p:nvPr/>
+        </p:nvSpPr>
+        <p:spPr>
+          <a:xfrm>
+            <a:off x="2487295" y="1303020"/>
+            <a:ext cx="8731250" cy="892175"/>
+          </a:xfrm>
+          <a:prstGeom prst="wedgeRectCallout">
+            <a:avLst>
+              <a:gd name="adj1" fmla="val -58992"/>
+              <a:gd name="adj2" fmla="val 4712"/>
+            </a:avLst>
+          </a:prstGeom>
+          <a:noFill/>
+          <a:ln w="38100">
+            <a:solidFill>
+              <a:srgbClr val="00FC4D"/>
+            </a:solidFill>
+          </a:ln>
+          <a:extLst>
+            <a:ext uri="{909E8E84-426E-40DD-AFC4-6F175D3DCCD1}">
+              <a14:hiddenFill xmlns:a14="http://schemas.microsoft.com/office/drawing/2010/main">
+                <a:solidFill>
+                  <a:schemeClr val="accent2"/>
+                </a:solidFill>
+              </a14:hiddenFill>
+            </a:ext>
+          </a:extLst>
+        </p:spPr>
+        <p:style>
+          <a:lnRef idx="2">
+            <a:schemeClr val="accent1">
+              <a:shade val="50000"/>
+            </a:schemeClr>
+          </a:lnRef>
+          <a:fillRef idx="1">
+            <a:schemeClr val="accent1"/>
+          </a:fillRef>
+          <a:effectRef idx="0">
+            <a:schemeClr val="accent1"/>
+          </a:effectRef>
+          <a:fontRef idx="minor">
+            <a:schemeClr val="lt1"/>
+          </a:fontRef>
+        </p:style>
+        <p:txBody>
+          <a:bodyPr rtlCol="0" anchor="ctr"/>
+          <a:p>
+            <a:pPr algn="ctr"/>
+            <a:endParaRPr lang="zh-CN" altLang="en-US"/>
+          </a:p>
+        </p:txBody>
+      </p:sp>
+      <p:sp>
+        <p:nvSpPr>
+          <p:cNvPr id="130" name="文本框 129"/>
           <p:cNvSpPr txBox="1"/>
           <p:nvPr/>
         </p:nvSpPr>
         <p:spPr>
           <a:xfrm>
-            <a:off x="106680" y="1520190"/>
-            <a:ext cx="12085320" cy="1076325"/>
+            <a:off x="380365" y="6295390"/>
+            <a:ext cx="2345690" cy="368300"/>
           </a:xfrm>
           <a:prstGeom prst="rect">
             <a:avLst/>
@@ -19695,96 +21667,39 @@
           </a:bodyPr>
           <a:p>
             <a:r>
-              <a:rPr lang="zh-CN" altLang="en-US" sz="1600">
-                <a:latin typeface="宋体" panose="02010600030101010101" pitchFamily="2" charset="-122"/>
-                <a:ea typeface="宋体" panose="02010600030101010101" pitchFamily="2" charset="-122"/>
-                <a:cs typeface="宋体" panose="02010600030101010101" pitchFamily="2" charset="-122"/>
-              </a:rPr>
-              <a:t>Stack是栈。它的特性是：</a:t>
-            </a:r>
-            <a:r>
-              <a:rPr lang="zh-CN" altLang="en-US" sz="1600">
-                <a:solidFill>
-                  <a:srgbClr val="FF0000"/>
-                </a:solidFill>
-                <a:latin typeface="宋体" panose="02010600030101010101" pitchFamily="2" charset="-122"/>
-                <a:ea typeface="宋体" panose="02010600030101010101" pitchFamily="2" charset="-122"/>
-                <a:cs typeface="宋体" panose="02010600030101010101" pitchFamily="2" charset="-122"/>
-              </a:rPr>
-              <a:t>先进后出</a:t>
-            </a:r>
-            <a:r>
-              <a:rPr lang="zh-CN" altLang="en-US" sz="1600">
-                <a:latin typeface="宋体" panose="02010600030101010101" pitchFamily="2" charset="-122"/>
-                <a:ea typeface="宋体" panose="02010600030101010101" pitchFamily="2" charset="-122"/>
-                <a:cs typeface="宋体" panose="02010600030101010101" pitchFamily="2" charset="-122"/>
-              </a:rPr>
-              <a:t>(FILO, First In Last Out)。</a:t>
-            </a:r>
-            <a:endParaRPr lang="zh-CN" altLang="en-US" sz="1600">
-              <a:latin typeface="宋体" panose="02010600030101010101" pitchFamily="2" charset="-122"/>
-              <a:ea typeface="宋体" panose="02010600030101010101" pitchFamily="2" charset="-122"/>
-              <a:cs typeface="宋体" panose="02010600030101010101" pitchFamily="2" charset="-122"/>
-            </a:endParaRPr>
-          </a:p>
-          <a:p>
-            <a:endParaRPr lang="zh-CN" altLang="en-US" sz="1600">
-              <a:latin typeface="宋体" panose="02010600030101010101" pitchFamily="2" charset="-122"/>
-              <a:ea typeface="宋体" panose="02010600030101010101" pitchFamily="2" charset="-122"/>
-              <a:cs typeface="宋体" panose="02010600030101010101" pitchFamily="2" charset="-122"/>
-            </a:endParaRPr>
-          </a:p>
-          <a:p>
-            <a:r>
-              <a:rPr lang="zh-CN" altLang="en-US" sz="1600">
-                <a:latin typeface="宋体" panose="02010600030101010101" pitchFamily="2" charset="-122"/>
-                <a:ea typeface="宋体" panose="02010600030101010101" pitchFamily="2" charset="-122"/>
-                <a:cs typeface="宋体" panose="02010600030101010101" pitchFamily="2" charset="-122"/>
-              </a:rPr>
-              <a:t>java工具包中的Stack是继承于Vector(矢量队列)的，由于Vector是通过数组实现的，这就意味着，Stack也是通过数组实现的，而非链表。当然，我们也可以将LinkedList当作栈来使用！</a:t>
-            </a:r>
-            <a:endParaRPr lang="zh-CN" altLang="en-US" sz="1600">
-              <a:latin typeface="宋体" panose="02010600030101010101" pitchFamily="2" charset="-122"/>
-              <a:ea typeface="宋体" panose="02010600030101010101" pitchFamily="2" charset="-122"/>
-              <a:cs typeface="宋体" panose="02010600030101010101" pitchFamily="2" charset="-122"/>
-            </a:endParaRPr>
-          </a:p>
-        </p:txBody>
-      </p:sp>
-      <p:pic>
-        <p:nvPicPr>
-          <p:cNvPr id="3" name="图片 2"/>
-          <p:cNvPicPr>
-            <a:picLocks noChangeAspect="1"/>
-          </p:cNvPicPr>
-          <p:nvPr/>
-        </p:nvPicPr>
-        <p:blipFill>
-          <a:blip r:embed="rId2"/>
-          <a:stretch>
-            <a:fillRect/>
-          </a:stretch>
-        </p:blipFill>
-        <p:spPr>
-          <a:xfrm>
-            <a:off x="210185" y="2882900"/>
-            <a:ext cx="8077200" cy="3383280"/>
-          </a:xfrm>
-          <a:prstGeom prst="rect">
-            <a:avLst/>
-          </a:prstGeom>
-        </p:spPr>
-      </p:pic>
-      <p:sp>
-        <p:nvSpPr>
-          <p:cNvPr id="6" name="文本框 5"/>
+              <a:rPr lang="zh-CN" altLang="en-US" b="1">
+                <a:solidFill>
+                  <a:schemeClr val="accent1"/>
+                </a:solidFill>
+              </a:rPr>
+              <a:t>变长数组存储</a:t>
+            </a:r>
+            <a:r>
+              <a:rPr lang="en-US" altLang="zh-CN" b="1">
+                <a:solidFill>
+                  <a:schemeClr val="accent1"/>
+                </a:solidFill>
+              </a:rPr>
+              <a:t>Entry</a:t>
+            </a:r>
+            <a:endParaRPr lang="en-US" altLang="zh-CN" b="1">
+              <a:solidFill>
+                <a:schemeClr val="accent1"/>
+              </a:solidFill>
+            </a:endParaRPr>
+          </a:p>
+        </p:txBody>
+      </p:sp>
+      <p:sp>
+        <p:nvSpPr>
+          <p:cNvPr id="131" name="文本框 130"/>
           <p:cNvSpPr txBox="1"/>
           <p:nvPr/>
         </p:nvSpPr>
         <p:spPr>
           <a:xfrm>
-            <a:off x="321310" y="819150"/>
-            <a:ext cx="11569700" cy="583565"/>
+            <a:off x="188595" y="3849370"/>
+            <a:ext cx="1059815" cy="368300"/>
           </a:xfrm>
           <a:prstGeom prst="rect">
             <a:avLst/>
@@ -19796,18 +21711,454 @@
             <a:spAutoFit/>
           </a:bodyPr>
           <a:p>
+            <a:r>
+              <a:rPr lang="en-US" altLang="zh-CN" b="1">
+                <a:solidFill>
+                  <a:schemeClr val="accent1"/>
+                </a:solidFill>
+              </a:rPr>
+              <a:t>Entry[ ]</a:t>
+            </a:r>
+            <a:endParaRPr lang="zh-CN" altLang="en-US" b="1">
+              <a:solidFill>
+                <a:schemeClr val="accent1"/>
+              </a:solidFill>
+            </a:endParaRPr>
+          </a:p>
+        </p:txBody>
+      </p:sp>
+      <p:sp>
+        <p:nvSpPr>
+          <p:cNvPr id="132" name="矩形标注 131"/>
+          <p:cNvSpPr/>
+          <p:nvPr/>
+        </p:nvSpPr>
+        <p:spPr>
+          <a:xfrm>
+            <a:off x="7522845" y="1152525"/>
+            <a:ext cx="3546475" cy="4027170"/>
+          </a:xfrm>
+          <a:prstGeom prst="wedgeRectCallout">
+            <a:avLst>
+              <a:gd name="adj1" fmla="val 20671"/>
+              <a:gd name="adj2" fmla="val 64506"/>
+            </a:avLst>
+          </a:prstGeom>
+          <a:noFill/>
+          <a:ln w="38100">
+            <a:solidFill>
+              <a:srgbClr val="8B2C4C"/>
+            </a:solidFill>
+          </a:ln>
+          <a:extLst>
+            <a:ext uri="{909E8E84-426E-40DD-AFC4-6F175D3DCCD1}">
+              <a14:hiddenFill xmlns:a14="http://schemas.microsoft.com/office/drawing/2010/main">
+                <a:solidFill>
+                  <a:schemeClr val="accent2"/>
+                </a:solidFill>
+              </a14:hiddenFill>
+            </a:ext>
+          </a:extLst>
+        </p:spPr>
+        <p:style>
+          <a:lnRef idx="2">
+            <a:schemeClr val="accent1">
+              <a:shade val="50000"/>
+            </a:schemeClr>
+          </a:lnRef>
+          <a:fillRef idx="1">
+            <a:schemeClr val="accent1"/>
+          </a:fillRef>
+          <a:effectRef idx="0">
+            <a:schemeClr val="accent1"/>
+          </a:effectRef>
+          <a:fontRef idx="minor">
+            <a:schemeClr val="lt1"/>
+          </a:fontRef>
+        </p:style>
+        <p:txBody>
+          <a:bodyPr rtlCol="0" anchor="ctr"/>
+          <a:p>
             <a:pPr algn="ctr"/>
-            <a:r>
-              <a:rPr lang="en-US" altLang="zh-CN" sz="3200"/>
-              <a:t>Stack</a:t>
-            </a:r>
-            <a:endParaRPr lang="en-US" altLang="zh-CN" sz="3200"/>
+            <a:endParaRPr lang="zh-CN" altLang="en-US"/>
+          </a:p>
+        </p:txBody>
+      </p:sp>
+      <p:sp>
+        <p:nvSpPr>
+          <p:cNvPr id="133" name="文本框 132"/>
+          <p:cNvSpPr txBox="1"/>
+          <p:nvPr/>
+        </p:nvSpPr>
+        <p:spPr>
+          <a:xfrm>
+            <a:off x="8206740" y="5773420"/>
+            <a:ext cx="3797935" cy="368300"/>
+          </a:xfrm>
+          <a:prstGeom prst="rect">
+            <a:avLst/>
+          </a:prstGeom>
+          <a:noFill/>
+        </p:spPr>
+        <p:txBody>
+          <a:bodyPr wrap="square" rtlCol="0">
+            <a:spAutoFit/>
+          </a:bodyPr>
+          <a:p>
+            <a:r>
+              <a:rPr lang="en-US" b="1">
+                <a:solidFill>
+                  <a:srgbClr val="8B2C4C"/>
+                </a:solidFill>
+              </a:rPr>
+              <a:t>LinkedHashMap </a:t>
+            </a:r>
+            <a:r>
+              <a:rPr lang="zh-CN" altLang="en-US" b="1">
+                <a:solidFill>
+                  <a:srgbClr val="8B2C4C"/>
+                </a:solidFill>
+              </a:rPr>
+              <a:t>独有，管理顺序</a:t>
+            </a:r>
+            <a:endParaRPr lang="en-US" altLang="zh-CN" b="1">
+              <a:solidFill>
+                <a:srgbClr val="8B2C4C"/>
+              </a:solidFill>
+            </a:endParaRPr>
+          </a:p>
+        </p:txBody>
+      </p:sp>
+      <p:sp>
+        <p:nvSpPr>
+          <p:cNvPr id="134" name="矩形标注 133"/>
+          <p:cNvSpPr/>
+          <p:nvPr/>
+        </p:nvSpPr>
+        <p:spPr>
+          <a:xfrm>
+            <a:off x="6193790" y="1152525"/>
+            <a:ext cx="1167765" cy="4027170"/>
+          </a:xfrm>
+          <a:prstGeom prst="wedgeRectCallout">
+            <a:avLst>
+              <a:gd name="adj1" fmla="val 20690"/>
+              <a:gd name="adj2" fmla="val 72169"/>
+            </a:avLst>
+          </a:prstGeom>
+          <a:noFill/>
+          <a:ln w="38100">
+            <a:solidFill>
+              <a:srgbClr val="CB24DA"/>
+            </a:solidFill>
+          </a:ln>
+          <a:extLst>
+            <a:ext uri="{909E8E84-426E-40DD-AFC4-6F175D3DCCD1}">
+              <a14:hiddenFill xmlns:a14="http://schemas.microsoft.com/office/drawing/2010/main">
+                <a:solidFill>
+                  <a:schemeClr val="accent2"/>
+                </a:solidFill>
+              </a14:hiddenFill>
+            </a:ext>
+          </a:extLst>
+        </p:spPr>
+        <p:style>
+          <a:lnRef idx="2">
+            <a:schemeClr val="accent1">
+              <a:shade val="50000"/>
+            </a:schemeClr>
+          </a:lnRef>
+          <a:fillRef idx="1">
+            <a:schemeClr val="accent1"/>
+          </a:fillRef>
+          <a:effectRef idx="0">
+            <a:schemeClr val="accent1"/>
+          </a:effectRef>
+          <a:fontRef idx="minor">
+            <a:schemeClr val="lt1"/>
+          </a:fontRef>
+        </p:style>
+        <p:txBody>
+          <a:bodyPr rtlCol="0" anchor="ctr"/>
+          <a:p>
+            <a:pPr algn="ctr"/>
+            <a:endParaRPr lang="zh-CN" altLang="en-US"/>
+          </a:p>
+        </p:txBody>
+      </p:sp>
+      <p:sp>
+        <p:nvSpPr>
+          <p:cNvPr id="135" name="文本框 134"/>
+          <p:cNvSpPr txBox="1"/>
+          <p:nvPr/>
+        </p:nvSpPr>
+        <p:spPr>
+          <a:xfrm>
+            <a:off x="3173095" y="6141720"/>
+            <a:ext cx="4732655" cy="368300"/>
+          </a:xfrm>
+          <a:prstGeom prst="rect">
+            <a:avLst/>
+          </a:prstGeom>
+          <a:noFill/>
+        </p:spPr>
+        <p:txBody>
+          <a:bodyPr wrap="square" rtlCol="0">
+            <a:spAutoFit/>
+          </a:bodyPr>
+          <a:p>
+            <a:r>
+              <a:rPr lang="zh-CN" b="1">
+                <a:solidFill>
+                  <a:srgbClr val="CB24DA"/>
+                </a:solidFill>
+              </a:rPr>
+              <a:t>每一个</a:t>
+            </a:r>
+            <a:r>
+              <a:rPr lang="en-US" altLang="zh-CN" b="1">
+                <a:solidFill>
+                  <a:srgbClr val="CB24DA"/>
+                </a:solidFill>
+              </a:rPr>
+              <a:t>Entry</a:t>
+            </a:r>
+            <a:r>
+              <a:rPr lang="zh-CN" altLang="en-US" b="1">
+                <a:solidFill>
+                  <a:srgbClr val="CB24DA"/>
+                </a:solidFill>
+              </a:rPr>
+              <a:t>实例通过 </a:t>
+            </a:r>
+            <a:r>
+              <a:rPr lang="en-US" altLang="zh-CN" b="1">
+                <a:solidFill>
+                  <a:srgbClr val="CB24DA"/>
+                </a:solidFill>
+              </a:rPr>
+              <a:t>next </a:t>
+            </a:r>
+            <a:r>
+              <a:rPr lang="zh-CN" altLang="en-US" b="1">
+                <a:solidFill>
+                  <a:srgbClr val="CB24DA"/>
+                </a:solidFill>
+              </a:rPr>
+              <a:t>形成了一个链表</a:t>
+            </a:r>
+            <a:endParaRPr lang="zh-CN" altLang="en-US" b="1">
+              <a:solidFill>
+                <a:srgbClr val="CB24DA"/>
+              </a:solidFill>
+            </a:endParaRPr>
+          </a:p>
+        </p:txBody>
+      </p:sp>
+      <p:sp>
+        <p:nvSpPr>
+          <p:cNvPr id="136" name="文本框 135"/>
+          <p:cNvSpPr txBox="1"/>
+          <p:nvPr/>
+        </p:nvSpPr>
+        <p:spPr>
+          <a:xfrm>
+            <a:off x="240665" y="634365"/>
+            <a:ext cx="11583670" cy="368300"/>
+          </a:xfrm>
+          <a:prstGeom prst="rect">
+            <a:avLst/>
+          </a:prstGeom>
+          <a:noFill/>
+        </p:spPr>
+        <p:txBody>
+          <a:bodyPr wrap="square" rtlCol="0">
+            <a:spAutoFit/>
+          </a:bodyPr>
+          <a:p>
+            <a:pPr algn="ctr"/>
+            <a:r>
+              <a:rPr lang="en-US" altLang="zh-CN" b="1">
+                <a:solidFill>
+                  <a:srgbClr val="FF0000"/>
+                </a:solidFill>
+                <a:effectLst/>
+              </a:rPr>
+              <a:t>HashMap </a:t>
+            </a:r>
+            <a:r>
+              <a:rPr lang="zh-CN" altLang="en-US" b="1">
+                <a:solidFill>
+                  <a:srgbClr val="FF0000"/>
+                </a:solidFill>
+                <a:effectLst/>
+              </a:rPr>
+              <a:t>底层使用变长数组 </a:t>
+            </a:r>
+            <a:r>
+              <a:rPr lang="en-US" altLang="zh-CN" b="1">
+                <a:solidFill>
+                  <a:srgbClr val="FF0000"/>
+                </a:solidFill>
+                <a:effectLst/>
+              </a:rPr>
+              <a:t>+ </a:t>
+            </a:r>
+            <a:r>
+              <a:rPr lang="zh-CN" altLang="en-US" b="1">
+                <a:solidFill>
+                  <a:srgbClr val="FF0000"/>
+                </a:solidFill>
+                <a:effectLst/>
+              </a:rPr>
+              <a:t>链表</a:t>
+            </a:r>
+            <a:endParaRPr lang="zh-CN" altLang="en-US" b="1">
+              <a:solidFill>
+                <a:srgbClr val="FF0000"/>
+              </a:solidFill>
+              <a:effectLst/>
+            </a:endParaRPr>
+          </a:p>
+        </p:txBody>
+      </p:sp>
+      <p:sp>
+        <p:nvSpPr>
+          <p:cNvPr id="137" name="椭圆形标注 136"/>
+          <p:cNvSpPr/>
+          <p:nvPr/>
+        </p:nvSpPr>
+        <p:spPr>
+          <a:xfrm>
+            <a:off x="2503170" y="4239895"/>
+            <a:ext cx="1512570" cy="895985"/>
+          </a:xfrm>
+          <a:prstGeom prst="wedgeEllipseCallout">
+            <a:avLst>
+              <a:gd name="adj1" fmla="val -44500"/>
+              <a:gd name="adj2" fmla="val 71332"/>
+            </a:avLst>
+          </a:prstGeom>
+          <a:noFill/>
+          <a:ln w="38100">
+            <a:solidFill>
+              <a:srgbClr val="0070C0"/>
+            </a:solidFill>
+          </a:ln>
+          <a:extLst>
+            <a:ext uri="{909E8E84-426E-40DD-AFC4-6F175D3DCCD1}">
+              <a14:hiddenFill xmlns:a14="http://schemas.microsoft.com/office/drawing/2010/main">
+                <a:solidFill>
+                  <a:schemeClr val="accent1"/>
+                </a:solidFill>
+              </a14:hiddenFill>
+            </a:ext>
+          </a:extLst>
+        </p:spPr>
+        <p:style>
+          <a:lnRef idx="2">
+            <a:schemeClr val="accent1">
+              <a:shade val="50000"/>
+            </a:schemeClr>
+          </a:lnRef>
+          <a:fillRef idx="1">
+            <a:schemeClr val="accent1"/>
+          </a:fillRef>
+          <a:effectRef idx="0">
+            <a:schemeClr val="accent1"/>
+          </a:effectRef>
+          <a:fontRef idx="minor">
+            <a:schemeClr val="lt1"/>
+          </a:fontRef>
+        </p:style>
+        <p:txBody>
+          <a:bodyPr rtlCol="0" anchor="ctr"/>
+          <a:p>
+            <a:pPr algn="ctr"/>
+            <a:endParaRPr lang="zh-CN" altLang="en-US"/>
+          </a:p>
+        </p:txBody>
+      </p:sp>
+      <p:sp>
+        <p:nvSpPr>
+          <p:cNvPr id="138" name="文本框 137"/>
+          <p:cNvSpPr txBox="1"/>
+          <p:nvPr/>
+        </p:nvSpPr>
+        <p:spPr>
+          <a:xfrm>
+            <a:off x="2127885" y="5405120"/>
+            <a:ext cx="4732655" cy="645160"/>
+          </a:xfrm>
+          <a:prstGeom prst="rect">
+            <a:avLst/>
+          </a:prstGeom>
+          <a:noFill/>
+        </p:spPr>
+        <p:txBody>
+          <a:bodyPr wrap="square" rtlCol="0">
+            <a:spAutoFit/>
+          </a:bodyPr>
+          <a:p>
+            <a:r>
+              <a:rPr lang="zh-CN" b="1">
+                <a:solidFill>
+                  <a:srgbClr val="0070C0"/>
+                </a:solidFill>
+              </a:rPr>
+              <a:t>重写 </a:t>
+            </a:r>
+            <a:r>
+              <a:rPr lang="en-US" altLang="zh-CN" b="1">
+                <a:solidFill>
+                  <a:srgbClr val="0070C0"/>
+                </a:solidFill>
+              </a:rPr>
+              <a:t>equals</a:t>
+            </a:r>
+            <a:r>
+              <a:rPr lang="zh-CN" altLang="en-US" b="1">
+                <a:solidFill>
+                  <a:srgbClr val="0070C0"/>
+                </a:solidFill>
+              </a:rPr>
+              <a:t>方法必须重写 </a:t>
+            </a:r>
+            <a:r>
+              <a:rPr lang="en-US" altLang="zh-CN" b="1">
+                <a:solidFill>
+                  <a:srgbClr val="0070C0"/>
+                </a:solidFill>
+              </a:rPr>
+              <a:t>hashcode </a:t>
+            </a:r>
+            <a:r>
+              <a:rPr lang="zh-CN" altLang="en-US" b="1">
+                <a:solidFill>
+                  <a:srgbClr val="0070C0"/>
+                </a:solidFill>
+              </a:rPr>
+              <a:t>方法，防止不同对象有相同的 </a:t>
+            </a:r>
+            <a:r>
+              <a:rPr lang="en-US" altLang="zh-CN" b="1">
+                <a:solidFill>
+                  <a:srgbClr val="0070C0"/>
+                </a:solidFill>
+              </a:rPr>
+              <a:t>hashcode</a:t>
+            </a:r>
+            <a:endParaRPr lang="en-US" altLang="zh-CN" b="1">
+              <a:solidFill>
+                <a:srgbClr val="0070C0"/>
+              </a:solidFill>
+            </a:endParaRPr>
           </a:p>
         </p:txBody>
       </p:sp>
     </p:spTree>
     <p:custDataLst>
-      <p:tags r:id="rId3"/>
+      <p:tags r:id="rId2"/>
     </p:custDataLst>
   </p:cSld>
   <p:clrMapOvr>
@@ -19845,8 +22196,8 @@
         </p:nvSpPr>
         <p:spPr>
           <a:xfrm>
-            <a:off x="222885" y="1402715"/>
-            <a:ext cx="11767185" cy="5015865"/>
+            <a:off x="106680" y="1520190"/>
+            <a:ext cx="12085320" cy="1076325"/>
           </a:xfrm>
           <a:prstGeom prst="rect">
             <a:avLst/>
@@ -19864,7 +22215,26 @@
                 <a:ea typeface="宋体" panose="02010600030101010101" pitchFamily="2" charset="-122"/>
                 <a:cs typeface="宋体" panose="02010600030101010101" pitchFamily="2" charset="-122"/>
               </a:rPr>
-              <a:t>Java Queue接口是Java Collections Framework的成员。</a:t>
+              <a:t>Stack是栈。它的特性是：</a:t>
+            </a:r>
+            <a:r>
+              <a:rPr lang="zh-CN" altLang="en-US" sz="1600">
+                <a:solidFill>
+                  <a:srgbClr val="FF0000"/>
+                </a:solidFill>
+                <a:latin typeface="宋体" panose="02010600030101010101" pitchFamily="2" charset="-122"/>
+                <a:ea typeface="宋体" panose="02010600030101010101" pitchFamily="2" charset="-122"/>
+                <a:cs typeface="宋体" panose="02010600030101010101" pitchFamily="2" charset="-122"/>
+              </a:rPr>
+              <a:t>先进后出</a:t>
+            </a:r>
+            <a:r>
+              <a:rPr lang="zh-CN" altLang="en-US" sz="1600">
+                <a:latin typeface="宋体" panose="02010600030101010101" pitchFamily="2" charset="-122"/>
+                <a:ea typeface="宋体" panose="02010600030101010101" pitchFamily="2" charset="-122"/>
+                <a:cs typeface="宋体" panose="02010600030101010101" pitchFamily="2" charset="-122"/>
+              </a:rPr>
+              <a:t>(FILO, First In Last Out)。</a:t>
             </a:r>
             <a:endParaRPr lang="zh-CN" altLang="en-US" sz="1600">
               <a:latin typeface="宋体" panose="02010600030101010101" pitchFamily="2" charset="-122"/>
@@ -19873,13 +22243,20 @@
             </a:endParaRPr>
           </a:p>
           <a:p>
+            <a:endParaRPr lang="zh-CN" altLang="en-US" sz="1600">
+              <a:latin typeface="宋体" panose="02010600030101010101" pitchFamily="2" charset="-122"/>
+              <a:ea typeface="宋体" panose="02010600030101010101" pitchFamily="2" charset="-122"/>
+              <a:cs typeface="宋体" panose="02010600030101010101" pitchFamily="2" charset="-122"/>
+            </a:endParaRPr>
+          </a:p>
+          <a:p>
             <a:r>
               <a:rPr lang="zh-CN" altLang="en-US" sz="1600">
                 <a:latin typeface="宋体" panose="02010600030101010101" pitchFamily="2" charset="-122"/>
                 <a:ea typeface="宋体" panose="02010600030101010101" pitchFamily="2" charset="-122"/>
                 <a:cs typeface="宋体" panose="02010600030101010101" pitchFamily="2" charset="-122"/>
               </a:rPr>
-              <a:t>Queue 实现通常不允许插入 null 元素</a:t>
+              <a:t>java工具包中的Stack是继承于Vector(矢量队列)的，由于Vector是通过数组实现的，这就意味着，Stack也是通过数组实现的，而非链表。当然，我们也可以将LinkedList当作栈来使用！</a:t>
             </a:r>
             <a:endParaRPr lang="zh-CN" altLang="en-US" sz="1600">
               <a:latin typeface="宋体" panose="02010600030101010101" pitchFamily="2" charset="-122"/>
@@ -19887,213 +22264,32 @@
               <a:cs typeface="宋体" panose="02010600030101010101" pitchFamily="2" charset="-122"/>
             </a:endParaRPr>
           </a:p>
-          <a:p>
-            <a:r>
-              <a:rPr lang="zh-CN" altLang="en-US" sz="1600">
-                <a:latin typeface="宋体" panose="02010600030101010101" pitchFamily="2" charset="-122"/>
-                <a:ea typeface="宋体" panose="02010600030101010101" pitchFamily="2" charset="-122"/>
-                <a:cs typeface="宋体" panose="02010600030101010101" pitchFamily="2" charset="-122"/>
-              </a:rPr>
-              <a:t>队列通常（但并非一定）以 </a:t>
-            </a:r>
-            <a:r>
-              <a:rPr lang="zh-CN" altLang="en-US" sz="1600">
-                <a:solidFill>
-                  <a:srgbClr val="FF0000"/>
-                </a:solidFill>
-                <a:latin typeface="宋体" panose="02010600030101010101" pitchFamily="2" charset="-122"/>
-                <a:ea typeface="宋体" panose="02010600030101010101" pitchFamily="2" charset="-122"/>
-                <a:cs typeface="宋体" panose="02010600030101010101" pitchFamily="2" charset="-122"/>
-              </a:rPr>
-              <a:t>FIFO（先进先出）</a:t>
-            </a:r>
-            <a:r>
-              <a:rPr lang="zh-CN" altLang="en-US" sz="1600">
-                <a:latin typeface="宋体" panose="02010600030101010101" pitchFamily="2" charset="-122"/>
-                <a:ea typeface="宋体" panose="02010600030101010101" pitchFamily="2" charset="-122"/>
-                <a:cs typeface="宋体" panose="02010600030101010101" pitchFamily="2" charset="-122"/>
-              </a:rPr>
-              <a:t>的方式排序各个元素。不过优先级队列和 LIFO 队列（或堆栈）例外，前者根据提供的比较器或元素的自然顺序对元素进行排序，后者按 LIFO（后进先出）的方式对元素进行排序。无论使用哪种排序方式，队列的头 都是调用 remove() 或 poll() 所移除的元素。在 FIFO 队列中，所有的新元素都插入队列的末尾。其他种类的队列可能使用不同的元素放置规则。每个 Queue 实现必须指定其顺序属性。</a:t>
-            </a:r>
-            <a:endParaRPr lang="zh-CN" altLang="en-US" sz="1600">
-              <a:latin typeface="宋体" panose="02010600030101010101" pitchFamily="2" charset="-122"/>
-              <a:ea typeface="宋体" panose="02010600030101010101" pitchFamily="2" charset="-122"/>
-              <a:cs typeface="宋体" panose="02010600030101010101" pitchFamily="2" charset="-122"/>
-            </a:endParaRPr>
-          </a:p>
-          <a:p>
-            <a:r>
-              <a:rPr lang="zh-CN" altLang="en-US" sz="1600">
-                <a:latin typeface="宋体" panose="02010600030101010101" pitchFamily="2" charset="-122"/>
-                <a:ea typeface="宋体" panose="02010600030101010101" pitchFamily="2" charset="-122"/>
-                <a:cs typeface="宋体" panose="02010600030101010101" pitchFamily="2" charset="-122"/>
-              </a:rPr>
-              <a:t>在处理元素前用于保存元素的 collection。除了基本的 Collection 操作外，队列还提供其他的插入、提取和检查操作。每个方法都存在两种形式：一种抛出异常（操作失败时），另一种返回一个特殊值（null 或 false，具体取决于操作）。</a:t>
-            </a:r>
-            <a:endParaRPr lang="zh-CN" altLang="en-US" sz="1600">
-              <a:latin typeface="宋体" panose="02010600030101010101" pitchFamily="2" charset="-122"/>
-              <a:ea typeface="宋体" panose="02010600030101010101" pitchFamily="2" charset="-122"/>
-              <a:cs typeface="宋体" panose="02010600030101010101" pitchFamily="2" charset="-122"/>
-            </a:endParaRPr>
-          </a:p>
-          <a:p>
-            <a:r>
-              <a:rPr lang="zh-CN" altLang="en-US" sz="1600">
-                <a:latin typeface="宋体" panose="02010600030101010101" pitchFamily="2" charset="-122"/>
-                <a:ea typeface="宋体" panose="02010600030101010101" pitchFamily="2" charset="-122"/>
-                <a:cs typeface="宋体" panose="02010600030101010101" pitchFamily="2" charset="-122"/>
-              </a:rPr>
-              <a:t>Queue 接口并未定义阻塞队列的方法，而这在并发编程中是很常见的。BlockingQueue 接口定义了那些等待元素出现或等待队列中有可用空间的方法，这些方法扩展了此接口。</a:t>
-            </a:r>
-            <a:endParaRPr lang="zh-CN" altLang="en-US" sz="1600">
-              <a:latin typeface="宋体" panose="02010600030101010101" pitchFamily="2" charset="-122"/>
-              <a:ea typeface="宋体" panose="02010600030101010101" pitchFamily="2" charset="-122"/>
-              <a:cs typeface="宋体" panose="02010600030101010101" pitchFamily="2" charset="-122"/>
-            </a:endParaRPr>
-          </a:p>
-          <a:p>
-            <a:r>
-              <a:rPr lang="zh-CN" altLang="en-US" sz="1600">
-                <a:latin typeface="宋体" panose="02010600030101010101" pitchFamily="2" charset="-122"/>
-                <a:ea typeface="宋体" panose="02010600030101010101" pitchFamily="2" charset="-122"/>
-                <a:cs typeface="宋体" panose="02010600030101010101" pitchFamily="2" charset="-122"/>
-              </a:rPr>
-              <a:t>　　抛出异常 　　返回特殊值</a:t>
-            </a:r>
-            <a:endParaRPr lang="zh-CN" altLang="en-US" sz="1600">
-              <a:latin typeface="宋体" panose="02010600030101010101" pitchFamily="2" charset="-122"/>
-              <a:ea typeface="宋体" panose="02010600030101010101" pitchFamily="2" charset="-122"/>
-              <a:cs typeface="宋体" panose="02010600030101010101" pitchFamily="2" charset="-122"/>
-            </a:endParaRPr>
-          </a:p>
-          <a:p>
-            <a:r>
-              <a:rPr lang="zh-CN" altLang="en-US" sz="1600">
-                <a:latin typeface="宋体" panose="02010600030101010101" pitchFamily="2" charset="-122"/>
-                <a:ea typeface="宋体" panose="02010600030101010101" pitchFamily="2" charset="-122"/>
-                <a:cs typeface="宋体" panose="02010600030101010101" pitchFamily="2" charset="-122"/>
-              </a:rPr>
-              <a:t>插入：add(e) 　　  offer(e)  插入一个元素</a:t>
-            </a:r>
-            <a:endParaRPr lang="zh-CN" altLang="en-US" sz="1600">
-              <a:latin typeface="宋体" panose="02010600030101010101" pitchFamily="2" charset="-122"/>
-              <a:ea typeface="宋体" panose="02010600030101010101" pitchFamily="2" charset="-122"/>
-              <a:cs typeface="宋体" panose="02010600030101010101" pitchFamily="2" charset="-122"/>
-            </a:endParaRPr>
-          </a:p>
-          <a:p>
-            <a:r>
-              <a:rPr lang="zh-CN" altLang="en-US" sz="1600">
-                <a:latin typeface="宋体" panose="02010600030101010101" pitchFamily="2" charset="-122"/>
-                <a:ea typeface="宋体" panose="02010600030101010101" pitchFamily="2" charset="-122"/>
-                <a:cs typeface="宋体" panose="02010600030101010101" pitchFamily="2" charset="-122"/>
-              </a:rPr>
-              <a:t>移除：remove()      poll()      移除和返回队列的头</a:t>
-            </a:r>
-            <a:endParaRPr lang="zh-CN" altLang="en-US" sz="1600">
-              <a:latin typeface="宋体" panose="02010600030101010101" pitchFamily="2" charset="-122"/>
-              <a:ea typeface="宋体" panose="02010600030101010101" pitchFamily="2" charset="-122"/>
-              <a:cs typeface="宋体" panose="02010600030101010101" pitchFamily="2" charset="-122"/>
-            </a:endParaRPr>
-          </a:p>
-          <a:p>
-            <a:r>
-              <a:rPr lang="zh-CN" altLang="en-US" sz="1600">
-                <a:latin typeface="宋体" panose="02010600030101010101" pitchFamily="2" charset="-122"/>
-                <a:ea typeface="宋体" panose="02010600030101010101" pitchFamily="2" charset="-122"/>
-                <a:cs typeface="宋体" panose="02010600030101010101" pitchFamily="2" charset="-122"/>
-              </a:rPr>
-              <a:t>检查：element()     peek()    返回但不移除队列的头。</a:t>
-            </a:r>
-            <a:endParaRPr lang="zh-CN" altLang="en-US" sz="1600">
-              <a:latin typeface="宋体" panose="02010600030101010101" pitchFamily="2" charset="-122"/>
-              <a:ea typeface="宋体" panose="02010600030101010101" pitchFamily="2" charset="-122"/>
-              <a:cs typeface="宋体" panose="02010600030101010101" pitchFamily="2" charset="-122"/>
-            </a:endParaRPr>
-          </a:p>
-          <a:p>
-            <a:endParaRPr lang="zh-CN" altLang="en-US" sz="1600">
-              <a:latin typeface="宋体" panose="02010600030101010101" pitchFamily="2" charset="-122"/>
-              <a:ea typeface="宋体" panose="02010600030101010101" pitchFamily="2" charset="-122"/>
-              <a:cs typeface="宋体" panose="02010600030101010101" pitchFamily="2" charset="-122"/>
-            </a:endParaRPr>
-          </a:p>
-          <a:p>
-            <a:r>
-              <a:rPr lang="zh-CN" altLang="en-US" sz="1600">
-                <a:latin typeface="宋体" panose="02010600030101010101" pitchFamily="2" charset="-122"/>
-                <a:ea typeface="宋体" panose="02010600030101010101" pitchFamily="2" charset="-122"/>
-                <a:cs typeface="宋体" panose="02010600030101010101" pitchFamily="2" charset="-122"/>
-              </a:rPr>
-              <a:t>JDK中并发队列提供了两种实现，一种是高性能队列ConcurrentLinkedQueue，一种是阻塞队列BlockingQueue（7种阻塞队列），两种都继承自Queue。</a:t>
-            </a:r>
-            <a:endParaRPr lang="zh-CN" altLang="en-US" sz="1600">
-              <a:latin typeface="宋体" panose="02010600030101010101" pitchFamily="2" charset="-122"/>
-              <a:ea typeface="宋体" panose="02010600030101010101" pitchFamily="2" charset="-122"/>
-              <a:cs typeface="宋体" panose="02010600030101010101" pitchFamily="2" charset="-122"/>
-            </a:endParaRPr>
-          </a:p>
-          <a:p>
-            <a:r>
-              <a:rPr lang="zh-CN" altLang="en-US" sz="1600">
-                <a:latin typeface="宋体" panose="02010600030101010101" pitchFamily="2" charset="-122"/>
-                <a:ea typeface="宋体" panose="02010600030101010101" pitchFamily="2" charset="-122"/>
-                <a:cs typeface="宋体" panose="02010600030101010101" pitchFamily="2" charset="-122"/>
-              </a:rPr>
-              <a:t>JDK中队列有两大类，一类是双端队列，一类是单端队列。</a:t>
-            </a:r>
-            <a:endParaRPr lang="zh-CN" altLang="en-US" sz="1600">
-              <a:latin typeface="宋体" panose="02010600030101010101" pitchFamily="2" charset="-122"/>
-              <a:ea typeface="宋体" panose="02010600030101010101" pitchFamily="2" charset="-122"/>
-              <a:cs typeface="宋体" panose="02010600030101010101" pitchFamily="2" charset="-122"/>
-            </a:endParaRPr>
-          </a:p>
-          <a:p>
-            <a:r>
-              <a:rPr lang="zh-CN" altLang="en-US" sz="1600">
-                <a:latin typeface="宋体" panose="02010600030101010101" pitchFamily="2" charset="-122"/>
-                <a:ea typeface="宋体" panose="02010600030101010101" pitchFamily="2" charset="-122"/>
-                <a:cs typeface="宋体" panose="02010600030101010101" pitchFamily="2" charset="-122"/>
-              </a:rPr>
-              <a:t>2. Java Queue接口扩展了Collection接口。Collection接口 externs Iterable接口。</a:t>
-            </a:r>
-            <a:endParaRPr lang="zh-CN" altLang="en-US" sz="1600">
-              <a:latin typeface="宋体" panose="02010600030101010101" pitchFamily="2" charset="-122"/>
-              <a:ea typeface="宋体" panose="02010600030101010101" pitchFamily="2" charset="-122"/>
-              <a:cs typeface="宋体" panose="02010600030101010101" pitchFamily="2" charset="-122"/>
-            </a:endParaRPr>
-          </a:p>
-          <a:p>
-            <a:r>
-              <a:rPr lang="zh-CN" altLang="en-US" sz="1600">
-                <a:latin typeface="宋体" panose="02010600030101010101" pitchFamily="2" charset="-122"/>
-                <a:ea typeface="宋体" panose="02010600030101010101" pitchFamily="2" charset="-122"/>
-                <a:cs typeface="宋体" panose="02010600030101010101" pitchFamily="2" charset="-122"/>
-              </a:rPr>
-              <a:t>子接口：</a:t>
-            </a:r>
-            <a:r>
-              <a:rPr lang="zh-CN" altLang="en-US" sz="1600" b="1">
-                <a:solidFill>
-                  <a:srgbClr val="FF0000"/>
-                </a:solidFill>
-                <a:latin typeface="宋体" panose="02010600030101010101" pitchFamily="2" charset="-122"/>
-                <a:ea typeface="宋体" panose="02010600030101010101" pitchFamily="2" charset="-122"/>
-                <a:cs typeface="宋体" panose="02010600030101010101" pitchFamily="2" charset="-122"/>
-              </a:rPr>
-              <a:t>BlockingQueue, Deque, BlobkingDequeue</a:t>
-            </a:r>
-            <a:endParaRPr lang="zh-CN" altLang="en-US" sz="1600" b="1">
-              <a:solidFill>
-                <a:srgbClr val="FF0000"/>
-              </a:solidFill>
-              <a:latin typeface="宋体" panose="02010600030101010101" pitchFamily="2" charset="-122"/>
-              <a:ea typeface="宋体" panose="02010600030101010101" pitchFamily="2" charset="-122"/>
-              <a:cs typeface="宋体" panose="02010600030101010101" pitchFamily="2" charset="-122"/>
-            </a:endParaRPr>
-          </a:p>
-        </p:txBody>
-      </p:sp>
+        </p:txBody>
+      </p:sp>
+      <p:pic>
+        <p:nvPicPr>
+          <p:cNvPr id="3" name="图片 2"/>
+          <p:cNvPicPr>
+            <a:picLocks noChangeAspect="1"/>
+          </p:cNvPicPr>
+          <p:nvPr/>
+        </p:nvPicPr>
+        <p:blipFill>
+          <a:blip r:embed="rId2"/>
+          <a:stretch>
+            <a:fillRect/>
+          </a:stretch>
+        </p:blipFill>
+        <p:spPr>
+          <a:xfrm>
+            <a:off x="210185" y="2882900"/>
+            <a:ext cx="8077200" cy="3383280"/>
+          </a:xfrm>
+          <a:prstGeom prst="rect">
+            <a:avLst/>
+          </a:prstGeom>
+        </p:spPr>
+      </p:pic>
       <p:sp>
         <p:nvSpPr>
           <p:cNvPr id="6" name="文本框 5"/>
@@ -20118,7 +22314,7 @@
             <a:pPr algn="ctr"/>
             <a:r>
               <a:rPr lang="en-US" altLang="zh-CN" sz="3200"/>
-              <a:t>Queue</a:t>
+              <a:t>Stack</a:t>
             </a:r>
             <a:endParaRPr lang="en-US" altLang="zh-CN" sz="3200"/>
           </a:p>
@@ -20126,7 +22322,7 @@
       </p:sp>
     </p:spTree>
     <p:custDataLst>
-      <p:tags r:id="rId2"/>
+      <p:tags r:id="rId3"/>
     </p:custDataLst>
   </p:cSld>
   <p:clrMapOvr>
@@ -20381,8 +22577,8 @@
         </p:nvSpPr>
         <p:spPr>
           <a:xfrm>
-            <a:off x="302895" y="864870"/>
-            <a:ext cx="11438890" cy="6247130"/>
+            <a:off x="222885" y="1402715"/>
+            <a:ext cx="11767185" cy="5015865"/>
           </a:xfrm>
           <a:prstGeom prst="rect">
             <a:avLst/>
@@ -20394,228 +22590,13 @@
             <a:spAutoFit/>
           </a:bodyPr>
           <a:p>
-            <a:r>
-              <a:rPr lang="zh-CN" altLang="en-US" sz="1600" dirty="0">
-                <a:latin typeface="宋体" panose="02010600030101010101" pitchFamily="2" charset="-122"/>
-                <a:ea typeface="宋体" panose="02010600030101010101" pitchFamily="2" charset="-122"/>
-                <a:cs typeface="宋体" panose="02010600030101010101" pitchFamily="2" charset="-122"/>
-                <a:sym typeface="+mn-ea"/>
-              </a:rPr>
-              <a:t>队列（Queue）是常用的数据结构，可以将</a:t>
-            </a:r>
-            <a:r>
-              <a:rPr lang="zh-CN" altLang="en-US" sz="1600" dirty="0">
-                <a:solidFill>
-                  <a:srgbClr val="FF0000"/>
-                </a:solidFill>
-                <a:latin typeface="宋体" panose="02010600030101010101" pitchFamily="2" charset="-122"/>
-                <a:ea typeface="宋体" panose="02010600030101010101" pitchFamily="2" charset="-122"/>
-                <a:cs typeface="宋体" panose="02010600030101010101" pitchFamily="2" charset="-122"/>
-                <a:sym typeface="+mn-ea"/>
-              </a:rPr>
-              <a:t>队列看成特殊的线性表</a:t>
-            </a:r>
-            <a:r>
-              <a:rPr lang="zh-CN" altLang="en-US" sz="1600" dirty="0">
-                <a:latin typeface="宋体" panose="02010600030101010101" pitchFamily="2" charset="-122"/>
-                <a:ea typeface="宋体" panose="02010600030101010101" pitchFamily="2" charset="-122"/>
-                <a:cs typeface="宋体" panose="02010600030101010101" pitchFamily="2" charset="-122"/>
-                <a:sym typeface="+mn-ea"/>
-              </a:rPr>
-              <a:t>，队列限制了对线性表的访问方式：只能从线性表的一端添加（offer）元素，从另一端取出（poll）元素。</a:t>
-            </a:r>
-            <a:endParaRPr lang="zh-CN" altLang="en-US" sz="1600" dirty="0">
-              <a:latin typeface="宋体" panose="02010600030101010101" pitchFamily="2" charset="-122"/>
-              <a:ea typeface="宋体" panose="02010600030101010101" pitchFamily="2" charset="-122"/>
-              <a:cs typeface="宋体" panose="02010600030101010101" pitchFamily="2" charset="-122"/>
-            </a:endParaRPr>
-          </a:p>
-          <a:p>
-            <a:r>
-              <a:rPr lang="zh-CN" altLang="en-US" sz="1600" dirty="0">
-                <a:latin typeface="宋体" panose="02010600030101010101" pitchFamily="2" charset="-122"/>
-                <a:ea typeface="宋体" panose="02010600030101010101" pitchFamily="2" charset="-122"/>
-                <a:cs typeface="宋体" panose="02010600030101010101" pitchFamily="2" charset="-122"/>
-                <a:sym typeface="+mn-ea"/>
-              </a:rPr>
-              <a:t>队列遵循</a:t>
-            </a:r>
-            <a:r>
-              <a:rPr lang="zh-CN" altLang="en-US" sz="1600" dirty="0">
-                <a:solidFill>
-                  <a:srgbClr val="FF0000"/>
-                </a:solidFill>
-                <a:latin typeface="宋体" panose="02010600030101010101" pitchFamily="2" charset="-122"/>
-                <a:ea typeface="宋体" panose="02010600030101010101" pitchFamily="2" charset="-122"/>
-                <a:cs typeface="宋体" panose="02010600030101010101" pitchFamily="2" charset="-122"/>
-                <a:sym typeface="+mn-ea"/>
-              </a:rPr>
-              <a:t>先进先出</a:t>
-            </a:r>
-            <a:r>
-              <a:rPr lang="zh-CN" altLang="en-US" sz="1600" dirty="0">
-                <a:latin typeface="宋体" panose="02010600030101010101" pitchFamily="2" charset="-122"/>
-                <a:ea typeface="宋体" panose="02010600030101010101" pitchFamily="2" charset="-122"/>
-                <a:cs typeface="宋体" panose="02010600030101010101" pitchFamily="2" charset="-122"/>
-                <a:sym typeface="+mn-ea"/>
-              </a:rPr>
-              <a:t>（FIFO First Input First Output ）的原则。</a:t>
-            </a:r>
-            <a:endParaRPr lang="zh-CN" altLang="en-US" sz="1600" dirty="0">
-              <a:latin typeface="宋体" panose="02010600030101010101" pitchFamily="2" charset="-122"/>
-              <a:ea typeface="宋体" panose="02010600030101010101" pitchFamily="2" charset="-122"/>
-              <a:cs typeface="宋体" panose="02010600030101010101" pitchFamily="2" charset="-122"/>
-            </a:endParaRPr>
-          </a:p>
-          <a:p>
-            <a:r>
-              <a:rPr lang="zh-CN" altLang="en-US" sz="1600" dirty="0">
-                <a:latin typeface="宋体" panose="02010600030101010101" pitchFamily="2" charset="-122"/>
-                <a:ea typeface="宋体" panose="02010600030101010101" pitchFamily="2" charset="-122"/>
-                <a:cs typeface="宋体" panose="02010600030101010101" pitchFamily="2" charset="-122"/>
-                <a:sym typeface="+mn-ea"/>
-              </a:rPr>
-              <a:t>JDK中提供了Queue接口，同时使得LinkedList实现了该接口（选择LinkedList实现Queue的原因在于Queue经常要进行插入和删除的操作，而LinkedList在这方面效率较高）。</a:t>
-            </a:r>
-            <a:endParaRPr lang="zh-CN" altLang="en-US" sz="1600" dirty="0">
-              <a:latin typeface="宋体" panose="02010600030101010101" pitchFamily="2" charset="-122"/>
-              <a:ea typeface="宋体" panose="02010600030101010101" pitchFamily="2" charset="-122"/>
-              <a:cs typeface="宋体" panose="02010600030101010101" pitchFamily="2" charset="-122"/>
-            </a:endParaRPr>
-          </a:p>
-          <a:p>
-            <a:r>
-              <a:rPr lang="zh-CN" altLang="en-US" sz="1600" dirty="0">
-                <a:latin typeface="宋体" panose="02010600030101010101" pitchFamily="2" charset="-122"/>
-                <a:ea typeface="宋体" panose="02010600030101010101" pitchFamily="2" charset="-122"/>
-                <a:cs typeface="宋体" panose="02010600030101010101" pitchFamily="2" charset="-122"/>
-                <a:sym typeface="+mn-ea"/>
-              </a:rPr>
-              <a:t>Queue提供了操作队列的相关方法,其主要方法如下:</a:t>
-            </a:r>
-            <a:endParaRPr lang="zh-CN" altLang="en-US" sz="1600" dirty="0">
-              <a:latin typeface="宋体" panose="02010600030101010101" pitchFamily="2" charset="-122"/>
-              <a:ea typeface="宋体" panose="02010600030101010101" pitchFamily="2" charset="-122"/>
-              <a:cs typeface="宋体" panose="02010600030101010101" pitchFamily="2" charset="-122"/>
-            </a:endParaRPr>
-          </a:p>
-          <a:p>
-            <a:r>
-              <a:rPr lang="zh-CN" altLang="en-US" sz="1600" dirty="0">
-                <a:latin typeface="宋体" panose="02010600030101010101" pitchFamily="2" charset="-122"/>
-                <a:ea typeface="宋体" panose="02010600030101010101" pitchFamily="2" charset="-122"/>
-                <a:cs typeface="宋体" panose="02010600030101010101" pitchFamily="2" charset="-122"/>
-                <a:sym typeface="+mn-ea"/>
-              </a:rPr>
-              <a:t>boolean </a:t>
-            </a:r>
-            <a:r>
-              <a:rPr lang="zh-CN" altLang="en-US" sz="1600" dirty="0">
-                <a:solidFill>
-                  <a:srgbClr val="FF0000"/>
-                </a:solidFill>
-                <a:latin typeface="宋体" panose="02010600030101010101" pitchFamily="2" charset="-122"/>
-                <a:ea typeface="宋体" panose="02010600030101010101" pitchFamily="2" charset="-122"/>
-                <a:cs typeface="宋体" panose="02010600030101010101" pitchFamily="2" charset="-122"/>
-                <a:sym typeface="+mn-ea"/>
-              </a:rPr>
-              <a:t>offer(E e):</a:t>
-            </a:r>
-            <a:r>
-              <a:rPr lang="zh-CN" altLang="en-US" sz="1600" dirty="0">
-                <a:latin typeface="宋体" panose="02010600030101010101" pitchFamily="2" charset="-122"/>
-                <a:ea typeface="宋体" panose="02010600030101010101" pitchFamily="2" charset="-122"/>
-                <a:cs typeface="宋体" panose="02010600030101010101" pitchFamily="2" charset="-122"/>
-                <a:sym typeface="+mn-ea"/>
-              </a:rPr>
-              <a:t>将元素追加到队列末尾,若添加成功则返回true。</a:t>
-            </a:r>
-            <a:endParaRPr lang="zh-CN" altLang="en-US" sz="1600" dirty="0">
-              <a:latin typeface="宋体" panose="02010600030101010101" pitchFamily="2" charset="-122"/>
-              <a:ea typeface="宋体" panose="02010600030101010101" pitchFamily="2" charset="-122"/>
-              <a:cs typeface="宋体" panose="02010600030101010101" pitchFamily="2" charset="-122"/>
-            </a:endParaRPr>
-          </a:p>
-          <a:p>
-            <a:r>
-              <a:rPr lang="zh-CN" altLang="en-US" sz="1600" dirty="0">
-                <a:solidFill>
-                  <a:srgbClr val="FF0000"/>
-                </a:solidFill>
-                <a:latin typeface="宋体" panose="02010600030101010101" pitchFamily="2" charset="-122"/>
-                <a:ea typeface="宋体" panose="02010600030101010101" pitchFamily="2" charset="-122"/>
-                <a:cs typeface="宋体" panose="02010600030101010101" pitchFamily="2" charset="-122"/>
-                <a:sym typeface="+mn-ea"/>
-              </a:rPr>
-              <a:t>E poll():</a:t>
-            </a:r>
-            <a:r>
-              <a:rPr lang="zh-CN" altLang="en-US" sz="1600" dirty="0">
-                <a:latin typeface="宋体" panose="02010600030101010101" pitchFamily="2" charset="-122"/>
-                <a:ea typeface="宋体" panose="02010600030101010101" pitchFamily="2" charset="-122"/>
-                <a:cs typeface="宋体" panose="02010600030101010101" pitchFamily="2" charset="-122"/>
-                <a:sym typeface="+mn-ea"/>
-              </a:rPr>
-              <a:t>从队首删除并返回该元素。</a:t>
-            </a:r>
-            <a:endParaRPr lang="zh-CN" altLang="en-US" sz="1600" dirty="0">
-              <a:latin typeface="宋体" panose="02010600030101010101" pitchFamily="2" charset="-122"/>
-              <a:ea typeface="宋体" panose="02010600030101010101" pitchFamily="2" charset="-122"/>
-              <a:cs typeface="宋体" panose="02010600030101010101" pitchFamily="2" charset="-122"/>
-            </a:endParaRPr>
-          </a:p>
-          <a:p>
-            <a:r>
-              <a:rPr lang="zh-CN" altLang="en-US" sz="1600" dirty="0">
-                <a:solidFill>
-                  <a:srgbClr val="FF0000"/>
-                </a:solidFill>
-                <a:latin typeface="宋体" panose="02010600030101010101" pitchFamily="2" charset="-122"/>
-                <a:ea typeface="宋体" panose="02010600030101010101" pitchFamily="2" charset="-122"/>
-                <a:cs typeface="宋体" panose="02010600030101010101" pitchFamily="2" charset="-122"/>
-                <a:sym typeface="+mn-ea"/>
-              </a:rPr>
-              <a:t>E peek():</a:t>
-            </a:r>
-            <a:r>
-              <a:rPr lang="zh-CN" altLang="en-US" sz="1600" dirty="0">
-                <a:latin typeface="宋体" panose="02010600030101010101" pitchFamily="2" charset="-122"/>
-                <a:ea typeface="宋体" panose="02010600030101010101" pitchFamily="2" charset="-122"/>
-                <a:cs typeface="宋体" panose="02010600030101010101" pitchFamily="2" charset="-122"/>
-                <a:sym typeface="+mn-ea"/>
-              </a:rPr>
-              <a:t>返回队首元素，但是不删除。</a:t>
-            </a:r>
-            <a:endParaRPr lang="zh-CN" altLang="en-US" sz="1600" dirty="0">
-              <a:latin typeface="宋体" panose="02010600030101010101" pitchFamily="2" charset="-122"/>
-              <a:ea typeface="宋体" panose="02010600030101010101" pitchFamily="2" charset="-122"/>
-              <a:cs typeface="宋体" panose="02010600030101010101" pitchFamily="2" charset="-122"/>
-              <a:sym typeface="+mn-ea"/>
-            </a:endParaRPr>
-          </a:p>
-          <a:p>
-            <a:endParaRPr lang="en-US" altLang="zh-CN" sz="1600">
-              <a:latin typeface="宋体" panose="02010600030101010101" pitchFamily="2" charset="-122"/>
-              <a:ea typeface="宋体" panose="02010600030101010101" pitchFamily="2" charset="-122"/>
-              <a:cs typeface="宋体" panose="02010600030101010101" pitchFamily="2" charset="-122"/>
-            </a:endParaRPr>
-          </a:p>
-          <a:p>
-            <a:r>
-              <a:rPr lang="en-US" altLang="zh-CN" sz="1600">
-                <a:latin typeface="宋体" panose="02010600030101010101" pitchFamily="2" charset="-122"/>
-                <a:ea typeface="宋体" panose="02010600030101010101" pitchFamily="2" charset="-122"/>
-                <a:cs typeface="宋体" panose="02010600030101010101" pitchFamily="2" charset="-122"/>
-              </a:rPr>
-              <a:t>Queue </a:t>
-            </a:r>
             <a:r>
               <a:rPr lang="zh-CN" altLang="en-US" sz="1600">
                 <a:latin typeface="宋体" panose="02010600030101010101" pitchFamily="2" charset="-122"/>
                 <a:ea typeface="宋体" panose="02010600030101010101" pitchFamily="2" charset="-122"/>
                 <a:cs typeface="宋体" panose="02010600030101010101" pitchFamily="2" charset="-122"/>
               </a:rPr>
-              <a:t>常用方法</a:t>
+              <a:t>Java Queue接口是Java Collections Framework的成员。</a:t>
             </a:r>
             <a:endParaRPr lang="zh-CN" altLang="en-US" sz="1600">
               <a:latin typeface="宋体" panose="02010600030101010101" pitchFamily="2" charset="-122"/>
@@ -20630,7 +22611,7 @@
                 <a:ea typeface="宋体" panose="02010600030101010101" pitchFamily="2" charset="-122"/>
                 <a:cs typeface="宋体" panose="02010600030101010101" pitchFamily="2" charset="-122"/>
               </a:rPr>
-              <a:t>1.获取并移除</a:t>
+              <a:t>Queue 实现通常不允许插入 null 元素</a:t>
             </a:r>
             <a:endParaRPr lang="zh-CN" altLang="en-US" sz="1600">
               <a:latin typeface="宋体" panose="02010600030101010101" pitchFamily="2" charset="-122"/>
@@ -20645,7 +22626,26 @@
                 <a:ea typeface="宋体" panose="02010600030101010101" pitchFamily="2" charset="-122"/>
                 <a:cs typeface="宋体" panose="02010600030101010101" pitchFamily="2" charset="-122"/>
               </a:rPr>
-              <a:t>poll() 　　获取并移除此队列的头，如果此队列为空，则返回 null</a:t>
+              <a:t>队列通常（但并非一定）以 </a:t>
+            </a:r>
+            <a:r>
+              <a:rPr lang="zh-CN" altLang="en-US" sz="1600">
+                <a:solidFill>
+                  <a:srgbClr val="FF0000"/>
+                </a:solidFill>
+                <a:latin typeface="宋体" panose="02010600030101010101" pitchFamily="2" charset="-122"/>
+                <a:ea typeface="宋体" panose="02010600030101010101" pitchFamily="2" charset="-122"/>
+                <a:cs typeface="宋体" panose="02010600030101010101" pitchFamily="2" charset="-122"/>
+              </a:rPr>
+              <a:t>FIFO（先进先出）</a:t>
+            </a:r>
+            <a:r>
+              <a:rPr lang="zh-CN" altLang="en-US" sz="1600">
+                <a:latin typeface="宋体" panose="02010600030101010101" pitchFamily="2" charset="-122"/>
+                <a:ea typeface="宋体" panose="02010600030101010101" pitchFamily="2" charset="-122"/>
+                <a:cs typeface="宋体" panose="02010600030101010101" pitchFamily="2" charset="-122"/>
+              </a:rPr>
+              <a:t>的方式排序各个元素。不过优先级队列和 LIFO 队列（或堆栈）例外，前者根据提供的比较器或元素的自然顺序对元素进行排序，后者按 LIFO（后进先出）的方式对元素进行排序。无论使用哪种排序方式，队列的头 都是调用 remove() 或 poll() 所移除的元素。在 FIFO 队列中，所有的新元素都插入队列的末尾。其他种类的队列可能使用不同的元素放置规则。每个 Queue 实现必须指定其顺序属性。</a:t>
             </a:r>
             <a:endParaRPr lang="zh-CN" altLang="en-US" sz="1600">
               <a:latin typeface="宋体" panose="02010600030101010101" pitchFamily="2" charset="-122"/>
@@ -20660,7 +22660,7 @@
                 <a:ea typeface="宋体" panose="02010600030101010101" pitchFamily="2" charset="-122"/>
                 <a:cs typeface="宋体" panose="02010600030101010101" pitchFamily="2" charset="-122"/>
               </a:rPr>
-              <a:t>remove()　　获取并移除此队列的头，如果此队列为空，则抛出NoSuchElementException异常</a:t>
+              <a:t>在处理元素前用于保存元素的 collection。除了基本的 Collection 操作外，队列还提供其他的插入、提取和检查操作。每个方法都存在两种形式：一种抛出异常（操作失败时），另一种返回一个特殊值（null 或 false，具体取决于操作）。</a:t>
             </a:r>
             <a:endParaRPr lang="zh-CN" altLang="en-US" sz="1600">
               <a:latin typeface="宋体" panose="02010600030101010101" pitchFamily="2" charset="-122"/>
@@ -20669,6 +22669,14 @@
             </a:endParaRPr>
           </a:p>
           <a:p>
+            <a:r>
+              <a:rPr lang="zh-CN" altLang="en-US" sz="1600">
+                <a:latin typeface="宋体" panose="02010600030101010101" pitchFamily="2" charset="-122"/>
+                <a:ea typeface="宋体" panose="02010600030101010101" pitchFamily="2" charset="-122"/>
+                <a:cs typeface="宋体" panose="02010600030101010101" pitchFamily="2" charset="-122"/>
+              </a:rPr>
+              <a:t>Queue 接口并未定义阻塞队列的方法，而这在并发编程中是很常见的。BlockingQueue 接口定义了那些等待元素出现或等待队列中有可用空间的方法，这些方法扩展了此接口。</a:t>
+            </a:r>
             <a:endParaRPr lang="zh-CN" altLang="en-US" sz="1600">
               <a:latin typeface="宋体" panose="02010600030101010101" pitchFamily="2" charset="-122"/>
               <a:ea typeface="宋体" panose="02010600030101010101" pitchFamily="2" charset="-122"/>
@@ -20682,7 +22690,7 @@
                 <a:ea typeface="宋体" panose="02010600030101010101" pitchFamily="2" charset="-122"/>
                 <a:cs typeface="宋体" panose="02010600030101010101" pitchFamily="2" charset="-122"/>
               </a:rPr>
-              <a:t>2.获取但不移除</a:t>
+              <a:t>　　抛出异常 　　返回特殊值</a:t>
             </a:r>
             <a:endParaRPr lang="zh-CN" altLang="en-US" sz="1600">
               <a:latin typeface="宋体" panose="02010600030101010101" pitchFamily="2" charset="-122"/>
@@ -20697,7 +22705,7 @@
                 <a:ea typeface="宋体" panose="02010600030101010101" pitchFamily="2" charset="-122"/>
                 <a:cs typeface="宋体" panose="02010600030101010101" pitchFamily="2" charset="-122"/>
               </a:rPr>
-              <a:t>peek()　　获取队列的头但不移除此队列的头。如果此队列为空，则返回 null</a:t>
+              <a:t>插入：add(e) 　　  offer(e)  插入一个元素</a:t>
             </a:r>
             <a:endParaRPr lang="zh-CN" altLang="en-US" sz="1600">
               <a:latin typeface="宋体" panose="02010600030101010101" pitchFamily="2" charset="-122"/>
@@ -20712,7 +22720,7 @@
                 <a:ea typeface="宋体" panose="02010600030101010101" pitchFamily="2" charset="-122"/>
                 <a:cs typeface="宋体" panose="02010600030101010101" pitchFamily="2" charset="-122"/>
               </a:rPr>
-              <a:t>element()　　获取队列的头但不移除此队列的头。如果此队列为空，则将抛出NoSuchElementException异常</a:t>
+              <a:t>移除：remove()      poll()      移除和返回队列的头</a:t>
             </a:r>
             <a:endParaRPr lang="zh-CN" altLang="en-US" sz="1600">
               <a:latin typeface="宋体" panose="02010600030101010101" pitchFamily="2" charset="-122"/>
@@ -20727,7 +22735,7 @@
                 <a:ea typeface="宋体" panose="02010600030101010101" pitchFamily="2" charset="-122"/>
                 <a:cs typeface="宋体" panose="02010600030101010101" pitchFamily="2" charset="-122"/>
               </a:rPr>
-              <a:t>添加元素的方法</a:t>
+              <a:t>检查：element()     peek()    返回但不移除队列的头。</a:t>
             </a:r>
             <a:endParaRPr lang="zh-CN" altLang="en-US" sz="1600">
               <a:latin typeface="宋体" panose="02010600030101010101" pitchFamily="2" charset="-122"/>
@@ -20749,7 +22757,7 @@
                 <a:ea typeface="宋体" panose="02010600030101010101" pitchFamily="2" charset="-122"/>
                 <a:cs typeface="宋体" panose="02010600030101010101" pitchFamily="2" charset="-122"/>
               </a:rPr>
-              <a:t>offer()　　将指定的元素插入此队列（如果立即可行且不会违反容量限制），插入成功返回 true；否则返回 false。当使用有容量限制的队列时，offer方法通常要优于 add方法——add方法可能无法插入元素，而只是抛出一个  IllegalStateException异常</a:t>
+              <a:t>JDK中并发队列提供了两种实现，一种是高性能队列ConcurrentLinkedQueue，一种是阻塞队列BlockingQueue（7种阻塞队列），两种都继承自Queue。</a:t>
             </a:r>
             <a:endParaRPr lang="zh-CN" altLang="en-US" sz="1600">
               <a:latin typeface="宋体" panose="02010600030101010101" pitchFamily="2" charset="-122"/>
@@ -20764,7 +22772,7 @@
                 <a:ea typeface="宋体" panose="02010600030101010101" pitchFamily="2" charset="-122"/>
                 <a:cs typeface="宋体" panose="02010600030101010101" pitchFamily="2" charset="-122"/>
               </a:rPr>
-              <a:t>add()　　将指定的元素插入此队列</a:t>
+              <a:t>JDK中队列有两大类，一类是双端队列，一类是单端队列。</a:t>
             </a:r>
             <a:endParaRPr lang="zh-CN" altLang="en-US" sz="1600">
               <a:latin typeface="宋体" panose="02010600030101010101" pitchFamily="2" charset="-122"/>
@@ -20779,13 +22787,72 @@
                 <a:ea typeface="宋体" panose="02010600030101010101" pitchFamily="2" charset="-122"/>
                 <a:cs typeface="宋体" panose="02010600030101010101" pitchFamily="2" charset="-122"/>
               </a:rPr>
-              <a:t> </a:t>
+              <a:t>2. Java Queue接口扩展了Collection接口。Collection接口 externs Iterable接口。</a:t>
             </a:r>
             <a:endParaRPr lang="zh-CN" altLang="en-US" sz="1600">
               <a:latin typeface="宋体" panose="02010600030101010101" pitchFamily="2" charset="-122"/>
               <a:ea typeface="宋体" panose="02010600030101010101" pitchFamily="2" charset="-122"/>
               <a:cs typeface="宋体" panose="02010600030101010101" pitchFamily="2" charset="-122"/>
             </a:endParaRPr>
+          </a:p>
+          <a:p>
+            <a:r>
+              <a:rPr lang="zh-CN" altLang="en-US" sz="1600">
+                <a:latin typeface="宋体" panose="02010600030101010101" pitchFamily="2" charset="-122"/>
+                <a:ea typeface="宋体" panose="02010600030101010101" pitchFamily="2" charset="-122"/>
+                <a:cs typeface="宋体" panose="02010600030101010101" pitchFamily="2" charset="-122"/>
+              </a:rPr>
+              <a:t>子接口：</a:t>
+            </a:r>
+            <a:r>
+              <a:rPr lang="zh-CN" altLang="en-US" sz="1600" b="1">
+                <a:solidFill>
+                  <a:srgbClr val="FF0000"/>
+                </a:solidFill>
+                <a:latin typeface="宋体" panose="02010600030101010101" pitchFamily="2" charset="-122"/>
+                <a:ea typeface="宋体" panose="02010600030101010101" pitchFamily="2" charset="-122"/>
+                <a:cs typeface="宋体" panose="02010600030101010101" pitchFamily="2" charset="-122"/>
+              </a:rPr>
+              <a:t>BlockingQueue, Deque, BlobkingDequeue</a:t>
+            </a:r>
+            <a:endParaRPr lang="zh-CN" altLang="en-US" sz="1600" b="1">
+              <a:solidFill>
+                <a:srgbClr val="FF0000"/>
+              </a:solidFill>
+              <a:latin typeface="宋体" panose="02010600030101010101" pitchFamily="2" charset="-122"/>
+              <a:ea typeface="宋体" panose="02010600030101010101" pitchFamily="2" charset="-122"/>
+              <a:cs typeface="宋体" panose="02010600030101010101" pitchFamily="2" charset="-122"/>
+            </a:endParaRPr>
+          </a:p>
+        </p:txBody>
+      </p:sp>
+      <p:sp>
+        <p:nvSpPr>
+          <p:cNvPr id="6" name="文本框 5"/>
+          <p:cNvSpPr txBox="1"/>
+          <p:nvPr/>
+        </p:nvSpPr>
+        <p:spPr>
+          <a:xfrm>
+            <a:off x="321310" y="819150"/>
+            <a:ext cx="11569700" cy="583565"/>
+          </a:xfrm>
+          <a:prstGeom prst="rect">
+            <a:avLst/>
+          </a:prstGeom>
+          <a:noFill/>
+        </p:spPr>
+        <p:txBody>
+          <a:bodyPr wrap="square" rtlCol="0">
+            <a:spAutoFit/>
+          </a:bodyPr>
+          <a:p>
+            <a:pPr algn="ctr"/>
+            <a:r>
+              <a:rPr lang="en-US" altLang="zh-CN" sz="3200"/>
+              <a:t>Queue</a:t>
+            </a:r>
+            <a:endParaRPr lang="en-US" altLang="zh-CN" sz="3200"/>
           </a:p>
         </p:txBody>
       </p:sp>
@@ -20801,6 +22868,454 @@
 </file>
 
 <file path=ppt/slides/slide31.xml><?xml version="1.0" encoding="utf-8"?>
+<p:sld xmlns:a="http://schemas.openxmlformats.org/drawingml/2006/main" xmlns:r="http://schemas.openxmlformats.org/officeDocument/2006/relationships" xmlns:p="http://schemas.openxmlformats.org/presentationml/2006/main">
+  <p:cSld>
+    <p:bg>
+      <p:bgPr>
+        <a:blipFill rotWithShape="1">
+          <a:blip r:embed="rId1"/>
+          <a:stretch>
+            <a:fillRect/>
+          </a:stretch>
+        </a:blipFill>
+        <a:effectLst/>
+      </p:bgPr>
+    </p:bg>
+    <p:spTree>
+      <p:nvGrpSpPr>
+        <p:cNvPr id="1" name=""/>
+        <p:cNvGrpSpPr/>
+        <p:nvPr/>
+      </p:nvGrpSpPr>
+      <p:grpSpPr/>
+      <p:sp>
+        <p:nvSpPr>
+          <p:cNvPr id="2" name="文本框 1"/>
+          <p:cNvSpPr txBox="1"/>
+          <p:nvPr/>
+        </p:nvSpPr>
+        <p:spPr>
+          <a:xfrm>
+            <a:off x="302895" y="864870"/>
+            <a:ext cx="11438890" cy="6247130"/>
+          </a:xfrm>
+          <a:prstGeom prst="rect">
+            <a:avLst/>
+          </a:prstGeom>
+          <a:noFill/>
+        </p:spPr>
+        <p:txBody>
+          <a:bodyPr wrap="square" rtlCol="0">
+            <a:spAutoFit/>
+          </a:bodyPr>
+          <a:p>
+            <a:r>
+              <a:rPr lang="zh-CN" altLang="en-US" sz="1600" dirty="0">
+                <a:latin typeface="宋体" panose="02010600030101010101" pitchFamily="2" charset="-122"/>
+                <a:ea typeface="宋体" panose="02010600030101010101" pitchFamily="2" charset="-122"/>
+                <a:cs typeface="宋体" panose="02010600030101010101" pitchFamily="2" charset="-122"/>
+                <a:sym typeface="+mn-ea"/>
+              </a:rPr>
+              <a:t>队列（Queue）是常用的数据结构，可以将</a:t>
+            </a:r>
+            <a:r>
+              <a:rPr lang="zh-CN" altLang="en-US" sz="1600" dirty="0">
+                <a:solidFill>
+                  <a:srgbClr val="FF0000"/>
+                </a:solidFill>
+                <a:latin typeface="宋体" panose="02010600030101010101" pitchFamily="2" charset="-122"/>
+                <a:ea typeface="宋体" panose="02010600030101010101" pitchFamily="2" charset="-122"/>
+                <a:cs typeface="宋体" panose="02010600030101010101" pitchFamily="2" charset="-122"/>
+                <a:sym typeface="+mn-ea"/>
+              </a:rPr>
+              <a:t>队列看成特殊的线性表</a:t>
+            </a:r>
+            <a:r>
+              <a:rPr lang="zh-CN" altLang="en-US" sz="1600" dirty="0">
+                <a:latin typeface="宋体" panose="02010600030101010101" pitchFamily="2" charset="-122"/>
+                <a:ea typeface="宋体" panose="02010600030101010101" pitchFamily="2" charset="-122"/>
+                <a:cs typeface="宋体" panose="02010600030101010101" pitchFamily="2" charset="-122"/>
+                <a:sym typeface="+mn-ea"/>
+              </a:rPr>
+              <a:t>，队列限制了对线性表的访问方式：只能从线性表的一端添加（offer）元素，从另一端取出（poll）元素。</a:t>
+            </a:r>
+            <a:endParaRPr lang="zh-CN" altLang="en-US" sz="1600" dirty="0">
+              <a:latin typeface="宋体" panose="02010600030101010101" pitchFamily="2" charset="-122"/>
+              <a:ea typeface="宋体" panose="02010600030101010101" pitchFamily="2" charset="-122"/>
+              <a:cs typeface="宋体" panose="02010600030101010101" pitchFamily="2" charset="-122"/>
+            </a:endParaRPr>
+          </a:p>
+          <a:p>
+            <a:r>
+              <a:rPr lang="zh-CN" altLang="en-US" sz="1600" dirty="0">
+                <a:latin typeface="宋体" panose="02010600030101010101" pitchFamily="2" charset="-122"/>
+                <a:ea typeface="宋体" panose="02010600030101010101" pitchFamily="2" charset="-122"/>
+                <a:cs typeface="宋体" panose="02010600030101010101" pitchFamily="2" charset="-122"/>
+                <a:sym typeface="+mn-ea"/>
+              </a:rPr>
+              <a:t>队列遵循</a:t>
+            </a:r>
+            <a:r>
+              <a:rPr lang="zh-CN" altLang="en-US" sz="1600" dirty="0">
+                <a:solidFill>
+                  <a:srgbClr val="FF0000"/>
+                </a:solidFill>
+                <a:latin typeface="宋体" panose="02010600030101010101" pitchFamily="2" charset="-122"/>
+                <a:ea typeface="宋体" panose="02010600030101010101" pitchFamily="2" charset="-122"/>
+                <a:cs typeface="宋体" panose="02010600030101010101" pitchFamily="2" charset="-122"/>
+                <a:sym typeface="+mn-ea"/>
+              </a:rPr>
+              <a:t>先进先出</a:t>
+            </a:r>
+            <a:r>
+              <a:rPr lang="zh-CN" altLang="en-US" sz="1600" dirty="0">
+                <a:latin typeface="宋体" panose="02010600030101010101" pitchFamily="2" charset="-122"/>
+                <a:ea typeface="宋体" panose="02010600030101010101" pitchFamily="2" charset="-122"/>
+                <a:cs typeface="宋体" panose="02010600030101010101" pitchFamily="2" charset="-122"/>
+                <a:sym typeface="+mn-ea"/>
+              </a:rPr>
+              <a:t>（FIFO First Input First Output ）的原则。</a:t>
+            </a:r>
+            <a:endParaRPr lang="zh-CN" altLang="en-US" sz="1600" dirty="0">
+              <a:latin typeface="宋体" panose="02010600030101010101" pitchFamily="2" charset="-122"/>
+              <a:ea typeface="宋体" panose="02010600030101010101" pitchFamily="2" charset="-122"/>
+              <a:cs typeface="宋体" panose="02010600030101010101" pitchFamily="2" charset="-122"/>
+            </a:endParaRPr>
+          </a:p>
+          <a:p>
+            <a:r>
+              <a:rPr lang="zh-CN" altLang="en-US" sz="1600" dirty="0">
+                <a:latin typeface="宋体" panose="02010600030101010101" pitchFamily="2" charset="-122"/>
+                <a:ea typeface="宋体" panose="02010600030101010101" pitchFamily="2" charset="-122"/>
+                <a:cs typeface="宋体" panose="02010600030101010101" pitchFamily="2" charset="-122"/>
+                <a:sym typeface="+mn-ea"/>
+              </a:rPr>
+              <a:t>JDK中提供了Queue接口，同时使得LinkedList实现了该接口（选择LinkedList实现Queue的原因在于Queue经常要进行插入和删除的操作，而LinkedList在这方面效率较高）。</a:t>
+            </a:r>
+            <a:endParaRPr lang="zh-CN" altLang="en-US" sz="1600" dirty="0">
+              <a:latin typeface="宋体" panose="02010600030101010101" pitchFamily="2" charset="-122"/>
+              <a:ea typeface="宋体" panose="02010600030101010101" pitchFamily="2" charset="-122"/>
+              <a:cs typeface="宋体" panose="02010600030101010101" pitchFamily="2" charset="-122"/>
+            </a:endParaRPr>
+          </a:p>
+          <a:p>
+            <a:r>
+              <a:rPr lang="zh-CN" altLang="en-US" sz="1600" dirty="0">
+                <a:latin typeface="宋体" panose="02010600030101010101" pitchFamily="2" charset="-122"/>
+                <a:ea typeface="宋体" panose="02010600030101010101" pitchFamily="2" charset="-122"/>
+                <a:cs typeface="宋体" panose="02010600030101010101" pitchFamily="2" charset="-122"/>
+                <a:sym typeface="+mn-ea"/>
+              </a:rPr>
+              <a:t>Queue提供了操作队列的相关方法,其主要方法如下:</a:t>
+            </a:r>
+            <a:endParaRPr lang="zh-CN" altLang="en-US" sz="1600" dirty="0">
+              <a:latin typeface="宋体" panose="02010600030101010101" pitchFamily="2" charset="-122"/>
+              <a:ea typeface="宋体" panose="02010600030101010101" pitchFamily="2" charset="-122"/>
+              <a:cs typeface="宋体" panose="02010600030101010101" pitchFamily="2" charset="-122"/>
+            </a:endParaRPr>
+          </a:p>
+          <a:p>
+            <a:r>
+              <a:rPr lang="zh-CN" altLang="en-US" sz="1600" dirty="0">
+                <a:latin typeface="宋体" panose="02010600030101010101" pitchFamily="2" charset="-122"/>
+                <a:ea typeface="宋体" panose="02010600030101010101" pitchFamily="2" charset="-122"/>
+                <a:cs typeface="宋体" panose="02010600030101010101" pitchFamily="2" charset="-122"/>
+                <a:sym typeface="+mn-ea"/>
+              </a:rPr>
+              <a:t>boolean </a:t>
+            </a:r>
+            <a:r>
+              <a:rPr lang="zh-CN" altLang="en-US" sz="1600" dirty="0">
+                <a:solidFill>
+                  <a:srgbClr val="FF0000"/>
+                </a:solidFill>
+                <a:latin typeface="宋体" panose="02010600030101010101" pitchFamily="2" charset="-122"/>
+                <a:ea typeface="宋体" panose="02010600030101010101" pitchFamily="2" charset="-122"/>
+                <a:cs typeface="宋体" panose="02010600030101010101" pitchFamily="2" charset="-122"/>
+                <a:sym typeface="+mn-ea"/>
+              </a:rPr>
+              <a:t>offer(E e):</a:t>
+            </a:r>
+            <a:r>
+              <a:rPr lang="zh-CN" altLang="en-US" sz="1600" dirty="0">
+                <a:latin typeface="宋体" panose="02010600030101010101" pitchFamily="2" charset="-122"/>
+                <a:ea typeface="宋体" panose="02010600030101010101" pitchFamily="2" charset="-122"/>
+                <a:cs typeface="宋体" panose="02010600030101010101" pitchFamily="2" charset="-122"/>
+                <a:sym typeface="+mn-ea"/>
+              </a:rPr>
+              <a:t>将元素追加到队列末尾,若添加成功则返回true。</a:t>
+            </a:r>
+            <a:endParaRPr lang="zh-CN" altLang="en-US" sz="1600" dirty="0">
+              <a:latin typeface="宋体" panose="02010600030101010101" pitchFamily="2" charset="-122"/>
+              <a:ea typeface="宋体" panose="02010600030101010101" pitchFamily="2" charset="-122"/>
+              <a:cs typeface="宋体" panose="02010600030101010101" pitchFamily="2" charset="-122"/>
+            </a:endParaRPr>
+          </a:p>
+          <a:p>
+            <a:r>
+              <a:rPr lang="zh-CN" altLang="en-US" sz="1600" dirty="0">
+                <a:solidFill>
+                  <a:srgbClr val="FF0000"/>
+                </a:solidFill>
+                <a:latin typeface="宋体" panose="02010600030101010101" pitchFamily="2" charset="-122"/>
+                <a:ea typeface="宋体" panose="02010600030101010101" pitchFamily="2" charset="-122"/>
+                <a:cs typeface="宋体" panose="02010600030101010101" pitchFamily="2" charset="-122"/>
+                <a:sym typeface="+mn-ea"/>
+              </a:rPr>
+              <a:t>E poll():</a:t>
+            </a:r>
+            <a:r>
+              <a:rPr lang="zh-CN" altLang="en-US" sz="1600" dirty="0">
+                <a:latin typeface="宋体" panose="02010600030101010101" pitchFamily="2" charset="-122"/>
+                <a:ea typeface="宋体" panose="02010600030101010101" pitchFamily="2" charset="-122"/>
+                <a:cs typeface="宋体" panose="02010600030101010101" pitchFamily="2" charset="-122"/>
+                <a:sym typeface="+mn-ea"/>
+              </a:rPr>
+              <a:t>从队首删除并返回该元素。</a:t>
+            </a:r>
+            <a:endParaRPr lang="zh-CN" altLang="en-US" sz="1600" dirty="0">
+              <a:latin typeface="宋体" panose="02010600030101010101" pitchFamily="2" charset="-122"/>
+              <a:ea typeface="宋体" panose="02010600030101010101" pitchFamily="2" charset="-122"/>
+              <a:cs typeface="宋体" panose="02010600030101010101" pitchFamily="2" charset="-122"/>
+            </a:endParaRPr>
+          </a:p>
+          <a:p>
+            <a:r>
+              <a:rPr lang="zh-CN" altLang="en-US" sz="1600" dirty="0">
+                <a:solidFill>
+                  <a:srgbClr val="FF0000"/>
+                </a:solidFill>
+                <a:latin typeface="宋体" panose="02010600030101010101" pitchFamily="2" charset="-122"/>
+                <a:ea typeface="宋体" panose="02010600030101010101" pitchFamily="2" charset="-122"/>
+                <a:cs typeface="宋体" panose="02010600030101010101" pitchFamily="2" charset="-122"/>
+                <a:sym typeface="+mn-ea"/>
+              </a:rPr>
+              <a:t>E peek():</a:t>
+            </a:r>
+            <a:r>
+              <a:rPr lang="zh-CN" altLang="en-US" sz="1600" dirty="0">
+                <a:latin typeface="宋体" panose="02010600030101010101" pitchFamily="2" charset="-122"/>
+                <a:ea typeface="宋体" panose="02010600030101010101" pitchFamily="2" charset="-122"/>
+                <a:cs typeface="宋体" panose="02010600030101010101" pitchFamily="2" charset="-122"/>
+                <a:sym typeface="+mn-ea"/>
+              </a:rPr>
+              <a:t>返回队首元素，但是不删除。</a:t>
+            </a:r>
+            <a:endParaRPr lang="zh-CN" altLang="en-US" sz="1600" dirty="0">
+              <a:latin typeface="宋体" panose="02010600030101010101" pitchFamily="2" charset="-122"/>
+              <a:ea typeface="宋体" panose="02010600030101010101" pitchFamily="2" charset="-122"/>
+              <a:cs typeface="宋体" panose="02010600030101010101" pitchFamily="2" charset="-122"/>
+              <a:sym typeface="+mn-ea"/>
+            </a:endParaRPr>
+          </a:p>
+          <a:p>
+            <a:endParaRPr lang="en-US" altLang="zh-CN" sz="1600">
+              <a:latin typeface="宋体" panose="02010600030101010101" pitchFamily="2" charset="-122"/>
+              <a:ea typeface="宋体" panose="02010600030101010101" pitchFamily="2" charset="-122"/>
+              <a:cs typeface="宋体" panose="02010600030101010101" pitchFamily="2" charset="-122"/>
+            </a:endParaRPr>
+          </a:p>
+          <a:p>
+            <a:r>
+              <a:rPr lang="en-US" altLang="zh-CN" sz="1600">
+                <a:latin typeface="宋体" panose="02010600030101010101" pitchFamily="2" charset="-122"/>
+                <a:ea typeface="宋体" panose="02010600030101010101" pitchFamily="2" charset="-122"/>
+                <a:cs typeface="宋体" panose="02010600030101010101" pitchFamily="2" charset="-122"/>
+              </a:rPr>
+              <a:t>Queue </a:t>
+            </a:r>
+            <a:r>
+              <a:rPr lang="zh-CN" altLang="en-US" sz="1600">
+                <a:latin typeface="宋体" panose="02010600030101010101" pitchFamily="2" charset="-122"/>
+                <a:ea typeface="宋体" panose="02010600030101010101" pitchFamily="2" charset="-122"/>
+                <a:cs typeface="宋体" panose="02010600030101010101" pitchFamily="2" charset="-122"/>
+              </a:rPr>
+              <a:t>常用方法</a:t>
+            </a:r>
+            <a:endParaRPr lang="zh-CN" altLang="en-US" sz="1600">
+              <a:latin typeface="宋体" panose="02010600030101010101" pitchFamily="2" charset="-122"/>
+              <a:ea typeface="宋体" panose="02010600030101010101" pitchFamily="2" charset="-122"/>
+              <a:cs typeface="宋体" panose="02010600030101010101" pitchFamily="2" charset="-122"/>
+            </a:endParaRPr>
+          </a:p>
+          <a:p>
+            <a:r>
+              <a:rPr lang="zh-CN" altLang="en-US" sz="1600">
+                <a:latin typeface="宋体" panose="02010600030101010101" pitchFamily="2" charset="-122"/>
+                <a:ea typeface="宋体" panose="02010600030101010101" pitchFamily="2" charset="-122"/>
+                <a:cs typeface="宋体" panose="02010600030101010101" pitchFamily="2" charset="-122"/>
+              </a:rPr>
+              <a:t>1.获取并移除</a:t>
+            </a:r>
+            <a:endParaRPr lang="zh-CN" altLang="en-US" sz="1600">
+              <a:latin typeface="宋体" panose="02010600030101010101" pitchFamily="2" charset="-122"/>
+              <a:ea typeface="宋体" panose="02010600030101010101" pitchFamily="2" charset="-122"/>
+              <a:cs typeface="宋体" panose="02010600030101010101" pitchFamily="2" charset="-122"/>
+            </a:endParaRPr>
+          </a:p>
+          <a:p>
+            <a:r>
+              <a:rPr lang="zh-CN" altLang="en-US" sz="1600">
+                <a:latin typeface="宋体" panose="02010600030101010101" pitchFamily="2" charset="-122"/>
+                <a:ea typeface="宋体" panose="02010600030101010101" pitchFamily="2" charset="-122"/>
+                <a:cs typeface="宋体" panose="02010600030101010101" pitchFamily="2" charset="-122"/>
+              </a:rPr>
+              <a:t>poll() 　　获取并移除此队列的头，如果此队列为空，则返回 null</a:t>
+            </a:r>
+            <a:endParaRPr lang="zh-CN" altLang="en-US" sz="1600">
+              <a:latin typeface="宋体" panose="02010600030101010101" pitchFamily="2" charset="-122"/>
+              <a:ea typeface="宋体" panose="02010600030101010101" pitchFamily="2" charset="-122"/>
+              <a:cs typeface="宋体" panose="02010600030101010101" pitchFamily="2" charset="-122"/>
+            </a:endParaRPr>
+          </a:p>
+          <a:p>
+            <a:r>
+              <a:rPr lang="zh-CN" altLang="en-US" sz="1600">
+                <a:latin typeface="宋体" panose="02010600030101010101" pitchFamily="2" charset="-122"/>
+                <a:ea typeface="宋体" panose="02010600030101010101" pitchFamily="2" charset="-122"/>
+                <a:cs typeface="宋体" panose="02010600030101010101" pitchFamily="2" charset="-122"/>
+              </a:rPr>
+              <a:t>remove()　　获取并移除此队列的头，如果此队列为空，则抛出NoSuchElementException异常</a:t>
+            </a:r>
+            <a:endParaRPr lang="zh-CN" altLang="en-US" sz="1600">
+              <a:latin typeface="宋体" panose="02010600030101010101" pitchFamily="2" charset="-122"/>
+              <a:ea typeface="宋体" panose="02010600030101010101" pitchFamily="2" charset="-122"/>
+              <a:cs typeface="宋体" panose="02010600030101010101" pitchFamily="2" charset="-122"/>
+            </a:endParaRPr>
+          </a:p>
+          <a:p>
+            <a:endParaRPr lang="zh-CN" altLang="en-US" sz="1600">
+              <a:latin typeface="宋体" panose="02010600030101010101" pitchFamily="2" charset="-122"/>
+              <a:ea typeface="宋体" panose="02010600030101010101" pitchFamily="2" charset="-122"/>
+              <a:cs typeface="宋体" panose="02010600030101010101" pitchFamily="2" charset="-122"/>
+            </a:endParaRPr>
+          </a:p>
+          <a:p>
+            <a:r>
+              <a:rPr lang="zh-CN" altLang="en-US" sz="1600">
+                <a:latin typeface="宋体" panose="02010600030101010101" pitchFamily="2" charset="-122"/>
+                <a:ea typeface="宋体" panose="02010600030101010101" pitchFamily="2" charset="-122"/>
+                <a:cs typeface="宋体" panose="02010600030101010101" pitchFamily="2" charset="-122"/>
+              </a:rPr>
+              <a:t>2.获取但不移除</a:t>
+            </a:r>
+            <a:endParaRPr lang="zh-CN" altLang="en-US" sz="1600">
+              <a:latin typeface="宋体" panose="02010600030101010101" pitchFamily="2" charset="-122"/>
+              <a:ea typeface="宋体" panose="02010600030101010101" pitchFamily="2" charset="-122"/>
+              <a:cs typeface="宋体" panose="02010600030101010101" pitchFamily="2" charset="-122"/>
+            </a:endParaRPr>
+          </a:p>
+          <a:p>
+            <a:r>
+              <a:rPr lang="zh-CN" altLang="en-US" sz="1600">
+                <a:latin typeface="宋体" panose="02010600030101010101" pitchFamily="2" charset="-122"/>
+                <a:ea typeface="宋体" panose="02010600030101010101" pitchFamily="2" charset="-122"/>
+                <a:cs typeface="宋体" panose="02010600030101010101" pitchFamily="2" charset="-122"/>
+              </a:rPr>
+              <a:t>peek()　　获取队列的头但不移除此队列的头。如果此队列为空，则返回 null</a:t>
+            </a:r>
+            <a:endParaRPr lang="zh-CN" altLang="en-US" sz="1600">
+              <a:latin typeface="宋体" panose="02010600030101010101" pitchFamily="2" charset="-122"/>
+              <a:ea typeface="宋体" panose="02010600030101010101" pitchFamily="2" charset="-122"/>
+              <a:cs typeface="宋体" panose="02010600030101010101" pitchFamily="2" charset="-122"/>
+            </a:endParaRPr>
+          </a:p>
+          <a:p>
+            <a:r>
+              <a:rPr lang="zh-CN" altLang="en-US" sz="1600">
+                <a:latin typeface="宋体" panose="02010600030101010101" pitchFamily="2" charset="-122"/>
+                <a:ea typeface="宋体" panose="02010600030101010101" pitchFamily="2" charset="-122"/>
+                <a:cs typeface="宋体" panose="02010600030101010101" pitchFamily="2" charset="-122"/>
+              </a:rPr>
+              <a:t>element()　　获取队列的头但不移除此队列的头。如果此队列为空，则将抛出NoSuchElementException异常</a:t>
+            </a:r>
+            <a:endParaRPr lang="zh-CN" altLang="en-US" sz="1600">
+              <a:latin typeface="宋体" panose="02010600030101010101" pitchFamily="2" charset="-122"/>
+              <a:ea typeface="宋体" panose="02010600030101010101" pitchFamily="2" charset="-122"/>
+              <a:cs typeface="宋体" panose="02010600030101010101" pitchFamily="2" charset="-122"/>
+            </a:endParaRPr>
+          </a:p>
+          <a:p>
+            <a:r>
+              <a:rPr lang="zh-CN" altLang="en-US" sz="1600">
+                <a:latin typeface="宋体" panose="02010600030101010101" pitchFamily="2" charset="-122"/>
+                <a:ea typeface="宋体" panose="02010600030101010101" pitchFamily="2" charset="-122"/>
+                <a:cs typeface="宋体" panose="02010600030101010101" pitchFamily="2" charset="-122"/>
+              </a:rPr>
+              <a:t>添加元素的方法</a:t>
+            </a:r>
+            <a:endParaRPr lang="zh-CN" altLang="en-US" sz="1600">
+              <a:latin typeface="宋体" panose="02010600030101010101" pitchFamily="2" charset="-122"/>
+              <a:ea typeface="宋体" panose="02010600030101010101" pitchFamily="2" charset="-122"/>
+              <a:cs typeface="宋体" panose="02010600030101010101" pitchFamily="2" charset="-122"/>
+            </a:endParaRPr>
+          </a:p>
+          <a:p>
+            <a:endParaRPr lang="zh-CN" altLang="en-US" sz="1600">
+              <a:latin typeface="宋体" panose="02010600030101010101" pitchFamily="2" charset="-122"/>
+              <a:ea typeface="宋体" panose="02010600030101010101" pitchFamily="2" charset="-122"/>
+              <a:cs typeface="宋体" panose="02010600030101010101" pitchFamily="2" charset="-122"/>
+            </a:endParaRPr>
+          </a:p>
+          <a:p>
+            <a:r>
+              <a:rPr lang="zh-CN" altLang="en-US" sz="1600">
+                <a:latin typeface="宋体" panose="02010600030101010101" pitchFamily="2" charset="-122"/>
+                <a:ea typeface="宋体" panose="02010600030101010101" pitchFamily="2" charset="-122"/>
+                <a:cs typeface="宋体" panose="02010600030101010101" pitchFamily="2" charset="-122"/>
+              </a:rPr>
+              <a:t>offer()　　将指定的元素插入此队列（如果立即可行且不会违反容量限制），插入成功返回 true；否则返回 false。当使用有容量限制的队列时，offer方法通常要优于 add方法——add方法可能无法插入元素，而只是抛出一个  IllegalStateException异常</a:t>
+            </a:r>
+            <a:endParaRPr lang="zh-CN" altLang="en-US" sz="1600">
+              <a:latin typeface="宋体" panose="02010600030101010101" pitchFamily="2" charset="-122"/>
+              <a:ea typeface="宋体" panose="02010600030101010101" pitchFamily="2" charset="-122"/>
+              <a:cs typeface="宋体" panose="02010600030101010101" pitchFamily="2" charset="-122"/>
+            </a:endParaRPr>
+          </a:p>
+          <a:p>
+            <a:r>
+              <a:rPr lang="zh-CN" altLang="en-US" sz="1600">
+                <a:latin typeface="宋体" panose="02010600030101010101" pitchFamily="2" charset="-122"/>
+                <a:ea typeface="宋体" panose="02010600030101010101" pitchFamily="2" charset="-122"/>
+                <a:cs typeface="宋体" panose="02010600030101010101" pitchFamily="2" charset="-122"/>
+              </a:rPr>
+              <a:t>add()　　将指定的元素插入此队列</a:t>
+            </a:r>
+            <a:endParaRPr lang="zh-CN" altLang="en-US" sz="1600">
+              <a:latin typeface="宋体" panose="02010600030101010101" pitchFamily="2" charset="-122"/>
+              <a:ea typeface="宋体" panose="02010600030101010101" pitchFamily="2" charset="-122"/>
+              <a:cs typeface="宋体" panose="02010600030101010101" pitchFamily="2" charset="-122"/>
+            </a:endParaRPr>
+          </a:p>
+          <a:p>
+            <a:r>
+              <a:rPr lang="zh-CN" altLang="en-US" sz="1600">
+                <a:latin typeface="宋体" panose="02010600030101010101" pitchFamily="2" charset="-122"/>
+                <a:ea typeface="宋体" panose="02010600030101010101" pitchFamily="2" charset="-122"/>
+                <a:cs typeface="宋体" panose="02010600030101010101" pitchFamily="2" charset="-122"/>
+              </a:rPr>
+              <a:t> </a:t>
+            </a:r>
+            <a:endParaRPr lang="zh-CN" altLang="en-US" sz="1600">
+              <a:latin typeface="宋体" panose="02010600030101010101" pitchFamily="2" charset="-122"/>
+              <a:ea typeface="宋体" panose="02010600030101010101" pitchFamily="2" charset="-122"/>
+              <a:cs typeface="宋体" panose="02010600030101010101" pitchFamily="2" charset="-122"/>
+            </a:endParaRPr>
+          </a:p>
+        </p:txBody>
+      </p:sp>
+    </p:spTree>
+    <p:custDataLst>
+      <p:tags r:id="rId2"/>
+    </p:custDataLst>
+  </p:cSld>
+  <p:clrMapOvr>
+    <a:masterClrMapping/>
+  </p:clrMapOvr>
+</p:sld>
+</file>
+
+<file path=ppt/slides/slide32.xml><?xml version="1.0" encoding="utf-8"?>
 <p:sld xmlns:a="http://schemas.openxmlformats.org/drawingml/2006/main" xmlns:r="http://schemas.openxmlformats.org/officeDocument/2006/relationships" xmlns:p="http://schemas.openxmlformats.org/presentationml/2006/main">
   <p:cSld>
     <p:bg>
@@ -22214,6 +24729,15 @@
 </file>
 
 <file path=ppt/tags/tag108.xml><?xml version="1.0" encoding="utf-8"?>
+<p:tagLst xmlns:p="http://schemas.openxmlformats.org/presentationml/2006/main">
+  <p:tag name="KSO_WM_BEAUTIFY_FLAG" val="#wm#"/>
+  <p:tag name="KSO_WM_TEMPLATE_CATEGORY" val="custom"/>
+  <p:tag name="KSO_WM_TEMPLATE_INDEX" val="20203858"/>
+  <p:tag name="KSO_WM_SPECIAL_SOURCE" val="bdnull"/>
+</p:tagLst>
+</file>
+
+<file path=ppt/tags/tag109.xml><?xml version="1.0" encoding="utf-8"?>
 <p:tagLst xmlns:p="http://schemas.openxmlformats.org/presentationml/2006/main">
   <p:tag name="KSO_WM_BEAUTIFY_FLAG" val="#wm#"/>
   <p:tag name="KSO_WM_TEMPLATE_CATEGORY" val="custom"/>

--- a/基础PPT/第7章：Java集合操作.pptx
+++ b/基础PPT/第7章：Java集合操作.pptx
@@ -37,9 +37,11 @@
     <p:sldId id="693" r:id="rId30"/>
     <p:sldId id="784" r:id="rId31"/>
     <p:sldId id="694" r:id="rId32"/>
-    <p:sldId id="695" r:id="rId33"/>
-    <p:sldId id="696" r:id="rId34"/>
-    <p:sldId id="662" r:id="rId35"/>
+    <p:sldId id="789" r:id="rId33"/>
+    <p:sldId id="695" r:id="rId34"/>
+    <p:sldId id="696" r:id="rId35"/>
+    <p:sldId id="793" r:id="rId36"/>
+    <p:sldId id="662" r:id="rId37"/>
   </p:sldIdLst>
   <p:sldSz cx="12192000" cy="6858000"/>
   <p:notesSz cx="6858000" cy="9144000"/>
@@ -489,6 +491,50 @@
 </file>
 
 <file path=ppt/notesSlides/notesSlide1.xml><?xml version="1.0" encoding="utf-8"?>
+<p:notes xmlns:a="http://schemas.openxmlformats.org/drawingml/2006/main" xmlns:r="http://schemas.openxmlformats.org/officeDocument/2006/relationships" xmlns:p="http://schemas.openxmlformats.org/presentationml/2006/main">
+  <p:cSld>
+    <p:spTree>
+      <p:nvGrpSpPr>
+        <p:cNvPr id="1" name=""/>
+        <p:cNvGrpSpPr/>
+        <p:nvPr/>
+      </p:nvGrpSpPr>
+      <p:grpSpPr/>
+      <p:sp>
+        <p:nvSpPr>
+          <p:cNvPr id="2" name="幻灯片图像占位符 1"/>
+          <p:cNvSpPr/>
+          <p:nvPr>
+            <p:ph type="sldImg" idx="2"/>
+          </p:nvPr>
+        </p:nvSpPr>
+        <p:spPr/>
+      </p:sp>
+      <p:sp>
+        <p:nvSpPr>
+          <p:cNvPr id="3" name="文本占位符 2"/>
+          <p:cNvSpPr/>
+          <p:nvPr>
+            <p:ph type="body" idx="3"/>
+          </p:nvPr>
+        </p:nvSpPr>
+        <p:spPr/>
+        <p:txBody>
+          <a:bodyPr/>
+          <a:p>
+            <a:endParaRPr lang="zh-CN" altLang="en-US"/>
+          </a:p>
+        </p:txBody>
+      </p:sp>
+    </p:spTree>
+  </p:cSld>
+  <p:clrMapOvr>
+    <a:masterClrMapping/>
+  </p:clrMapOvr>
+</p:notes>
+</file>
+
+<file path=ppt/notesSlides/notesSlide2.xml><?xml version="1.0" encoding="utf-8"?>
 <p:notes xmlns:a="http://schemas.openxmlformats.org/drawingml/2006/main" xmlns:r="http://schemas.openxmlformats.org/officeDocument/2006/relationships" xmlns:p="http://schemas.openxmlformats.org/presentationml/2006/main">
   <p:cSld>
     <p:spTree>
@@ -18245,7 +18291,26 @@
                 <a:ea typeface="宋体" panose="02010600030101010101" pitchFamily="2" charset="-122"/>
                 <a:cs typeface="宋体" panose="02010600030101010101" pitchFamily="2" charset="-122"/>
               </a:rPr>
-              <a:t>Set的底层实现是HashMap， 当我们在HashSet中添加一个新元素时， 其实这个值是存储在底层Map的key中，而众所周知，HashMap的key值是不能重复的， 所以这里就可以达到去重的目的了</a:t>
+              <a:t>Set的底层实现是</a:t>
+            </a:r>
+            <a:r>
+              <a:rPr sz="1600" b="1">
+                <a:solidFill>
+                  <a:srgbClr val="FF0000"/>
+                </a:solidFill>
+                <a:latin typeface="宋体" panose="02010600030101010101" pitchFamily="2" charset="-122"/>
+                <a:ea typeface="宋体" panose="02010600030101010101" pitchFamily="2" charset="-122"/>
+                <a:cs typeface="宋体" panose="02010600030101010101" pitchFamily="2" charset="-122"/>
+              </a:rPr>
+              <a:t>HashMap</a:t>
+            </a:r>
+            <a:r>
+              <a:rPr sz="1600">
+                <a:latin typeface="宋体" panose="02010600030101010101" pitchFamily="2" charset="-122"/>
+                <a:ea typeface="宋体" panose="02010600030101010101" pitchFamily="2" charset="-122"/>
+                <a:cs typeface="宋体" panose="02010600030101010101" pitchFamily="2" charset="-122"/>
+              </a:rPr>
+              <a:t>， 当我们在HashSet中添加一个新元素时， 其实这个值是存储在底层Map的key中，而众所周知，HashMap的key值是不能重复的， 所以这里就可以达到去重的目的了</a:t>
             </a:r>
             <a:r>
               <a:rPr lang="zh-CN" sz="1600">
@@ -18275,7 +18340,26 @@
                 <a:ea typeface="宋体" panose="02010600030101010101" pitchFamily="2" charset="-122"/>
                 <a:cs typeface="宋体" panose="02010600030101010101" pitchFamily="2" charset="-122"/>
               </a:rPr>
-              <a:t>对于LinkedHashSet而言，它继承与HashSet、又基于LinkedHashMap来实现的。</a:t>
+              <a:t>对于LinkedHashSet而言，它继承与HashSet、又基于</a:t>
+            </a:r>
+            <a:r>
+              <a:rPr lang="zh-CN" sz="1600" b="1">
+                <a:solidFill>
+                  <a:srgbClr val="FF0000"/>
+                </a:solidFill>
+                <a:latin typeface="宋体" panose="02010600030101010101" pitchFamily="2" charset="-122"/>
+                <a:ea typeface="宋体" panose="02010600030101010101" pitchFamily="2" charset="-122"/>
+                <a:cs typeface="宋体" panose="02010600030101010101" pitchFamily="2" charset="-122"/>
+              </a:rPr>
+              <a:t>LinkedHashMap</a:t>
+            </a:r>
+            <a:r>
+              <a:rPr lang="zh-CN" sz="1600">
+                <a:latin typeface="宋体" panose="02010600030101010101" pitchFamily="2" charset="-122"/>
+                <a:ea typeface="宋体" panose="02010600030101010101" pitchFamily="2" charset="-122"/>
+                <a:cs typeface="宋体" panose="02010600030101010101" pitchFamily="2" charset="-122"/>
+              </a:rPr>
+              <a:t>来实现的。</a:t>
             </a:r>
             <a:endParaRPr lang="zh-CN" sz="1600">
               <a:latin typeface="宋体" panose="02010600030101010101" pitchFamily="2" charset="-122"/>
@@ -18856,7 +18940,7 @@
         <p:spPr>
           <a:xfrm>
             <a:off x="203200" y="1450975"/>
-            <a:ext cx="11785600" cy="4276725"/>
+            <a:ext cx="11785600" cy="4523105"/>
           </a:xfrm>
           <a:prstGeom prst="rect">
             <a:avLst/>
@@ -19012,17 +19096,6 @@
             </a:endParaRPr>
           </a:p>
           <a:p>
-            <a:r>
-              <a:rPr lang="zh-CN" altLang="en-US" sz="1600">
-                <a:solidFill>
-                  <a:srgbClr val="FF0000"/>
-                </a:solidFill>
-                <a:latin typeface="宋体" panose="02010600030101010101" pitchFamily="2" charset="-122"/>
-                <a:ea typeface="宋体" panose="02010600030101010101" pitchFamily="2" charset="-122"/>
-                <a:cs typeface="宋体" panose="02010600030101010101" pitchFamily="2" charset="-122"/>
-              </a:rPr>
-              <a:t>使用 remove() 方法将迭代器最近返回的那个元素删除。</a:t>
-            </a:r>
             <a:endParaRPr lang="zh-CN" altLang="en-US" sz="1600">
               <a:solidFill>
                 <a:srgbClr val="FF0000"/>
@@ -19032,6 +19105,27 @@
               <a:cs typeface="宋体" panose="02010600030101010101" pitchFamily="2" charset="-122"/>
             </a:endParaRPr>
           </a:p>
+          <a:p>
+            <a:r>
+              <a:rPr lang="zh-CN" altLang="en-US" sz="1600">
+                <a:solidFill>
+                  <a:srgbClr val="FF0000"/>
+                </a:solidFill>
+                <a:latin typeface="宋体" panose="02010600030101010101" pitchFamily="2" charset="-122"/>
+                <a:ea typeface="宋体" panose="02010600030101010101" pitchFamily="2" charset="-122"/>
+                <a:cs typeface="宋体" panose="02010600030101010101" pitchFamily="2" charset="-122"/>
+              </a:rPr>
+              <a:t>使用 remove() 方法将迭代器最近返回的那个元素删除。</a:t>
+            </a:r>
+            <a:endParaRPr lang="zh-CN" altLang="en-US" sz="1600">
+              <a:solidFill>
+                <a:srgbClr val="FF0000"/>
+              </a:solidFill>
+              <a:latin typeface="宋体" panose="02010600030101010101" pitchFamily="2" charset="-122"/>
+              <a:ea typeface="宋体" panose="02010600030101010101" pitchFamily="2" charset="-122"/>
+              <a:cs typeface="宋体" panose="02010600030101010101" pitchFamily="2" charset="-122"/>
+            </a:endParaRPr>
+          </a:p>
         </p:txBody>
       </p:sp>
       <p:sp>
@@ -19056,6 +19150,12 @@
           </a:bodyPr>
           <a:p>
             <a:pPr algn="ctr"/>
+            <a:r>
+              <a:rPr lang="zh-CN" altLang="en-US" sz="3200">
+                <a:sym typeface="+mn-ea"/>
+              </a:rPr>
+              <a:t>Iterators </a:t>
+            </a:r>
             <a:r>
               <a:rPr lang="zh-CN" altLang="en-US" sz="3200"/>
               <a:t>迭代器</a:t>
@@ -21984,7 +22084,44 @@
                 </a:solidFill>
                 <a:effectLst/>
               </a:rPr>
+              <a:t>HashMap</a:t>
+            </a:r>
+            <a:r>
+              <a:rPr lang="zh-CN" altLang="en-US" b="1">
+                <a:solidFill>
+                  <a:srgbClr val="FF0000"/>
+                </a:solidFill>
+                <a:effectLst/>
+              </a:rPr>
+              <a:t>、</a:t>
+            </a:r>
+            <a:r>
+              <a:rPr lang="en-US" altLang="zh-CN" b="1">
+                <a:solidFill>
+                  <a:srgbClr val="FF0000"/>
+                </a:solidFill>
+                <a:effectLst/>
+              </a:rPr>
+              <a:t>Linked</a:t>
+            </a:r>
+            <a:r>
+              <a:rPr lang="en-US" altLang="zh-CN" b="1">
+                <a:solidFill>
+                  <a:srgbClr val="FF0000"/>
+                </a:solidFill>
+                <a:effectLst/>
+                <a:sym typeface="+mn-ea"/>
+              </a:rPr>
               <a:t>HashMap </a:t>
+            </a:r>
+            <a:r>
+              <a:rPr lang="en-US" altLang="zh-CN" b="1">
+                <a:solidFill>
+                  <a:srgbClr val="FF0000"/>
+                </a:solidFill>
+                <a:effectLst/>
+              </a:rPr>
+              <a:t> </a:t>
             </a:r>
             <a:r>
               <a:rPr lang="zh-CN" altLang="en-US" b="1">
@@ -22197,7 +22334,7 @@
         <p:spPr>
           <a:xfrm>
             <a:off x="106680" y="1520190"/>
-            <a:ext cx="12085320" cy="1076325"/>
+            <a:ext cx="11856720" cy="4523105"/>
           </a:xfrm>
           <a:prstGeom prst="rect">
             <a:avLst/>
@@ -22215,26 +22352,44 @@
                 <a:ea typeface="宋体" panose="02010600030101010101" pitchFamily="2" charset="-122"/>
                 <a:cs typeface="宋体" panose="02010600030101010101" pitchFamily="2" charset="-122"/>
               </a:rPr>
-              <a:t>Stack是栈。它的特性是：</a:t>
-            </a:r>
+              <a:t>Enumeration 接口是Iterator迭代器的“古老版本”，从JDK 1.0开始，Enumeration接口就已经存在了（Iterator从JDK 1.2才出现）。Enumeration接口只有两个方法。</a:t>
+            </a:r>
+            <a:endParaRPr lang="zh-CN" altLang="en-US" sz="1600">
+              <a:latin typeface="宋体" panose="02010600030101010101" pitchFamily="2" charset="-122"/>
+              <a:ea typeface="宋体" panose="02010600030101010101" pitchFamily="2" charset="-122"/>
+              <a:cs typeface="宋体" panose="02010600030101010101" pitchFamily="2" charset="-122"/>
+            </a:endParaRPr>
+          </a:p>
+          <a:p>
+            <a:endParaRPr lang="zh-CN" altLang="en-US" sz="1600">
+              <a:latin typeface="宋体" panose="02010600030101010101" pitchFamily="2" charset="-122"/>
+              <a:ea typeface="宋体" panose="02010600030101010101" pitchFamily="2" charset="-122"/>
+              <a:cs typeface="宋体" panose="02010600030101010101" pitchFamily="2" charset="-122"/>
+            </a:endParaRPr>
+          </a:p>
+          <a:p>
             <a:r>
               <a:rPr lang="zh-CN" altLang="en-US" sz="1600">
-                <a:solidFill>
-                  <a:srgbClr val="FF0000"/>
-                </a:solidFill>
-                <a:latin typeface="宋体" panose="02010600030101010101" pitchFamily="2" charset="-122"/>
-                <a:ea typeface="宋体" panose="02010600030101010101" pitchFamily="2" charset="-122"/>
-                <a:cs typeface="宋体" panose="02010600030101010101" pitchFamily="2" charset="-122"/>
-              </a:rPr>
-              <a:t>先进后出</a:t>
-            </a:r>
+                <a:latin typeface="宋体" panose="02010600030101010101" pitchFamily="2" charset="-122"/>
+                <a:ea typeface="宋体" panose="02010600030101010101" pitchFamily="2" charset="-122"/>
+                <a:cs typeface="宋体" panose="02010600030101010101" pitchFamily="2" charset="-122"/>
+              </a:rPr>
+              <a:t>boolean hasMoreElements() </a:t>
+            </a:r>
+            <a:endParaRPr lang="zh-CN" altLang="en-US" sz="1600">
+              <a:latin typeface="宋体" panose="02010600030101010101" pitchFamily="2" charset="-122"/>
+              <a:ea typeface="宋体" panose="02010600030101010101" pitchFamily="2" charset="-122"/>
+              <a:cs typeface="宋体" panose="02010600030101010101" pitchFamily="2" charset="-122"/>
+            </a:endParaRPr>
+          </a:p>
+          <a:p>
             <a:r>
               <a:rPr lang="zh-CN" altLang="en-US" sz="1600">
                 <a:latin typeface="宋体" panose="02010600030101010101" pitchFamily="2" charset="-122"/>
                 <a:ea typeface="宋体" panose="02010600030101010101" pitchFamily="2" charset="-122"/>
                 <a:cs typeface="宋体" panose="02010600030101010101" pitchFamily="2" charset="-122"/>
               </a:rPr>
-              <a:t>(FILO, First In Last Out)。</a:t>
+              <a:t>如果此迭代器还有剩下的元素，则返回true </a:t>
             </a:r>
             <a:endParaRPr lang="zh-CN" altLang="en-US" sz="1600">
               <a:latin typeface="宋体" panose="02010600030101010101" pitchFamily="2" charset="-122"/>
@@ -22243,6 +22398,14 @@
             </a:endParaRPr>
           </a:p>
           <a:p>
+            <a:r>
+              <a:rPr lang="zh-CN" altLang="en-US" sz="1600">
+                <a:latin typeface="宋体" panose="02010600030101010101" pitchFamily="2" charset="-122"/>
+                <a:ea typeface="宋体" panose="02010600030101010101" pitchFamily="2" charset="-122"/>
+                <a:cs typeface="宋体" panose="02010600030101010101" pitchFamily="2" charset="-122"/>
+              </a:rPr>
+              <a:t>Object nextElement() </a:t>
+            </a:r>
             <a:endParaRPr lang="zh-CN" altLang="en-US" sz="1600">
               <a:latin typeface="宋体" panose="02010600030101010101" pitchFamily="2" charset="-122"/>
               <a:ea typeface="宋体" panose="02010600030101010101" pitchFamily="2" charset="-122"/>
@@ -22256,7 +22419,7 @@
                 <a:ea typeface="宋体" panose="02010600030101010101" pitchFamily="2" charset="-122"/>
                 <a:cs typeface="宋体" panose="02010600030101010101" pitchFamily="2" charset="-122"/>
               </a:rPr>
-              <a:t>java工具包中的Stack是继承于Vector(矢量队列)的，由于Vector是通过数组实现的，这就意味着，Stack也是通过数组实现的，而非链表。当然，我们也可以将LinkedList当作栈来使用！</a:t>
+              <a:t>返回该迭代器的下一个元素，如果还有的话(否则抛出异常)</a:t>
             </a:r>
             <a:endParaRPr lang="zh-CN" altLang="en-US" sz="1600">
               <a:latin typeface="宋体" panose="02010600030101010101" pitchFamily="2" charset="-122"/>
@@ -22264,32 +22427,96 @@
               <a:cs typeface="宋体" panose="02010600030101010101" pitchFamily="2" charset="-122"/>
             </a:endParaRPr>
           </a:p>
-        </p:txBody>
-      </p:sp>
-      <p:pic>
-        <p:nvPicPr>
-          <p:cNvPr id="3" name="图片 2"/>
-          <p:cNvPicPr>
-            <a:picLocks noChangeAspect="1"/>
-          </p:cNvPicPr>
-          <p:nvPr/>
-        </p:nvPicPr>
-        <p:blipFill>
-          <a:blip r:embed="rId2"/>
-          <a:stretch>
-            <a:fillRect/>
-          </a:stretch>
-        </p:blipFill>
-        <p:spPr>
-          <a:xfrm>
-            <a:off x="210185" y="2882900"/>
-            <a:ext cx="8077200" cy="3383280"/>
-          </a:xfrm>
-          <a:prstGeom prst="rect">
-            <a:avLst/>
-          </a:prstGeom>
-        </p:spPr>
-      </p:pic>
+          <a:p>
+            <a:endParaRPr lang="zh-CN" altLang="en-US" sz="1600">
+              <a:latin typeface="宋体" panose="02010600030101010101" pitchFamily="2" charset="-122"/>
+              <a:ea typeface="宋体" panose="02010600030101010101" pitchFamily="2" charset="-122"/>
+              <a:cs typeface="宋体" panose="02010600030101010101" pitchFamily="2" charset="-122"/>
+            </a:endParaRPr>
+          </a:p>
+          <a:p>
+            <a:r>
+              <a:rPr lang="zh-CN" altLang="en-US" sz="1600">
+                <a:latin typeface="宋体" panose="02010600030101010101" pitchFamily="2" charset="-122"/>
+                <a:ea typeface="宋体" panose="02010600030101010101" pitchFamily="2" charset="-122"/>
+                <a:cs typeface="宋体" panose="02010600030101010101" pitchFamily="2" charset="-122"/>
+              </a:rPr>
+              <a:t>通过这两个方法不难发现，Enumeration接口中的方法名称难以记忆，而且没有Iterator的remove()方法。如果现在编写Java程序，应该尽量采用Iterator迭代器，而不是用Enumeration迭代器。</a:t>
+            </a:r>
+            <a:endParaRPr lang="zh-CN" altLang="en-US" sz="1600">
+              <a:latin typeface="宋体" panose="02010600030101010101" pitchFamily="2" charset="-122"/>
+              <a:ea typeface="宋体" panose="02010600030101010101" pitchFamily="2" charset="-122"/>
+              <a:cs typeface="宋体" panose="02010600030101010101" pitchFamily="2" charset="-122"/>
+            </a:endParaRPr>
+          </a:p>
+          <a:p>
+            <a:endParaRPr lang="zh-CN" altLang="en-US" sz="1600">
+              <a:latin typeface="宋体" panose="02010600030101010101" pitchFamily="2" charset="-122"/>
+              <a:ea typeface="宋体" panose="02010600030101010101" pitchFamily="2" charset="-122"/>
+              <a:cs typeface="宋体" panose="02010600030101010101" pitchFamily="2" charset="-122"/>
+            </a:endParaRPr>
+          </a:p>
+          <a:p>
+            <a:r>
+              <a:rPr lang="zh-CN" altLang="en-US" sz="1600">
+                <a:latin typeface="宋体" panose="02010600030101010101" pitchFamily="2" charset="-122"/>
+                <a:ea typeface="宋体" panose="02010600030101010101" pitchFamily="2" charset="-122"/>
+                <a:cs typeface="宋体" panose="02010600030101010101" pitchFamily="2" charset="-122"/>
+              </a:rPr>
+              <a:t>之所以保留Enumeration接口的原因，主要为了照顾以前那些“古老”的程序，那些程序里大量使用Enumeration接口，如果新版本的Java里直接删除Enumeration接口，将会导致那些程序全部出错。</a:t>
+            </a:r>
+            <a:endParaRPr lang="zh-CN" altLang="en-US" sz="1600">
+              <a:latin typeface="宋体" panose="02010600030101010101" pitchFamily="2" charset="-122"/>
+              <a:ea typeface="宋体" panose="02010600030101010101" pitchFamily="2" charset="-122"/>
+              <a:cs typeface="宋体" panose="02010600030101010101" pitchFamily="2" charset="-122"/>
+            </a:endParaRPr>
+          </a:p>
+          <a:p>
+            <a:endParaRPr lang="zh-CN" altLang="en-US" sz="1600">
+              <a:latin typeface="宋体" panose="02010600030101010101" pitchFamily="2" charset="-122"/>
+              <a:ea typeface="宋体" panose="02010600030101010101" pitchFamily="2" charset="-122"/>
+              <a:cs typeface="宋体" panose="02010600030101010101" pitchFamily="2" charset="-122"/>
+            </a:endParaRPr>
+          </a:p>
+          <a:p>
+            <a:r>
+              <a:rPr lang="zh-CN" altLang="en-US" sz="1600">
+                <a:latin typeface="宋体" panose="02010600030101010101" pitchFamily="2" charset="-122"/>
+                <a:ea typeface="宋体" panose="02010600030101010101" pitchFamily="2" charset="-122"/>
+                <a:cs typeface="宋体" panose="02010600030101010101" pitchFamily="2" charset="-122"/>
+              </a:rPr>
+              <a:t>计算机行业有一条规则：加入任何规则都必须慎之又慎，因为以后无法删除规则。</a:t>
+            </a:r>
+            <a:endParaRPr lang="zh-CN" altLang="en-US" sz="1600">
+              <a:latin typeface="宋体" panose="02010600030101010101" pitchFamily="2" charset="-122"/>
+              <a:ea typeface="宋体" panose="02010600030101010101" pitchFamily="2" charset="-122"/>
+              <a:cs typeface="宋体" panose="02010600030101010101" pitchFamily="2" charset="-122"/>
+            </a:endParaRPr>
+          </a:p>
+          <a:p>
+            <a:endParaRPr lang="zh-CN" altLang="en-US" sz="1600">
+              <a:latin typeface="宋体" panose="02010600030101010101" pitchFamily="2" charset="-122"/>
+              <a:ea typeface="宋体" panose="02010600030101010101" pitchFamily="2" charset="-122"/>
+              <a:cs typeface="宋体" panose="02010600030101010101" pitchFamily="2" charset="-122"/>
+            </a:endParaRPr>
+          </a:p>
+          <a:p>
+            <a:r>
+              <a:rPr lang="zh-CN" altLang="en-US" sz="1600">
+                <a:latin typeface="宋体" panose="02010600030101010101" pitchFamily="2" charset="-122"/>
+                <a:ea typeface="宋体" panose="02010600030101010101" pitchFamily="2" charset="-122"/>
+                <a:cs typeface="宋体" panose="02010600030101010101" pitchFamily="2" charset="-122"/>
+              </a:rPr>
+              <a:t>实际上，Vector（包括其子类Stack）、Hashtable两个集合类，以及另一个极少使用的BitSet，都是从JDK1.遗留下来的集合类，而Enumeration接口可用于遍历这些“古老”的集合类。对于ArrayList、HashMap等集合类，不再支持使用Enumeration迭代器。</a:t>
+            </a:r>
+            <a:endParaRPr lang="zh-CN" altLang="en-US" sz="1600">
+              <a:latin typeface="宋体" panose="02010600030101010101" pitchFamily="2" charset="-122"/>
+              <a:ea typeface="宋体" panose="02010600030101010101" pitchFamily="2" charset="-122"/>
+              <a:cs typeface="宋体" panose="02010600030101010101" pitchFamily="2" charset="-122"/>
+            </a:endParaRPr>
+          </a:p>
+        </p:txBody>
+      </p:sp>
       <p:sp>
         <p:nvSpPr>
           <p:cNvPr id="6" name="文本框 5"/>
@@ -22314,15 +22541,19 @@
             <a:pPr algn="ctr"/>
             <a:r>
               <a:rPr lang="en-US" altLang="zh-CN" sz="3200"/>
-              <a:t>Stack</a:t>
-            </a:r>
-            <a:endParaRPr lang="en-US" altLang="zh-CN" sz="3200"/>
+              <a:t>Enumeration </a:t>
+            </a:r>
+            <a:r>
+              <a:rPr lang="zh-CN" altLang="en-US" sz="3200"/>
+              <a:t>迭代器</a:t>
+            </a:r>
+            <a:endParaRPr lang="zh-CN" altLang="en-US" sz="3200"/>
           </a:p>
         </p:txBody>
       </p:sp>
     </p:spTree>
     <p:custDataLst>
-      <p:tags r:id="rId3"/>
+      <p:tags r:id="rId2"/>
     </p:custDataLst>
   </p:cSld>
   <p:clrMapOvr>
@@ -22577,8 +22808,8 @@
         </p:nvSpPr>
         <p:spPr>
           <a:xfrm>
-            <a:off x="222885" y="1402715"/>
-            <a:ext cx="11767185" cy="5015865"/>
+            <a:off x="106680" y="1520190"/>
+            <a:ext cx="12085320" cy="2553335"/>
           </a:xfrm>
           <a:prstGeom prst="rect">
             <a:avLst/>
@@ -22596,7 +22827,26 @@
                 <a:ea typeface="宋体" panose="02010600030101010101" pitchFamily="2" charset="-122"/>
                 <a:cs typeface="宋体" panose="02010600030101010101" pitchFamily="2" charset="-122"/>
               </a:rPr>
-              <a:t>Java Queue接口是Java Collections Framework的成员。</a:t>
+              <a:t>Stack是栈。它的特性是：</a:t>
+            </a:r>
+            <a:r>
+              <a:rPr lang="zh-CN" altLang="en-US" sz="1600">
+                <a:solidFill>
+                  <a:srgbClr val="FF0000"/>
+                </a:solidFill>
+                <a:latin typeface="宋体" panose="02010600030101010101" pitchFamily="2" charset="-122"/>
+                <a:ea typeface="宋体" panose="02010600030101010101" pitchFamily="2" charset="-122"/>
+                <a:cs typeface="宋体" panose="02010600030101010101" pitchFamily="2" charset="-122"/>
+              </a:rPr>
+              <a:t>先进后出</a:t>
+            </a:r>
+            <a:r>
+              <a:rPr lang="zh-CN" altLang="en-US" sz="1600">
+                <a:latin typeface="宋体" panose="02010600030101010101" pitchFamily="2" charset="-122"/>
+                <a:ea typeface="宋体" panose="02010600030101010101" pitchFamily="2" charset="-122"/>
+                <a:cs typeface="宋体" panose="02010600030101010101" pitchFamily="2" charset="-122"/>
+              </a:rPr>
+              <a:t>(FILO, First In Last Out)。</a:t>
             </a:r>
             <a:endParaRPr lang="zh-CN" altLang="en-US" sz="1600">
               <a:latin typeface="宋体" panose="02010600030101010101" pitchFamily="2" charset="-122"/>
@@ -22605,13 +22855,20 @@
             </a:endParaRPr>
           </a:p>
           <a:p>
+            <a:endParaRPr lang="zh-CN" altLang="en-US" sz="1600">
+              <a:latin typeface="宋体" panose="02010600030101010101" pitchFamily="2" charset="-122"/>
+              <a:ea typeface="宋体" panose="02010600030101010101" pitchFamily="2" charset="-122"/>
+              <a:cs typeface="宋体" panose="02010600030101010101" pitchFamily="2" charset="-122"/>
+            </a:endParaRPr>
+          </a:p>
+          <a:p>
             <a:r>
               <a:rPr lang="zh-CN" altLang="en-US" sz="1600">
                 <a:latin typeface="宋体" panose="02010600030101010101" pitchFamily="2" charset="-122"/>
                 <a:ea typeface="宋体" panose="02010600030101010101" pitchFamily="2" charset="-122"/>
                 <a:cs typeface="宋体" panose="02010600030101010101" pitchFamily="2" charset="-122"/>
               </a:rPr>
-              <a:t>Queue 实现通常不允许插入 null 元素</a:t>
+              <a:t>java工具包中的Stack是继承于Vector(矢量队列)的，由于Vector是通过数组实现的，这就意味着，Stack也是通过数组实现的，而非链表。当然，我们也可以将LinkedList当作栈来使用！</a:t>
             </a:r>
             <a:endParaRPr lang="zh-CN" altLang="en-US" sz="1600">
               <a:latin typeface="宋体" panose="02010600030101010101" pitchFamily="2" charset="-122"/>
@@ -22620,32 +22877,67 @@
             </a:endParaRPr>
           </a:p>
           <a:p>
+            <a:endParaRPr lang="zh-CN" altLang="en-US" sz="1600">
+              <a:latin typeface="宋体" panose="02010600030101010101" pitchFamily="2" charset="-122"/>
+              <a:ea typeface="宋体" panose="02010600030101010101" pitchFamily="2" charset="-122"/>
+              <a:cs typeface="宋体" panose="02010600030101010101" pitchFamily="2" charset="-122"/>
+            </a:endParaRPr>
+          </a:p>
+          <a:p>
             <a:r>
               <a:rPr lang="zh-CN" altLang="en-US" sz="1600">
                 <a:latin typeface="宋体" panose="02010600030101010101" pitchFamily="2" charset="-122"/>
                 <a:ea typeface="宋体" panose="02010600030101010101" pitchFamily="2" charset="-122"/>
                 <a:cs typeface="宋体" panose="02010600030101010101" pitchFamily="2" charset="-122"/>
               </a:rPr>
-              <a:t>队列通常（但并非一定）以 </a:t>
+              <a:t>push( num) </a:t>
+            </a:r>
+            <a:r>
+              <a:rPr lang="en-US" altLang="zh-CN" sz="1600">
+                <a:latin typeface="宋体" panose="02010600030101010101" pitchFamily="2" charset="-122"/>
+                <a:ea typeface="宋体" panose="02010600030101010101" pitchFamily="2" charset="-122"/>
+                <a:cs typeface="宋体" panose="02010600030101010101" pitchFamily="2" charset="-122"/>
+              </a:rPr>
+              <a:t>	</a:t>
             </a:r>
             <a:r>
               <a:rPr lang="zh-CN" altLang="en-US" sz="1600">
-                <a:solidFill>
-                  <a:srgbClr val="FF0000"/>
-                </a:solidFill>
-                <a:latin typeface="宋体" panose="02010600030101010101" pitchFamily="2" charset="-122"/>
-                <a:ea typeface="宋体" panose="02010600030101010101" pitchFamily="2" charset="-122"/>
-                <a:cs typeface="宋体" panose="02010600030101010101" pitchFamily="2" charset="-122"/>
-              </a:rPr>
-              <a:t>FIFO（先进先出）</a:t>
-            </a:r>
+                <a:latin typeface="宋体" panose="02010600030101010101" pitchFamily="2" charset="-122"/>
+                <a:ea typeface="宋体" panose="02010600030101010101" pitchFamily="2" charset="-122"/>
+                <a:cs typeface="宋体" panose="02010600030101010101" pitchFamily="2" charset="-122"/>
+              </a:rPr>
+              <a:t>//入栈</a:t>
+            </a:r>
+            <a:endParaRPr lang="zh-CN" altLang="en-US" sz="1600">
+              <a:latin typeface="宋体" panose="02010600030101010101" pitchFamily="2" charset="-122"/>
+              <a:ea typeface="宋体" panose="02010600030101010101" pitchFamily="2" charset="-122"/>
+              <a:cs typeface="宋体" panose="02010600030101010101" pitchFamily="2" charset="-122"/>
+            </a:endParaRPr>
+          </a:p>
+          <a:p>
             <a:r>
               <a:rPr lang="zh-CN" altLang="en-US" sz="1600">
                 <a:latin typeface="宋体" panose="02010600030101010101" pitchFamily="2" charset="-122"/>
                 <a:ea typeface="宋体" panose="02010600030101010101" pitchFamily="2" charset="-122"/>
                 <a:cs typeface="宋体" panose="02010600030101010101" pitchFamily="2" charset="-122"/>
               </a:rPr>
-              <a:t>的方式排序各个元素。不过优先级队列和 LIFO 队列（或堆栈）例外，前者根据提供的比较器或元素的自然顺序对元素进行排序，后者按 LIFO（后进先出）的方式对元素进行排序。无论使用哪种排序方式，队列的头 都是调用 remove() 或 poll() 所移除的元素。在 FIFO 队列中，所有的新元素都插入队列的末尾。其他种类的队列可能使用不同的元素放置规则。每个 Queue 实现必须指定其顺序属性。</a:t>
+              <a:t>pop() </a:t>
+            </a:r>
+            <a:r>
+              <a:rPr lang="en-US" altLang="zh-CN" sz="1600">
+                <a:latin typeface="宋体" panose="02010600030101010101" pitchFamily="2" charset="-122"/>
+                <a:ea typeface="宋体" panose="02010600030101010101" pitchFamily="2" charset="-122"/>
+                <a:cs typeface="宋体" panose="02010600030101010101" pitchFamily="2" charset="-122"/>
+              </a:rPr>
+              <a:t>		</a:t>
+            </a:r>
+            <a:r>
+              <a:rPr lang="zh-CN" altLang="en-US" sz="1600">
+                <a:latin typeface="宋体" panose="02010600030101010101" pitchFamily="2" charset="-122"/>
+                <a:ea typeface="宋体" panose="02010600030101010101" pitchFamily="2" charset="-122"/>
+                <a:cs typeface="宋体" panose="02010600030101010101" pitchFamily="2" charset="-122"/>
+              </a:rPr>
+              <a:t>//栈顶元素出栈</a:t>
             </a:r>
             <a:endParaRPr lang="zh-CN" altLang="en-US" sz="1600">
               <a:latin typeface="宋体" panose="02010600030101010101" pitchFamily="2" charset="-122"/>
@@ -22660,7 +22952,23 @@
                 <a:ea typeface="宋体" panose="02010600030101010101" pitchFamily="2" charset="-122"/>
                 <a:cs typeface="宋体" panose="02010600030101010101" pitchFamily="2" charset="-122"/>
               </a:rPr>
-              <a:t>在处理元素前用于保存元素的 collection。除了基本的 Collection 操作外，队列还提供其他的插入、提取和检查操作。每个方法都存在两种形式：一种抛出异常（操作失败时），另一种返回一个特殊值（null 或 false，具体取决于操作）。</a:t>
+              <a:t>empty() </a:t>
+            </a:r>
+            <a:r>
+              <a:rPr lang="en-US" altLang="zh-CN" sz="1600">
+                <a:latin typeface="宋体" panose="02010600030101010101" pitchFamily="2" charset="-122"/>
+                <a:ea typeface="宋体" panose="02010600030101010101" pitchFamily="2" charset="-122"/>
+                <a:cs typeface="宋体" panose="02010600030101010101" pitchFamily="2" charset="-122"/>
+              </a:rPr>
+              <a:t>		</a:t>
+            </a:r>
+            <a:r>
+              <a:rPr lang="zh-CN" altLang="en-US" sz="1600">
+                <a:latin typeface="宋体" panose="02010600030101010101" pitchFamily="2" charset="-122"/>
+                <a:ea typeface="宋体" panose="02010600030101010101" pitchFamily="2" charset="-122"/>
+                <a:cs typeface="宋体" panose="02010600030101010101" pitchFamily="2" charset="-122"/>
+              </a:rPr>
+              <a:t>//判定栈是否为空</a:t>
             </a:r>
             <a:endParaRPr lang="zh-CN" altLang="en-US" sz="1600">
               <a:latin typeface="宋体" panose="02010600030101010101" pitchFamily="2" charset="-122"/>
@@ -22675,7 +22983,23 @@
                 <a:ea typeface="宋体" panose="02010600030101010101" pitchFamily="2" charset="-122"/>
                 <a:cs typeface="宋体" panose="02010600030101010101" pitchFamily="2" charset="-122"/>
               </a:rPr>
-              <a:t>Queue 接口并未定义阻塞队列的方法，而这在并发编程中是很常见的。BlockingQueue 接口定义了那些等待元素出现或等待队列中有可用空间的方法，这些方法扩展了此接口。</a:t>
+              <a:t>peek() </a:t>
+            </a:r>
+            <a:r>
+              <a:rPr lang="en-US" altLang="zh-CN" sz="1600">
+                <a:latin typeface="宋体" panose="02010600030101010101" pitchFamily="2" charset="-122"/>
+                <a:ea typeface="宋体" panose="02010600030101010101" pitchFamily="2" charset="-122"/>
+                <a:cs typeface="宋体" panose="02010600030101010101" pitchFamily="2" charset="-122"/>
+              </a:rPr>
+              <a:t>		</a:t>
+            </a:r>
+            <a:r>
+              <a:rPr lang="zh-CN" altLang="en-US" sz="1600">
+                <a:latin typeface="宋体" panose="02010600030101010101" pitchFamily="2" charset="-122"/>
+                <a:ea typeface="宋体" panose="02010600030101010101" pitchFamily="2" charset="-122"/>
+                <a:cs typeface="宋体" panose="02010600030101010101" pitchFamily="2" charset="-122"/>
+              </a:rPr>
+              <a:t>//获取栈顶元素</a:t>
             </a:r>
             <a:endParaRPr lang="zh-CN" altLang="en-US" sz="1600">
               <a:latin typeface="宋体" panose="02010600030101010101" pitchFamily="2" charset="-122"/>
@@ -22690,135 +23014,25 @@
                 <a:ea typeface="宋体" panose="02010600030101010101" pitchFamily="2" charset="-122"/>
                 <a:cs typeface="宋体" panose="02010600030101010101" pitchFamily="2" charset="-122"/>
               </a:rPr>
-              <a:t>　　抛出异常 　　返回特殊值</a:t>
+              <a:t>search(num) </a:t>
+            </a:r>
+            <a:r>
+              <a:rPr lang="en-US" altLang="zh-CN" sz="1600">
+                <a:latin typeface="宋体" panose="02010600030101010101" pitchFamily="2" charset="-122"/>
+                <a:ea typeface="宋体" panose="02010600030101010101" pitchFamily="2" charset="-122"/>
+                <a:cs typeface="宋体" panose="02010600030101010101" pitchFamily="2" charset="-122"/>
+              </a:rPr>
+              <a:t>	</a:t>
+            </a:r>
+            <a:r>
+              <a:rPr lang="zh-CN" altLang="en-US" sz="1600">
+                <a:latin typeface="宋体" panose="02010600030101010101" pitchFamily="2" charset="-122"/>
+                <a:ea typeface="宋体" panose="02010600030101010101" pitchFamily="2" charset="-122"/>
+                <a:cs typeface="宋体" panose="02010600030101010101" pitchFamily="2" charset="-122"/>
+              </a:rPr>
+              <a:t>//判端元素num是否在栈中，如果在返回1，不在返回-1。</a:t>
             </a:r>
             <a:endParaRPr lang="zh-CN" altLang="en-US" sz="1600">
-              <a:latin typeface="宋体" panose="02010600030101010101" pitchFamily="2" charset="-122"/>
-              <a:ea typeface="宋体" panose="02010600030101010101" pitchFamily="2" charset="-122"/>
-              <a:cs typeface="宋体" panose="02010600030101010101" pitchFamily="2" charset="-122"/>
-            </a:endParaRPr>
-          </a:p>
-          <a:p>
-            <a:r>
-              <a:rPr lang="zh-CN" altLang="en-US" sz="1600">
-                <a:latin typeface="宋体" panose="02010600030101010101" pitchFamily="2" charset="-122"/>
-                <a:ea typeface="宋体" panose="02010600030101010101" pitchFamily="2" charset="-122"/>
-                <a:cs typeface="宋体" panose="02010600030101010101" pitchFamily="2" charset="-122"/>
-              </a:rPr>
-              <a:t>插入：add(e) 　　  offer(e)  插入一个元素</a:t>
-            </a:r>
-            <a:endParaRPr lang="zh-CN" altLang="en-US" sz="1600">
-              <a:latin typeface="宋体" panose="02010600030101010101" pitchFamily="2" charset="-122"/>
-              <a:ea typeface="宋体" panose="02010600030101010101" pitchFamily="2" charset="-122"/>
-              <a:cs typeface="宋体" panose="02010600030101010101" pitchFamily="2" charset="-122"/>
-            </a:endParaRPr>
-          </a:p>
-          <a:p>
-            <a:r>
-              <a:rPr lang="zh-CN" altLang="en-US" sz="1600">
-                <a:latin typeface="宋体" panose="02010600030101010101" pitchFamily="2" charset="-122"/>
-                <a:ea typeface="宋体" panose="02010600030101010101" pitchFamily="2" charset="-122"/>
-                <a:cs typeface="宋体" panose="02010600030101010101" pitchFamily="2" charset="-122"/>
-              </a:rPr>
-              <a:t>移除：remove()      poll()      移除和返回队列的头</a:t>
-            </a:r>
-            <a:endParaRPr lang="zh-CN" altLang="en-US" sz="1600">
-              <a:latin typeface="宋体" panose="02010600030101010101" pitchFamily="2" charset="-122"/>
-              <a:ea typeface="宋体" panose="02010600030101010101" pitchFamily="2" charset="-122"/>
-              <a:cs typeface="宋体" panose="02010600030101010101" pitchFamily="2" charset="-122"/>
-            </a:endParaRPr>
-          </a:p>
-          <a:p>
-            <a:r>
-              <a:rPr lang="zh-CN" altLang="en-US" sz="1600">
-                <a:latin typeface="宋体" panose="02010600030101010101" pitchFamily="2" charset="-122"/>
-                <a:ea typeface="宋体" panose="02010600030101010101" pitchFamily="2" charset="-122"/>
-                <a:cs typeface="宋体" panose="02010600030101010101" pitchFamily="2" charset="-122"/>
-              </a:rPr>
-              <a:t>检查：element()     peek()    返回但不移除队列的头。</a:t>
-            </a:r>
-            <a:endParaRPr lang="zh-CN" altLang="en-US" sz="1600">
-              <a:latin typeface="宋体" panose="02010600030101010101" pitchFamily="2" charset="-122"/>
-              <a:ea typeface="宋体" panose="02010600030101010101" pitchFamily="2" charset="-122"/>
-              <a:cs typeface="宋体" panose="02010600030101010101" pitchFamily="2" charset="-122"/>
-            </a:endParaRPr>
-          </a:p>
-          <a:p>
-            <a:endParaRPr lang="zh-CN" altLang="en-US" sz="1600">
-              <a:latin typeface="宋体" panose="02010600030101010101" pitchFamily="2" charset="-122"/>
-              <a:ea typeface="宋体" panose="02010600030101010101" pitchFamily="2" charset="-122"/>
-              <a:cs typeface="宋体" panose="02010600030101010101" pitchFamily="2" charset="-122"/>
-            </a:endParaRPr>
-          </a:p>
-          <a:p>
-            <a:r>
-              <a:rPr lang="zh-CN" altLang="en-US" sz="1600">
-                <a:latin typeface="宋体" panose="02010600030101010101" pitchFamily="2" charset="-122"/>
-                <a:ea typeface="宋体" panose="02010600030101010101" pitchFamily="2" charset="-122"/>
-                <a:cs typeface="宋体" panose="02010600030101010101" pitchFamily="2" charset="-122"/>
-              </a:rPr>
-              <a:t>JDK中并发队列提供了两种实现，一种是高性能队列ConcurrentLinkedQueue，一种是阻塞队列BlockingQueue（7种阻塞队列），两种都继承自Queue。</a:t>
-            </a:r>
-            <a:endParaRPr lang="zh-CN" altLang="en-US" sz="1600">
-              <a:latin typeface="宋体" panose="02010600030101010101" pitchFamily="2" charset="-122"/>
-              <a:ea typeface="宋体" panose="02010600030101010101" pitchFamily="2" charset="-122"/>
-              <a:cs typeface="宋体" panose="02010600030101010101" pitchFamily="2" charset="-122"/>
-            </a:endParaRPr>
-          </a:p>
-          <a:p>
-            <a:r>
-              <a:rPr lang="zh-CN" altLang="en-US" sz="1600">
-                <a:latin typeface="宋体" panose="02010600030101010101" pitchFamily="2" charset="-122"/>
-                <a:ea typeface="宋体" panose="02010600030101010101" pitchFamily="2" charset="-122"/>
-                <a:cs typeface="宋体" panose="02010600030101010101" pitchFamily="2" charset="-122"/>
-              </a:rPr>
-              <a:t>JDK中队列有两大类，一类是双端队列，一类是单端队列。</a:t>
-            </a:r>
-            <a:endParaRPr lang="zh-CN" altLang="en-US" sz="1600">
-              <a:latin typeface="宋体" panose="02010600030101010101" pitchFamily="2" charset="-122"/>
-              <a:ea typeface="宋体" panose="02010600030101010101" pitchFamily="2" charset="-122"/>
-              <a:cs typeface="宋体" panose="02010600030101010101" pitchFamily="2" charset="-122"/>
-            </a:endParaRPr>
-          </a:p>
-          <a:p>
-            <a:r>
-              <a:rPr lang="zh-CN" altLang="en-US" sz="1600">
-                <a:latin typeface="宋体" panose="02010600030101010101" pitchFamily="2" charset="-122"/>
-                <a:ea typeface="宋体" panose="02010600030101010101" pitchFamily="2" charset="-122"/>
-                <a:cs typeface="宋体" panose="02010600030101010101" pitchFamily="2" charset="-122"/>
-              </a:rPr>
-              <a:t>2. Java Queue接口扩展了Collection接口。Collection接口 externs Iterable接口。</a:t>
-            </a:r>
-            <a:endParaRPr lang="zh-CN" altLang="en-US" sz="1600">
-              <a:latin typeface="宋体" panose="02010600030101010101" pitchFamily="2" charset="-122"/>
-              <a:ea typeface="宋体" panose="02010600030101010101" pitchFamily="2" charset="-122"/>
-              <a:cs typeface="宋体" panose="02010600030101010101" pitchFamily="2" charset="-122"/>
-            </a:endParaRPr>
-          </a:p>
-          <a:p>
-            <a:r>
-              <a:rPr lang="zh-CN" altLang="en-US" sz="1600">
-                <a:latin typeface="宋体" panose="02010600030101010101" pitchFamily="2" charset="-122"/>
-                <a:ea typeface="宋体" panose="02010600030101010101" pitchFamily="2" charset="-122"/>
-                <a:cs typeface="宋体" panose="02010600030101010101" pitchFamily="2" charset="-122"/>
-              </a:rPr>
-              <a:t>子接口：</a:t>
-            </a:r>
-            <a:r>
-              <a:rPr lang="zh-CN" altLang="en-US" sz="1600" b="1">
-                <a:solidFill>
-                  <a:srgbClr val="FF0000"/>
-                </a:solidFill>
-                <a:latin typeface="宋体" panose="02010600030101010101" pitchFamily="2" charset="-122"/>
-                <a:ea typeface="宋体" panose="02010600030101010101" pitchFamily="2" charset="-122"/>
-                <a:cs typeface="宋体" panose="02010600030101010101" pitchFamily="2" charset="-122"/>
-              </a:rPr>
-              <a:t>BlockingQueue, Deque, BlobkingDequeue</a:t>
-            </a:r>
-            <a:endParaRPr lang="zh-CN" altLang="en-US" sz="1600" b="1">
-              <a:solidFill>
-                <a:srgbClr val="FF0000"/>
-              </a:solidFill>
               <a:latin typeface="宋体" panose="02010600030101010101" pitchFamily="2" charset="-122"/>
               <a:ea typeface="宋体" panose="02010600030101010101" pitchFamily="2" charset="-122"/>
               <a:cs typeface="宋体" panose="02010600030101010101" pitchFamily="2" charset="-122"/>
@@ -22850,7 +23064,7 @@
             <a:pPr algn="ctr"/>
             <a:r>
               <a:rPr lang="en-US" altLang="zh-CN" sz="3200"/>
-              <a:t>Queue</a:t>
+              <a:t>Stack</a:t>
             </a:r>
             <a:endParaRPr lang="en-US" altLang="zh-CN" sz="3200"/>
           </a:p>
@@ -22896,8 +23110,8 @@
         </p:nvSpPr>
         <p:spPr>
           <a:xfrm>
-            <a:off x="302895" y="864870"/>
-            <a:ext cx="11438890" cy="6247130"/>
+            <a:off x="222885" y="1402715"/>
+            <a:ext cx="11767185" cy="5015865"/>
           </a:xfrm>
           <a:prstGeom prst="rect">
             <a:avLst/>
@@ -22910,397 +23124,268 @@
           </a:bodyPr>
           <a:p>
             <a:r>
-              <a:rPr lang="zh-CN" altLang="en-US" sz="1600" dirty="0">
-                <a:latin typeface="宋体" panose="02010600030101010101" pitchFamily="2" charset="-122"/>
-                <a:ea typeface="宋体" panose="02010600030101010101" pitchFamily="2" charset="-122"/>
-                <a:cs typeface="宋体" panose="02010600030101010101" pitchFamily="2" charset="-122"/>
-                <a:sym typeface="+mn-ea"/>
-              </a:rPr>
-              <a:t>队列（Queue）是常用的数据结构，可以将</a:t>
-            </a:r>
-            <a:r>
-              <a:rPr lang="zh-CN" altLang="en-US" sz="1600" dirty="0">
+              <a:rPr lang="zh-CN" altLang="en-US" sz="1600">
+                <a:latin typeface="宋体" panose="02010600030101010101" pitchFamily="2" charset="-122"/>
+                <a:ea typeface="宋体" panose="02010600030101010101" pitchFamily="2" charset="-122"/>
+                <a:cs typeface="宋体" panose="02010600030101010101" pitchFamily="2" charset="-122"/>
+              </a:rPr>
+              <a:t>Java Queue接口是Java Collections Framework的成员。</a:t>
+            </a:r>
+            <a:endParaRPr lang="zh-CN" altLang="en-US" sz="1600">
+              <a:latin typeface="宋体" panose="02010600030101010101" pitchFamily="2" charset="-122"/>
+              <a:ea typeface="宋体" panose="02010600030101010101" pitchFamily="2" charset="-122"/>
+              <a:cs typeface="宋体" panose="02010600030101010101" pitchFamily="2" charset="-122"/>
+            </a:endParaRPr>
+          </a:p>
+          <a:p>
+            <a:r>
+              <a:rPr lang="zh-CN" altLang="en-US" sz="1600">
+                <a:latin typeface="宋体" panose="02010600030101010101" pitchFamily="2" charset="-122"/>
+                <a:ea typeface="宋体" panose="02010600030101010101" pitchFamily="2" charset="-122"/>
+                <a:cs typeface="宋体" panose="02010600030101010101" pitchFamily="2" charset="-122"/>
+              </a:rPr>
+              <a:t>Queue 实现通常不允许插入 null 元素</a:t>
+            </a:r>
+            <a:endParaRPr lang="zh-CN" altLang="en-US" sz="1600">
+              <a:latin typeface="宋体" panose="02010600030101010101" pitchFamily="2" charset="-122"/>
+              <a:ea typeface="宋体" panose="02010600030101010101" pitchFamily="2" charset="-122"/>
+              <a:cs typeface="宋体" panose="02010600030101010101" pitchFamily="2" charset="-122"/>
+            </a:endParaRPr>
+          </a:p>
+          <a:p>
+            <a:r>
+              <a:rPr lang="zh-CN" altLang="en-US" sz="1600">
+                <a:latin typeface="宋体" panose="02010600030101010101" pitchFamily="2" charset="-122"/>
+                <a:ea typeface="宋体" panose="02010600030101010101" pitchFamily="2" charset="-122"/>
+                <a:cs typeface="宋体" panose="02010600030101010101" pitchFamily="2" charset="-122"/>
+              </a:rPr>
+              <a:t>队列通常（但并非一定）以 </a:t>
+            </a:r>
+            <a:r>
+              <a:rPr lang="zh-CN" altLang="en-US" sz="1600">
                 <a:solidFill>
                   <a:srgbClr val="FF0000"/>
                 </a:solidFill>
                 <a:latin typeface="宋体" panose="02010600030101010101" pitchFamily="2" charset="-122"/>
                 <a:ea typeface="宋体" panose="02010600030101010101" pitchFamily="2" charset="-122"/>
                 <a:cs typeface="宋体" panose="02010600030101010101" pitchFamily="2" charset="-122"/>
-                <a:sym typeface="+mn-ea"/>
-              </a:rPr>
-              <a:t>队列看成特殊的线性表</a:t>
-            </a:r>
-            <a:r>
-              <a:rPr lang="zh-CN" altLang="en-US" sz="1600" dirty="0">
-                <a:latin typeface="宋体" panose="02010600030101010101" pitchFamily="2" charset="-122"/>
-                <a:ea typeface="宋体" panose="02010600030101010101" pitchFamily="2" charset="-122"/>
-                <a:cs typeface="宋体" panose="02010600030101010101" pitchFamily="2" charset="-122"/>
-                <a:sym typeface="+mn-ea"/>
-              </a:rPr>
-              <a:t>，队列限制了对线性表的访问方式：只能从线性表的一端添加（offer）元素，从另一端取出（poll）元素。</a:t>
-            </a:r>
-            <a:endParaRPr lang="zh-CN" altLang="en-US" sz="1600" dirty="0">
-              <a:latin typeface="宋体" panose="02010600030101010101" pitchFamily="2" charset="-122"/>
-              <a:ea typeface="宋体" panose="02010600030101010101" pitchFamily="2" charset="-122"/>
-              <a:cs typeface="宋体" panose="02010600030101010101" pitchFamily="2" charset="-122"/>
-            </a:endParaRPr>
-          </a:p>
-          <a:p>
-            <a:r>
-              <a:rPr lang="zh-CN" altLang="en-US" sz="1600" dirty="0">
-                <a:latin typeface="宋体" panose="02010600030101010101" pitchFamily="2" charset="-122"/>
-                <a:ea typeface="宋体" panose="02010600030101010101" pitchFamily="2" charset="-122"/>
-                <a:cs typeface="宋体" panose="02010600030101010101" pitchFamily="2" charset="-122"/>
-                <a:sym typeface="+mn-ea"/>
-              </a:rPr>
-              <a:t>队列遵循</a:t>
-            </a:r>
-            <a:r>
-              <a:rPr lang="zh-CN" altLang="en-US" sz="1600" dirty="0">
+              </a:rPr>
+              <a:t>FIFO（先进先出）</a:t>
+            </a:r>
+            <a:r>
+              <a:rPr lang="zh-CN" altLang="en-US" sz="1600">
+                <a:latin typeface="宋体" panose="02010600030101010101" pitchFamily="2" charset="-122"/>
+                <a:ea typeface="宋体" panose="02010600030101010101" pitchFamily="2" charset="-122"/>
+                <a:cs typeface="宋体" panose="02010600030101010101" pitchFamily="2" charset="-122"/>
+              </a:rPr>
+              <a:t>的方式排序各个元素。不过优先级队列和 LIFO 队列（或堆栈）例外，前者根据提供的比较器或元素的自然顺序对元素进行排序，后者按 LIFO（后进先出）的方式对元素进行排序。无论使用哪种排序方式，队列的头 都是调用 remove() 或 poll() 所移除的元素。在 FIFO 队列中，所有的新元素都插入队列的末尾。其他种类的队列可能使用不同的元素放置规则。每个 Queue 实现必须指定其顺序属性。</a:t>
+            </a:r>
+            <a:endParaRPr lang="zh-CN" altLang="en-US" sz="1600">
+              <a:latin typeface="宋体" panose="02010600030101010101" pitchFamily="2" charset="-122"/>
+              <a:ea typeface="宋体" panose="02010600030101010101" pitchFamily="2" charset="-122"/>
+              <a:cs typeface="宋体" panose="02010600030101010101" pitchFamily="2" charset="-122"/>
+            </a:endParaRPr>
+          </a:p>
+          <a:p>
+            <a:r>
+              <a:rPr lang="zh-CN" altLang="en-US" sz="1600">
+                <a:latin typeface="宋体" panose="02010600030101010101" pitchFamily="2" charset="-122"/>
+                <a:ea typeface="宋体" panose="02010600030101010101" pitchFamily="2" charset="-122"/>
+                <a:cs typeface="宋体" panose="02010600030101010101" pitchFamily="2" charset="-122"/>
+              </a:rPr>
+              <a:t>在处理元素前用于保存元素的 collection。除了基本的 Collection 操作外，队列还提供其他的插入、提取和检查操作。每个方法都存在两种形式：一种抛出异常（操作失败时），另一种返回一个特殊值（null 或 false，具体取决于操作）。</a:t>
+            </a:r>
+            <a:endParaRPr lang="zh-CN" altLang="en-US" sz="1600">
+              <a:latin typeface="宋体" panose="02010600030101010101" pitchFamily="2" charset="-122"/>
+              <a:ea typeface="宋体" panose="02010600030101010101" pitchFamily="2" charset="-122"/>
+              <a:cs typeface="宋体" panose="02010600030101010101" pitchFamily="2" charset="-122"/>
+            </a:endParaRPr>
+          </a:p>
+          <a:p>
+            <a:r>
+              <a:rPr lang="zh-CN" altLang="en-US" sz="1600">
+                <a:latin typeface="宋体" panose="02010600030101010101" pitchFamily="2" charset="-122"/>
+                <a:ea typeface="宋体" panose="02010600030101010101" pitchFamily="2" charset="-122"/>
+                <a:cs typeface="宋体" panose="02010600030101010101" pitchFamily="2" charset="-122"/>
+              </a:rPr>
+              <a:t>Queue 接口并未定义阻塞队列的方法，而这在并发编程中是很常见的。BlockingQueue 接口定义了那些等待元素出现或等待队列中有可用空间的方法，这些方法扩展了此接口。</a:t>
+            </a:r>
+            <a:endParaRPr lang="zh-CN" altLang="en-US" sz="1600">
+              <a:latin typeface="宋体" panose="02010600030101010101" pitchFamily="2" charset="-122"/>
+              <a:ea typeface="宋体" panose="02010600030101010101" pitchFamily="2" charset="-122"/>
+              <a:cs typeface="宋体" panose="02010600030101010101" pitchFamily="2" charset="-122"/>
+            </a:endParaRPr>
+          </a:p>
+          <a:p>
+            <a:r>
+              <a:rPr lang="zh-CN" altLang="en-US" sz="1600">
+                <a:latin typeface="宋体" panose="02010600030101010101" pitchFamily="2" charset="-122"/>
+                <a:ea typeface="宋体" panose="02010600030101010101" pitchFamily="2" charset="-122"/>
+                <a:cs typeface="宋体" panose="02010600030101010101" pitchFamily="2" charset="-122"/>
+              </a:rPr>
+              <a:t>　　抛出异常 　　返回特殊值</a:t>
+            </a:r>
+            <a:endParaRPr lang="zh-CN" altLang="en-US" sz="1600">
+              <a:latin typeface="宋体" panose="02010600030101010101" pitchFamily="2" charset="-122"/>
+              <a:ea typeface="宋体" panose="02010600030101010101" pitchFamily="2" charset="-122"/>
+              <a:cs typeface="宋体" panose="02010600030101010101" pitchFamily="2" charset="-122"/>
+            </a:endParaRPr>
+          </a:p>
+          <a:p>
+            <a:r>
+              <a:rPr lang="zh-CN" altLang="en-US" sz="1600">
+                <a:latin typeface="宋体" panose="02010600030101010101" pitchFamily="2" charset="-122"/>
+                <a:ea typeface="宋体" panose="02010600030101010101" pitchFamily="2" charset="-122"/>
+                <a:cs typeface="宋体" panose="02010600030101010101" pitchFamily="2" charset="-122"/>
+              </a:rPr>
+              <a:t>插入：add(e) 　　  offer(e)  插入一个元素</a:t>
+            </a:r>
+            <a:endParaRPr lang="zh-CN" altLang="en-US" sz="1600">
+              <a:latin typeface="宋体" panose="02010600030101010101" pitchFamily="2" charset="-122"/>
+              <a:ea typeface="宋体" panose="02010600030101010101" pitchFamily="2" charset="-122"/>
+              <a:cs typeface="宋体" panose="02010600030101010101" pitchFamily="2" charset="-122"/>
+            </a:endParaRPr>
+          </a:p>
+          <a:p>
+            <a:r>
+              <a:rPr lang="zh-CN" altLang="en-US" sz="1600">
+                <a:latin typeface="宋体" panose="02010600030101010101" pitchFamily="2" charset="-122"/>
+                <a:ea typeface="宋体" panose="02010600030101010101" pitchFamily="2" charset="-122"/>
+                <a:cs typeface="宋体" panose="02010600030101010101" pitchFamily="2" charset="-122"/>
+              </a:rPr>
+              <a:t>移除：remove()      poll()      移除和返回队列的头</a:t>
+            </a:r>
+            <a:endParaRPr lang="zh-CN" altLang="en-US" sz="1600">
+              <a:latin typeface="宋体" panose="02010600030101010101" pitchFamily="2" charset="-122"/>
+              <a:ea typeface="宋体" panose="02010600030101010101" pitchFamily="2" charset="-122"/>
+              <a:cs typeface="宋体" panose="02010600030101010101" pitchFamily="2" charset="-122"/>
+            </a:endParaRPr>
+          </a:p>
+          <a:p>
+            <a:r>
+              <a:rPr lang="zh-CN" altLang="en-US" sz="1600">
+                <a:latin typeface="宋体" panose="02010600030101010101" pitchFamily="2" charset="-122"/>
+                <a:ea typeface="宋体" panose="02010600030101010101" pitchFamily="2" charset="-122"/>
+                <a:cs typeface="宋体" panose="02010600030101010101" pitchFamily="2" charset="-122"/>
+              </a:rPr>
+              <a:t>检查：element()     peek()    返回但不移除队列的头。</a:t>
+            </a:r>
+            <a:endParaRPr lang="zh-CN" altLang="en-US" sz="1600">
+              <a:latin typeface="宋体" panose="02010600030101010101" pitchFamily="2" charset="-122"/>
+              <a:ea typeface="宋体" panose="02010600030101010101" pitchFamily="2" charset="-122"/>
+              <a:cs typeface="宋体" panose="02010600030101010101" pitchFamily="2" charset="-122"/>
+            </a:endParaRPr>
+          </a:p>
+          <a:p>
+            <a:endParaRPr lang="zh-CN" altLang="en-US" sz="1600">
+              <a:latin typeface="宋体" panose="02010600030101010101" pitchFamily="2" charset="-122"/>
+              <a:ea typeface="宋体" panose="02010600030101010101" pitchFamily="2" charset="-122"/>
+              <a:cs typeface="宋体" panose="02010600030101010101" pitchFamily="2" charset="-122"/>
+            </a:endParaRPr>
+          </a:p>
+          <a:p>
+            <a:r>
+              <a:rPr lang="zh-CN" altLang="en-US" sz="1600">
+                <a:latin typeface="宋体" panose="02010600030101010101" pitchFamily="2" charset="-122"/>
+                <a:ea typeface="宋体" panose="02010600030101010101" pitchFamily="2" charset="-122"/>
+                <a:cs typeface="宋体" panose="02010600030101010101" pitchFamily="2" charset="-122"/>
+              </a:rPr>
+              <a:t>JDK中并发队列提供了两种实现，一种是高性能队列ConcurrentLinkedQueue，一种是阻塞队列BlockingQueue（7种阻塞队列），两种都继承自Queue。</a:t>
+            </a:r>
+            <a:endParaRPr lang="zh-CN" altLang="en-US" sz="1600">
+              <a:latin typeface="宋体" panose="02010600030101010101" pitchFamily="2" charset="-122"/>
+              <a:ea typeface="宋体" panose="02010600030101010101" pitchFamily="2" charset="-122"/>
+              <a:cs typeface="宋体" panose="02010600030101010101" pitchFamily="2" charset="-122"/>
+            </a:endParaRPr>
+          </a:p>
+          <a:p>
+            <a:r>
+              <a:rPr lang="zh-CN" altLang="en-US" sz="1600">
+                <a:latin typeface="宋体" panose="02010600030101010101" pitchFamily="2" charset="-122"/>
+                <a:ea typeface="宋体" panose="02010600030101010101" pitchFamily="2" charset="-122"/>
+                <a:cs typeface="宋体" panose="02010600030101010101" pitchFamily="2" charset="-122"/>
+              </a:rPr>
+              <a:t>JDK中队列有两大类，一类是双端队列，一类是单端队列。</a:t>
+            </a:r>
+            <a:endParaRPr lang="zh-CN" altLang="en-US" sz="1600">
+              <a:latin typeface="宋体" panose="02010600030101010101" pitchFamily="2" charset="-122"/>
+              <a:ea typeface="宋体" panose="02010600030101010101" pitchFamily="2" charset="-122"/>
+              <a:cs typeface="宋体" panose="02010600030101010101" pitchFamily="2" charset="-122"/>
+            </a:endParaRPr>
+          </a:p>
+          <a:p>
+            <a:r>
+              <a:rPr lang="zh-CN" altLang="en-US" sz="1600">
+                <a:latin typeface="宋体" panose="02010600030101010101" pitchFamily="2" charset="-122"/>
+                <a:ea typeface="宋体" panose="02010600030101010101" pitchFamily="2" charset="-122"/>
+                <a:cs typeface="宋体" panose="02010600030101010101" pitchFamily="2" charset="-122"/>
+              </a:rPr>
+              <a:t>2. Java Queue接口扩展了Collection接口。Collection接口 externs Iterable接口。</a:t>
+            </a:r>
+            <a:endParaRPr lang="zh-CN" altLang="en-US" sz="1600">
+              <a:latin typeface="宋体" panose="02010600030101010101" pitchFamily="2" charset="-122"/>
+              <a:ea typeface="宋体" panose="02010600030101010101" pitchFamily="2" charset="-122"/>
+              <a:cs typeface="宋体" panose="02010600030101010101" pitchFamily="2" charset="-122"/>
+            </a:endParaRPr>
+          </a:p>
+          <a:p>
+            <a:r>
+              <a:rPr lang="zh-CN" altLang="en-US" sz="1600">
+                <a:latin typeface="宋体" panose="02010600030101010101" pitchFamily="2" charset="-122"/>
+                <a:ea typeface="宋体" panose="02010600030101010101" pitchFamily="2" charset="-122"/>
+                <a:cs typeface="宋体" panose="02010600030101010101" pitchFamily="2" charset="-122"/>
+              </a:rPr>
+              <a:t>子接口：</a:t>
+            </a:r>
+            <a:r>
+              <a:rPr lang="zh-CN" altLang="en-US" sz="1600" b="1">
                 <a:solidFill>
                   <a:srgbClr val="FF0000"/>
                 </a:solidFill>
                 <a:latin typeface="宋体" panose="02010600030101010101" pitchFamily="2" charset="-122"/>
                 <a:ea typeface="宋体" panose="02010600030101010101" pitchFamily="2" charset="-122"/>
                 <a:cs typeface="宋体" panose="02010600030101010101" pitchFamily="2" charset="-122"/>
-                <a:sym typeface="+mn-ea"/>
-              </a:rPr>
-              <a:t>先进先出</a:t>
-            </a:r>
-            <a:r>
-              <a:rPr lang="zh-CN" altLang="en-US" sz="1600" dirty="0">
-                <a:latin typeface="宋体" panose="02010600030101010101" pitchFamily="2" charset="-122"/>
-                <a:ea typeface="宋体" panose="02010600030101010101" pitchFamily="2" charset="-122"/>
-                <a:cs typeface="宋体" panose="02010600030101010101" pitchFamily="2" charset="-122"/>
-                <a:sym typeface="+mn-ea"/>
-              </a:rPr>
-              <a:t>（FIFO First Input First Output ）的原则。</a:t>
-            </a:r>
-            <a:endParaRPr lang="zh-CN" altLang="en-US" sz="1600" dirty="0">
-              <a:latin typeface="宋体" panose="02010600030101010101" pitchFamily="2" charset="-122"/>
-              <a:ea typeface="宋体" panose="02010600030101010101" pitchFamily="2" charset="-122"/>
-              <a:cs typeface="宋体" panose="02010600030101010101" pitchFamily="2" charset="-122"/>
-            </a:endParaRPr>
-          </a:p>
-          <a:p>
-            <a:r>
-              <a:rPr lang="zh-CN" altLang="en-US" sz="1600" dirty="0">
-                <a:latin typeface="宋体" panose="02010600030101010101" pitchFamily="2" charset="-122"/>
-                <a:ea typeface="宋体" panose="02010600030101010101" pitchFamily="2" charset="-122"/>
-                <a:cs typeface="宋体" panose="02010600030101010101" pitchFamily="2" charset="-122"/>
-                <a:sym typeface="+mn-ea"/>
-              </a:rPr>
-              <a:t>JDK中提供了Queue接口，同时使得LinkedList实现了该接口（选择LinkedList实现Queue的原因在于Queue经常要进行插入和删除的操作，而LinkedList在这方面效率较高）。</a:t>
-            </a:r>
-            <a:endParaRPr lang="zh-CN" altLang="en-US" sz="1600" dirty="0">
-              <a:latin typeface="宋体" panose="02010600030101010101" pitchFamily="2" charset="-122"/>
-              <a:ea typeface="宋体" panose="02010600030101010101" pitchFamily="2" charset="-122"/>
-              <a:cs typeface="宋体" panose="02010600030101010101" pitchFamily="2" charset="-122"/>
-            </a:endParaRPr>
-          </a:p>
-          <a:p>
-            <a:r>
-              <a:rPr lang="zh-CN" altLang="en-US" sz="1600" dirty="0">
-                <a:latin typeface="宋体" panose="02010600030101010101" pitchFamily="2" charset="-122"/>
-                <a:ea typeface="宋体" panose="02010600030101010101" pitchFamily="2" charset="-122"/>
-                <a:cs typeface="宋体" panose="02010600030101010101" pitchFamily="2" charset="-122"/>
-                <a:sym typeface="+mn-ea"/>
-              </a:rPr>
-              <a:t>Queue提供了操作队列的相关方法,其主要方法如下:</a:t>
-            </a:r>
-            <a:endParaRPr lang="zh-CN" altLang="en-US" sz="1600" dirty="0">
-              <a:latin typeface="宋体" panose="02010600030101010101" pitchFamily="2" charset="-122"/>
-              <a:ea typeface="宋体" panose="02010600030101010101" pitchFamily="2" charset="-122"/>
-              <a:cs typeface="宋体" panose="02010600030101010101" pitchFamily="2" charset="-122"/>
-            </a:endParaRPr>
-          </a:p>
-          <a:p>
-            <a:r>
-              <a:rPr lang="zh-CN" altLang="en-US" sz="1600" dirty="0">
-                <a:latin typeface="宋体" panose="02010600030101010101" pitchFamily="2" charset="-122"/>
-                <a:ea typeface="宋体" panose="02010600030101010101" pitchFamily="2" charset="-122"/>
-                <a:cs typeface="宋体" panose="02010600030101010101" pitchFamily="2" charset="-122"/>
-                <a:sym typeface="+mn-ea"/>
-              </a:rPr>
-              <a:t>boolean </a:t>
-            </a:r>
-            <a:r>
-              <a:rPr lang="zh-CN" altLang="en-US" sz="1600" dirty="0">
-                <a:solidFill>
-                  <a:srgbClr val="FF0000"/>
-                </a:solidFill>
-                <a:latin typeface="宋体" panose="02010600030101010101" pitchFamily="2" charset="-122"/>
-                <a:ea typeface="宋体" panose="02010600030101010101" pitchFamily="2" charset="-122"/>
-                <a:cs typeface="宋体" panose="02010600030101010101" pitchFamily="2" charset="-122"/>
-                <a:sym typeface="+mn-ea"/>
-              </a:rPr>
-              <a:t>offer(E e):</a:t>
-            </a:r>
-            <a:r>
-              <a:rPr lang="zh-CN" altLang="en-US" sz="1600" dirty="0">
-                <a:latin typeface="宋体" panose="02010600030101010101" pitchFamily="2" charset="-122"/>
-                <a:ea typeface="宋体" panose="02010600030101010101" pitchFamily="2" charset="-122"/>
-                <a:cs typeface="宋体" panose="02010600030101010101" pitchFamily="2" charset="-122"/>
-                <a:sym typeface="+mn-ea"/>
-              </a:rPr>
-              <a:t>将元素追加到队列末尾,若添加成功则返回true。</a:t>
-            </a:r>
-            <a:endParaRPr lang="zh-CN" altLang="en-US" sz="1600" dirty="0">
-              <a:latin typeface="宋体" panose="02010600030101010101" pitchFamily="2" charset="-122"/>
-              <a:ea typeface="宋体" panose="02010600030101010101" pitchFamily="2" charset="-122"/>
-              <a:cs typeface="宋体" panose="02010600030101010101" pitchFamily="2" charset="-122"/>
-            </a:endParaRPr>
-          </a:p>
-          <a:p>
-            <a:r>
-              <a:rPr lang="zh-CN" altLang="en-US" sz="1600" dirty="0">
-                <a:solidFill>
-                  <a:srgbClr val="FF0000"/>
-                </a:solidFill>
-                <a:latin typeface="宋体" panose="02010600030101010101" pitchFamily="2" charset="-122"/>
-                <a:ea typeface="宋体" panose="02010600030101010101" pitchFamily="2" charset="-122"/>
-                <a:cs typeface="宋体" panose="02010600030101010101" pitchFamily="2" charset="-122"/>
-                <a:sym typeface="+mn-ea"/>
-              </a:rPr>
-              <a:t>E poll():</a:t>
-            </a:r>
-            <a:r>
-              <a:rPr lang="zh-CN" altLang="en-US" sz="1600" dirty="0">
-                <a:latin typeface="宋体" panose="02010600030101010101" pitchFamily="2" charset="-122"/>
-                <a:ea typeface="宋体" panose="02010600030101010101" pitchFamily="2" charset="-122"/>
-                <a:cs typeface="宋体" panose="02010600030101010101" pitchFamily="2" charset="-122"/>
-                <a:sym typeface="+mn-ea"/>
-              </a:rPr>
-              <a:t>从队首删除并返回该元素。</a:t>
-            </a:r>
-            <a:endParaRPr lang="zh-CN" altLang="en-US" sz="1600" dirty="0">
-              <a:latin typeface="宋体" panose="02010600030101010101" pitchFamily="2" charset="-122"/>
-              <a:ea typeface="宋体" panose="02010600030101010101" pitchFamily="2" charset="-122"/>
-              <a:cs typeface="宋体" panose="02010600030101010101" pitchFamily="2" charset="-122"/>
-            </a:endParaRPr>
-          </a:p>
-          <a:p>
-            <a:r>
-              <a:rPr lang="zh-CN" altLang="en-US" sz="1600" dirty="0">
-                <a:solidFill>
-                  <a:srgbClr val="FF0000"/>
-                </a:solidFill>
-                <a:latin typeface="宋体" panose="02010600030101010101" pitchFamily="2" charset="-122"/>
-                <a:ea typeface="宋体" panose="02010600030101010101" pitchFamily="2" charset="-122"/>
-                <a:cs typeface="宋体" panose="02010600030101010101" pitchFamily="2" charset="-122"/>
-                <a:sym typeface="+mn-ea"/>
-              </a:rPr>
-              <a:t>E peek():</a:t>
-            </a:r>
-            <a:r>
-              <a:rPr lang="zh-CN" altLang="en-US" sz="1600" dirty="0">
-                <a:latin typeface="宋体" panose="02010600030101010101" pitchFamily="2" charset="-122"/>
-                <a:ea typeface="宋体" panose="02010600030101010101" pitchFamily="2" charset="-122"/>
-                <a:cs typeface="宋体" panose="02010600030101010101" pitchFamily="2" charset="-122"/>
-                <a:sym typeface="+mn-ea"/>
-              </a:rPr>
-              <a:t>返回队首元素，但是不删除。</a:t>
-            </a:r>
-            <a:endParaRPr lang="zh-CN" altLang="en-US" sz="1600" dirty="0">
-              <a:latin typeface="宋体" panose="02010600030101010101" pitchFamily="2" charset="-122"/>
-              <a:ea typeface="宋体" panose="02010600030101010101" pitchFamily="2" charset="-122"/>
-              <a:cs typeface="宋体" panose="02010600030101010101" pitchFamily="2" charset="-122"/>
-              <a:sym typeface="+mn-ea"/>
-            </a:endParaRPr>
-          </a:p>
-          <a:p>
-            <a:endParaRPr lang="en-US" altLang="zh-CN" sz="1600">
-              <a:latin typeface="宋体" panose="02010600030101010101" pitchFamily="2" charset="-122"/>
-              <a:ea typeface="宋体" panose="02010600030101010101" pitchFamily="2" charset="-122"/>
-              <a:cs typeface="宋体" panose="02010600030101010101" pitchFamily="2" charset="-122"/>
-            </a:endParaRPr>
-          </a:p>
-          <a:p>
-            <a:r>
-              <a:rPr lang="en-US" altLang="zh-CN" sz="1600">
-                <a:latin typeface="宋体" panose="02010600030101010101" pitchFamily="2" charset="-122"/>
-                <a:ea typeface="宋体" panose="02010600030101010101" pitchFamily="2" charset="-122"/>
-                <a:cs typeface="宋体" panose="02010600030101010101" pitchFamily="2" charset="-122"/>
-              </a:rPr>
-              <a:t>Queue </a:t>
-            </a:r>
-            <a:r>
-              <a:rPr lang="zh-CN" altLang="en-US" sz="1600">
-                <a:latin typeface="宋体" panose="02010600030101010101" pitchFamily="2" charset="-122"/>
-                <a:ea typeface="宋体" panose="02010600030101010101" pitchFamily="2" charset="-122"/>
-                <a:cs typeface="宋体" panose="02010600030101010101" pitchFamily="2" charset="-122"/>
-              </a:rPr>
-              <a:t>常用方法</a:t>
-            </a:r>
-            <a:endParaRPr lang="zh-CN" altLang="en-US" sz="1600">
-              <a:latin typeface="宋体" panose="02010600030101010101" pitchFamily="2" charset="-122"/>
-              <a:ea typeface="宋体" panose="02010600030101010101" pitchFamily="2" charset="-122"/>
-              <a:cs typeface="宋体" panose="02010600030101010101" pitchFamily="2" charset="-122"/>
-            </a:endParaRPr>
-          </a:p>
-          <a:p>
-            <a:r>
-              <a:rPr lang="zh-CN" altLang="en-US" sz="1600">
-                <a:latin typeface="宋体" panose="02010600030101010101" pitchFamily="2" charset="-122"/>
-                <a:ea typeface="宋体" panose="02010600030101010101" pitchFamily="2" charset="-122"/>
-                <a:cs typeface="宋体" panose="02010600030101010101" pitchFamily="2" charset="-122"/>
-              </a:rPr>
-              <a:t>1.获取并移除</a:t>
-            </a:r>
-            <a:endParaRPr lang="zh-CN" altLang="en-US" sz="1600">
-              <a:latin typeface="宋体" panose="02010600030101010101" pitchFamily="2" charset="-122"/>
-              <a:ea typeface="宋体" panose="02010600030101010101" pitchFamily="2" charset="-122"/>
-              <a:cs typeface="宋体" panose="02010600030101010101" pitchFamily="2" charset="-122"/>
-            </a:endParaRPr>
-          </a:p>
-          <a:p>
-            <a:r>
-              <a:rPr lang="zh-CN" altLang="en-US" sz="1600">
-                <a:latin typeface="宋体" panose="02010600030101010101" pitchFamily="2" charset="-122"/>
-                <a:ea typeface="宋体" panose="02010600030101010101" pitchFamily="2" charset="-122"/>
-                <a:cs typeface="宋体" panose="02010600030101010101" pitchFamily="2" charset="-122"/>
-              </a:rPr>
-              <a:t>poll() 　　获取并移除此队列的头，如果此队列为空，则返回 null</a:t>
-            </a:r>
-            <a:endParaRPr lang="zh-CN" altLang="en-US" sz="1600">
-              <a:latin typeface="宋体" panose="02010600030101010101" pitchFamily="2" charset="-122"/>
-              <a:ea typeface="宋体" panose="02010600030101010101" pitchFamily="2" charset="-122"/>
-              <a:cs typeface="宋体" panose="02010600030101010101" pitchFamily="2" charset="-122"/>
-            </a:endParaRPr>
-          </a:p>
-          <a:p>
-            <a:r>
-              <a:rPr lang="zh-CN" altLang="en-US" sz="1600">
-                <a:latin typeface="宋体" panose="02010600030101010101" pitchFamily="2" charset="-122"/>
-                <a:ea typeface="宋体" panose="02010600030101010101" pitchFamily="2" charset="-122"/>
-                <a:cs typeface="宋体" panose="02010600030101010101" pitchFamily="2" charset="-122"/>
-              </a:rPr>
-              <a:t>remove()　　获取并移除此队列的头，如果此队列为空，则抛出NoSuchElementException异常</a:t>
-            </a:r>
-            <a:endParaRPr lang="zh-CN" altLang="en-US" sz="1600">
-              <a:latin typeface="宋体" panose="02010600030101010101" pitchFamily="2" charset="-122"/>
-              <a:ea typeface="宋体" panose="02010600030101010101" pitchFamily="2" charset="-122"/>
-              <a:cs typeface="宋体" panose="02010600030101010101" pitchFamily="2" charset="-122"/>
-            </a:endParaRPr>
-          </a:p>
-          <a:p>
-            <a:endParaRPr lang="zh-CN" altLang="en-US" sz="1600">
-              <a:latin typeface="宋体" panose="02010600030101010101" pitchFamily="2" charset="-122"/>
-              <a:ea typeface="宋体" panose="02010600030101010101" pitchFamily="2" charset="-122"/>
-              <a:cs typeface="宋体" panose="02010600030101010101" pitchFamily="2" charset="-122"/>
-            </a:endParaRPr>
-          </a:p>
-          <a:p>
-            <a:r>
-              <a:rPr lang="zh-CN" altLang="en-US" sz="1600">
-                <a:latin typeface="宋体" panose="02010600030101010101" pitchFamily="2" charset="-122"/>
-                <a:ea typeface="宋体" panose="02010600030101010101" pitchFamily="2" charset="-122"/>
-                <a:cs typeface="宋体" panose="02010600030101010101" pitchFamily="2" charset="-122"/>
-              </a:rPr>
-              <a:t>2.获取但不移除</a:t>
-            </a:r>
-            <a:endParaRPr lang="zh-CN" altLang="en-US" sz="1600">
-              <a:latin typeface="宋体" panose="02010600030101010101" pitchFamily="2" charset="-122"/>
-              <a:ea typeface="宋体" panose="02010600030101010101" pitchFamily="2" charset="-122"/>
-              <a:cs typeface="宋体" panose="02010600030101010101" pitchFamily="2" charset="-122"/>
-            </a:endParaRPr>
-          </a:p>
-          <a:p>
-            <a:r>
-              <a:rPr lang="zh-CN" altLang="en-US" sz="1600">
-                <a:latin typeface="宋体" panose="02010600030101010101" pitchFamily="2" charset="-122"/>
-                <a:ea typeface="宋体" panose="02010600030101010101" pitchFamily="2" charset="-122"/>
-                <a:cs typeface="宋体" panose="02010600030101010101" pitchFamily="2" charset="-122"/>
-              </a:rPr>
-              <a:t>peek()　　获取队列的头但不移除此队列的头。如果此队列为空，则返回 null</a:t>
-            </a:r>
-            <a:endParaRPr lang="zh-CN" altLang="en-US" sz="1600">
-              <a:latin typeface="宋体" panose="02010600030101010101" pitchFamily="2" charset="-122"/>
-              <a:ea typeface="宋体" panose="02010600030101010101" pitchFamily="2" charset="-122"/>
-              <a:cs typeface="宋体" panose="02010600030101010101" pitchFamily="2" charset="-122"/>
-            </a:endParaRPr>
-          </a:p>
-          <a:p>
-            <a:r>
-              <a:rPr lang="zh-CN" altLang="en-US" sz="1600">
-                <a:latin typeface="宋体" panose="02010600030101010101" pitchFamily="2" charset="-122"/>
-                <a:ea typeface="宋体" panose="02010600030101010101" pitchFamily="2" charset="-122"/>
-                <a:cs typeface="宋体" panose="02010600030101010101" pitchFamily="2" charset="-122"/>
-              </a:rPr>
-              <a:t>element()　　获取队列的头但不移除此队列的头。如果此队列为空，则将抛出NoSuchElementException异常</a:t>
-            </a:r>
-            <a:endParaRPr lang="zh-CN" altLang="en-US" sz="1600">
-              <a:latin typeface="宋体" panose="02010600030101010101" pitchFamily="2" charset="-122"/>
-              <a:ea typeface="宋体" panose="02010600030101010101" pitchFamily="2" charset="-122"/>
-              <a:cs typeface="宋体" panose="02010600030101010101" pitchFamily="2" charset="-122"/>
-            </a:endParaRPr>
-          </a:p>
-          <a:p>
-            <a:r>
-              <a:rPr lang="zh-CN" altLang="en-US" sz="1600">
-                <a:latin typeface="宋体" panose="02010600030101010101" pitchFamily="2" charset="-122"/>
-                <a:ea typeface="宋体" panose="02010600030101010101" pitchFamily="2" charset="-122"/>
-                <a:cs typeface="宋体" panose="02010600030101010101" pitchFamily="2" charset="-122"/>
-              </a:rPr>
-              <a:t>添加元素的方法</a:t>
-            </a:r>
-            <a:endParaRPr lang="zh-CN" altLang="en-US" sz="1600">
-              <a:latin typeface="宋体" panose="02010600030101010101" pitchFamily="2" charset="-122"/>
-              <a:ea typeface="宋体" panose="02010600030101010101" pitchFamily="2" charset="-122"/>
-              <a:cs typeface="宋体" panose="02010600030101010101" pitchFamily="2" charset="-122"/>
-            </a:endParaRPr>
-          </a:p>
-          <a:p>
-            <a:endParaRPr lang="zh-CN" altLang="en-US" sz="1600">
-              <a:latin typeface="宋体" panose="02010600030101010101" pitchFamily="2" charset="-122"/>
-              <a:ea typeface="宋体" panose="02010600030101010101" pitchFamily="2" charset="-122"/>
-              <a:cs typeface="宋体" panose="02010600030101010101" pitchFamily="2" charset="-122"/>
-            </a:endParaRPr>
-          </a:p>
-          <a:p>
-            <a:r>
-              <a:rPr lang="zh-CN" altLang="en-US" sz="1600">
-                <a:latin typeface="宋体" panose="02010600030101010101" pitchFamily="2" charset="-122"/>
-                <a:ea typeface="宋体" panose="02010600030101010101" pitchFamily="2" charset="-122"/>
-                <a:cs typeface="宋体" panose="02010600030101010101" pitchFamily="2" charset="-122"/>
-              </a:rPr>
-              <a:t>offer()　　将指定的元素插入此队列（如果立即可行且不会违反容量限制），插入成功返回 true；否则返回 false。当使用有容量限制的队列时，offer方法通常要优于 add方法——add方法可能无法插入元素，而只是抛出一个  IllegalStateException异常</a:t>
-            </a:r>
-            <a:endParaRPr lang="zh-CN" altLang="en-US" sz="1600">
-              <a:latin typeface="宋体" panose="02010600030101010101" pitchFamily="2" charset="-122"/>
-              <a:ea typeface="宋体" panose="02010600030101010101" pitchFamily="2" charset="-122"/>
-              <a:cs typeface="宋体" panose="02010600030101010101" pitchFamily="2" charset="-122"/>
-            </a:endParaRPr>
-          </a:p>
-          <a:p>
-            <a:r>
-              <a:rPr lang="zh-CN" altLang="en-US" sz="1600">
-                <a:latin typeface="宋体" panose="02010600030101010101" pitchFamily="2" charset="-122"/>
-                <a:ea typeface="宋体" panose="02010600030101010101" pitchFamily="2" charset="-122"/>
-                <a:cs typeface="宋体" panose="02010600030101010101" pitchFamily="2" charset="-122"/>
-              </a:rPr>
-              <a:t>add()　　将指定的元素插入此队列</a:t>
-            </a:r>
-            <a:endParaRPr lang="zh-CN" altLang="en-US" sz="1600">
-              <a:latin typeface="宋体" panose="02010600030101010101" pitchFamily="2" charset="-122"/>
-              <a:ea typeface="宋体" panose="02010600030101010101" pitchFamily="2" charset="-122"/>
-              <a:cs typeface="宋体" panose="02010600030101010101" pitchFamily="2" charset="-122"/>
-            </a:endParaRPr>
-          </a:p>
-          <a:p>
-            <a:r>
-              <a:rPr lang="zh-CN" altLang="en-US" sz="1600">
-                <a:latin typeface="宋体" panose="02010600030101010101" pitchFamily="2" charset="-122"/>
-                <a:ea typeface="宋体" panose="02010600030101010101" pitchFamily="2" charset="-122"/>
-                <a:cs typeface="宋体" panose="02010600030101010101" pitchFamily="2" charset="-122"/>
-              </a:rPr>
-              <a:t> </a:t>
-            </a:r>
-            <a:endParaRPr lang="zh-CN" altLang="en-US" sz="1600">
-              <a:latin typeface="宋体" panose="02010600030101010101" pitchFamily="2" charset="-122"/>
-              <a:ea typeface="宋体" panose="02010600030101010101" pitchFamily="2" charset="-122"/>
-              <a:cs typeface="宋体" panose="02010600030101010101" pitchFamily="2" charset="-122"/>
-            </a:endParaRPr>
+              </a:rPr>
+              <a:t>BlockingQueue, Deque, BlobkingDequeue</a:t>
+            </a:r>
+            <a:endParaRPr lang="zh-CN" altLang="en-US" sz="1600" b="1">
+              <a:solidFill>
+                <a:srgbClr val="FF0000"/>
+              </a:solidFill>
+              <a:latin typeface="宋体" panose="02010600030101010101" pitchFamily="2" charset="-122"/>
+              <a:ea typeface="宋体" panose="02010600030101010101" pitchFamily="2" charset="-122"/>
+              <a:cs typeface="宋体" panose="02010600030101010101" pitchFamily="2" charset="-122"/>
+            </a:endParaRPr>
+          </a:p>
+        </p:txBody>
+      </p:sp>
+      <p:sp>
+        <p:nvSpPr>
+          <p:cNvPr id="6" name="文本框 5"/>
+          <p:cNvSpPr txBox="1"/>
+          <p:nvPr/>
+        </p:nvSpPr>
+        <p:spPr>
+          <a:xfrm>
+            <a:off x="321310" y="819150"/>
+            <a:ext cx="11569700" cy="583565"/>
+          </a:xfrm>
+          <a:prstGeom prst="rect">
+            <a:avLst/>
+          </a:prstGeom>
+          <a:noFill/>
+        </p:spPr>
+        <p:txBody>
+          <a:bodyPr wrap="square" rtlCol="0">
+            <a:spAutoFit/>
+          </a:bodyPr>
+          <a:p>
+            <a:pPr algn="ctr"/>
+            <a:r>
+              <a:rPr lang="en-US" altLang="zh-CN" sz="3200"/>
+              <a:t>Queue</a:t>
+            </a:r>
+            <a:endParaRPr lang="en-US" altLang="zh-CN" sz="3200"/>
           </a:p>
         </p:txBody>
       </p:sp>
@@ -23316,6 +23401,622 @@
 </file>
 
 <file path=ppt/slides/slide32.xml><?xml version="1.0" encoding="utf-8"?>
+<p:sld xmlns:a="http://schemas.openxmlformats.org/drawingml/2006/main" xmlns:r="http://schemas.openxmlformats.org/officeDocument/2006/relationships" xmlns:p="http://schemas.openxmlformats.org/presentationml/2006/main">
+  <p:cSld>
+    <p:bg>
+      <p:bgPr>
+        <a:blipFill rotWithShape="1">
+          <a:blip r:embed="rId1"/>
+          <a:stretch>
+            <a:fillRect/>
+          </a:stretch>
+        </a:blipFill>
+        <a:effectLst/>
+      </p:bgPr>
+    </p:bg>
+    <p:spTree>
+      <p:nvGrpSpPr>
+        <p:cNvPr id="1" name=""/>
+        <p:cNvGrpSpPr/>
+        <p:nvPr/>
+      </p:nvGrpSpPr>
+      <p:grpSpPr/>
+      <p:sp>
+        <p:nvSpPr>
+          <p:cNvPr id="2" name="文本框 1"/>
+          <p:cNvSpPr txBox="1"/>
+          <p:nvPr/>
+        </p:nvSpPr>
+        <p:spPr>
+          <a:xfrm>
+            <a:off x="132715" y="824865"/>
+            <a:ext cx="11888470" cy="5754370"/>
+          </a:xfrm>
+          <a:prstGeom prst="rect">
+            <a:avLst/>
+          </a:prstGeom>
+          <a:noFill/>
+        </p:spPr>
+        <p:txBody>
+          <a:bodyPr wrap="square" rtlCol="0">
+            <a:spAutoFit/>
+          </a:bodyPr>
+          <a:p>
+            <a:r>
+              <a:rPr lang="zh-CN" altLang="en-US" sz="1600" dirty="0">
+                <a:latin typeface="宋体" panose="02010600030101010101" pitchFamily="2" charset="-122"/>
+                <a:ea typeface="宋体" panose="02010600030101010101" pitchFamily="2" charset="-122"/>
+                <a:cs typeface="宋体" panose="02010600030101010101" pitchFamily="2" charset="-122"/>
+                <a:sym typeface="+mn-ea"/>
+              </a:rPr>
+              <a:t>队列（Queue）是常用的数据结构，可以将</a:t>
+            </a:r>
+            <a:r>
+              <a:rPr lang="zh-CN" altLang="en-US" sz="1600" dirty="0">
+                <a:solidFill>
+                  <a:srgbClr val="FF0000"/>
+                </a:solidFill>
+                <a:latin typeface="宋体" panose="02010600030101010101" pitchFamily="2" charset="-122"/>
+                <a:ea typeface="宋体" panose="02010600030101010101" pitchFamily="2" charset="-122"/>
+                <a:cs typeface="宋体" panose="02010600030101010101" pitchFamily="2" charset="-122"/>
+                <a:sym typeface="+mn-ea"/>
+              </a:rPr>
+              <a:t>队列看成特殊的线性表</a:t>
+            </a:r>
+            <a:r>
+              <a:rPr lang="zh-CN" altLang="en-US" sz="1600" dirty="0">
+                <a:latin typeface="宋体" panose="02010600030101010101" pitchFamily="2" charset="-122"/>
+                <a:ea typeface="宋体" panose="02010600030101010101" pitchFamily="2" charset="-122"/>
+                <a:cs typeface="宋体" panose="02010600030101010101" pitchFamily="2" charset="-122"/>
+                <a:sym typeface="+mn-ea"/>
+              </a:rPr>
+              <a:t>，队列限制了对线性表的访问方式：只能从线性表的一端添加（offer）元素，从另一端取出（poll）元素。</a:t>
+            </a:r>
+            <a:endParaRPr lang="zh-CN" altLang="en-US" sz="1600" dirty="0">
+              <a:latin typeface="宋体" panose="02010600030101010101" pitchFamily="2" charset="-122"/>
+              <a:ea typeface="宋体" panose="02010600030101010101" pitchFamily="2" charset="-122"/>
+              <a:cs typeface="宋体" panose="02010600030101010101" pitchFamily="2" charset="-122"/>
+            </a:endParaRPr>
+          </a:p>
+          <a:p>
+            <a:r>
+              <a:rPr lang="zh-CN" altLang="en-US" sz="1600" dirty="0">
+                <a:latin typeface="宋体" panose="02010600030101010101" pitchFamily="2" charset="-122"/>
+                <a:ea typeface="宋体" panose="02010600030101010101" pitchFamily="2" charset="-122"/>
+                <a:cs typeface="宋体" panose="02010600030101010101" pitchFamily="2" charset="-122"/>
+                <a:sym typeface="+mn-ea"/>
+              </a:rPr>
+              <a:t>队列遵循</a:t>
+            </a:r>
+            <a:r>
+              <a:rPr lang="zh-CN" altLang="en-US" sz="1600" dirty="0">
+                <a:solidFill>
+                  <a:srgbClr val="FF0000"/>
+                </a:solidFill>
+                <a:latin typeface="宋体" panose="02010600030101010101" pitchFamily="2" charset="-122"/>
+                <a:ea typeface="宋体" panose="02010600030101010101" pitchFamily="2" charset="-122"/>
+                <a:cs typeface="宋体" panose="02010600030101010101" pitchFamily="2" charset="-122"/>
+                <a:sym typeface="+mn-ea"/>
+              </a:rPr>
+              <a:t>先进先出</a:t>
+            </a:r>
+            <a:r>
+              <a:rPr lang="zh-CN" altLang="en-US" sz="1600" dirty="0">
+                <a:latin typeface="宋体" panose="02010600030101010101" pitchFamily="2" charset="-122"/>
+                <a:ea typeface="宋体" panose="02010600030101010101" pitchFamily="2" charset="-122"/>
+                <a:cs typeface="宋体" panose="02010600030101010101" pitchFamily="2" charset="-122"/>
+                <a:sym typeface="+mn-ea"/>
+              </a:rPr>
+              <a:t>（FIFO First Input First Output ）的原则。</a:t>
+            </a:r>
+            <a:endParaRPr lang="zh-CN" altLang="en-US" sz="1600" dirty="0">
+              <a:latin typeface="宋体" panose="02010600030101010101" pitchFamily="2" charset="-122"/>
+              <a:ea typeface="宋体" panose="02010600030101010101" pitchFamily="2" charset="-122"/>
+              <a:cs typeface="宋体" panose="02010600030101010101" pitchFamily="2" charset="-122"/>
+            </a:endParaRPr>
+          </a:p>
+          <a:p>
+            <a:r>
+              <a:rPr lang="zh-CN" altLang="en-US" sz="1600" dirty="0">
+                <a:latin typeface="宋体" panose="02010600030101010101" pitchFamily="2" charset="-122"/>
+                <a:ea typeface="宋体" panose="02010600030101010101" pitchFamily="2" charset="-122"/>
+                <a:cs typeface="宋体" panose="02010600030101010101" pitchFamily="2" charset="-122"/>
+                <a:sym typeface="+mn-ea"/>
+              </a:rPr>
+              <a:t>JDK中提供了Queue接口，同时使得LinkedList实现了该接口（选择LinkedList实现Queue的原因在于Queue经常要进行插入和删除的操作，而LinkedList在这方面效率较高）。</a:t>
+            </a:r>
+            <a:endParaRPr lang="zh-CN" altLang="en-US" sz="1600" dirty="0">
+              <a:latin typeface="宋体" panose="02010600030101010101" pitchFamily="2" charset="-122"/>
+              <a:ea typeface="宋体" panose="02010600030101010101" pitchFamily="2" charset="-122"/>
+              <a:cs typeface="宋体" panose="02010600030101010101" pitchFamily="2" charset="-122"/>
+            </a:endParaRPr>
+          </a:p>
+          <a:p>
+            <a:r>
+              <a:rPr lang="zh-CN" altLang="en-US" sz="1600" dirty="0">
+                <a:latin typeface="宋体" panose="02010600030101010101" pitchFamily="2" charset="-122"/>
+                <a:ea typeface="宋体" panose="02010600030101010101" pitchFamily="2" charset="-122"/>
+                <a:cs typeface="宋体" panose="02010600030101010101" pitchFamily="2" charset="-122"/>
+                <a:sym typeface="+mn-ea"/>
+              </a:rPr>
+              <a:t>Queue提供了操作队列的相关方法,其主要方法如下:</a:t>
+            </a:r>
+            <a:endParaRPr lang="zh-CN" altLang="en-US" sz="1600" dirty="0">
+              <a:latin typeface="宋体" panose="02010600030101010101" pitchFamily="2" charset="-122"/>
+              <a:ea typeface="宋体" panose="02010600030101010101" pitchFamily="2" charset="-122"/>
+              <a:cs typeface="宋体" panose="02010600030101010101" pitchFamily="2" charset="-122"/>
+            </a:endParaRPr>
+          </a:p>
+          <a:p>
+            <a:r>
+              <a:rPr lang="zh-CN" altLang="en-US" sz="1600" dirty="0">
+                <a:latin typeface="宋体" panose="02010600030101010101" pitchFamily="2" charset="-122"/>
+                <a:ea typeface="宋体" panose="02010600030101010101" pitchFamily="2" charset="-122"/>
+                <a:cs typeface="宋体" panose="02010600030101010101" pitchFamily="2" charset="-122"/>
+                <a:sym typeface="+mn-ea"/>
+              </a:rPr>
+              <a:t>boolean </a:t>
+            </a:r>
+            <a:r>
+              <a:rPr lang="zh-CN" altLang="en-US" sz="1600" dirty="0">
+                <a:solidFill>
+                  <a:srgbClr val="FF0000"/>
+                </a:solidFill>
+                <a:latin typeface="宋体" panose="02010600030101010101" pitchFamily="2" charset="-122"/>
+                <a:ea typeface="宋体" panose="02010600030101010101" pitchFamily="2" charset="-122"/>
+                <a:cs typeface="宋体" panose="02010600030101010101" pitchFamily="2" charset="-122"/>
+                <a:sym typeface="+mn-ea"/>
+              </a:rPr>
+              <a:t>offer(E e):</a:t>
+            </a:r>
+            <a:r>
+              <a:rPr lang="zh-CN" altLang="en-US" sz="1600" dirty="0">
+                <a:latin typeface="宋体" panose="02010600030101010101" pitchFamily="2" charset="-122"/>
+                <a:ea typeface="宋体" panose="02010600030101010101" pitchFamily="2" charset="-122"/>
+                <a:cs typeface="宋体" panose="02010600030101010101" pitchFamily="2" charset="-122"/>
+                <a:sym typeface="+mn-ea"/>
+              </a:rPr>
+              <a:t>将元素追加到队列末尾,若添加成功则返回true。</a:t>
+            </a:r>
+            <a:endParaRPr lang="zh-CN" altLang="en-US" sz="1600" dirty="0">
+              <a:latin typeface="宋体" panose="02010600030101010101" pitchFamily="2" charset="-122"/>
+              <a:ea typeface="宋体" panose="02010600030101010101" pitchFamily="2" charset="-122"/>
+              <a:cs typeface="宋体" panose="02010600030101010101" pitchFamily="2" charset="-122"/>
+            </a:endParaRPr>
+          </a:p>
+          <a:p>
+            <a:r>
+              <a:rPr lang="zh-CN" altLang="en-US" sz="1600" dirty="0">
+                <a:solidFill>
+                  <a:srgbClr val="FF0000"/>
+                </a:solidFill>
+                <a:latin typeface="宋体" panose="02010600030101010101" pitchFamily="2" charset="-122"/>
+                <a:ea typeface="宋体" panose="02010600030101010101" pitchFamily="2" charset="-122"/>
+                <a:cs typeface="宋体" panose="02010600030101010101" pitchFamily="2" charset="-122"/>
+                <a:sym typeface="+mn-ea"/>
+              </a:rPr>
+              <a:t>E poll():</a:t>
+            </a:r>
+            <a:r>
+              <a:rPr lang="zh-CN" altLang="en-US" sz="1600" dirty="0">
+                <a:latin typeface="宋体" panose="02010600030101010101" pitchFamily="2" charset="-122"/>
+                <a:ea typeface="宋体" panose="02010600030101010101" pitchFamily="2" charset="-122"/>
+                <a:cs typeface="宋体" panose="02010600030101010101" pitchFamily="2" charset="-122"/>
+                <a:sym typeface="+mn-ea"/>
+              </a:rPr>
+              <a:t>从队首删除并返回该元素。</a:t>
+            </a:r>
+            <a:endParaRPr lang="zh-CN" altLang="en-US" sz="1600" dirty="0">
+              <a:latin typeface="宋体" panose="02010600030101010101" pitchFamily="2" charset="-122"/>
+              <a:ea typeface="宋体" panose="02010600030101010101" pitchFamily="2" charset="-122"/>
+              <a:cs typeface="宋体" panose="02010600030101010101" pitchFamily="2" charset="-122"/>
+            </a:endParaRPr>
+          </a:p>
+          <a:p>
+            <a:r>
+              <a:rPr lang="zh-CN" altLang="en-US" sz="1600" dirty="0">
+                <a:solidFill>
+                  <a:srgbClr val="FF0000"/>
+                </a:solidFill>
+                <a:latin typeface="宋体" panose="02010600030101010101" pitchFamily="2" charset="-122"/>
+                <a:ea typeface="宋体" panose="02010600030101010101" pitchFamily="2" charset="-122"/>
+                <a:cs typeface="宋体" panose="02010600030101010101" pitchFamily="2" charset="-122"/>
+                <a:sym typeface="+mn-ea"/>
+              </a:rPr>
+              <a:t>E peek():</a:t>
+            </a:r>
+            <a:r>
+              <a:rPr lang="zh-CN" altLang="en-US" sz="1600" dirty="0">
+                <a:latin typeface="宋体" panose="02010600030101010101" pitchFamily="2" charset="-122"/>
+                <a:ea typeface="宋体" panose="02010600030101010101" pitchFamily="2" charset="-122"/>
+                <a:cs typeface="宋体" panose="02010600030101010101" pitchFamily="2" charset="-122"/>
+                <a:sym typeface="+mn-ea"/>
+              </a:rPr>
+              <a:t>返回队首元素，但是不删除。</a:t>
+            </a:r>
+            <a:endParaRPr lang="zh-CN" altLang="en-US" sz="1600" dirty="0">
+              <a:latin typeface="宋体" panose="02010600030101010101" pitchFamily="2" charset="-122"/>
+              <a:ea typeface="宋体" panose="02010600030101010101" pitchFamily="2" charset="-122"/>
+              <a:cs typeface="宋体" panose="02010600030101010101" pitchFamily="2" charset="-122"/>
+              <a:sym typeface="+mn-ea"/>
+            </a:endParaRPr>
+          </a:p>
+          <a:p>
+            <a:endParaRPr lang="en-US" altLang="zh-CN" sz="1600">
+              <a:latin typeface="宋体" panose="02010600030101010101" pitchFamily="2" charset="-122"/>
+              <a:ea typeface="宋体" panose="02010600030101010101" pitchFamily="2" charset="-122"/>
+              <a:cs typeface="宋体" panose="02010600030101010101" pitchFamily="2" charset="-122"/>
+            </a:endParaRPr>
+          </a:p>
+          <a:p>
+            <a:r>
+              <a:rPr lang="en-US" altLang="zh-CN" sz="1600">
+                <a:latin typeface="宋体" panose="02010600030101010101" pitchFamily="2" charset="-122"/>
+                <a:ea typeface="宋体" panose="02010600030101010101" pitchFamily="2" charset="-122"/>
+                <a:cs typeface="宋体" panose="02010600030101010101" pitchFamily="2" charset="-122"/>
+              </a:rPr>
+              <a:t>Queue </a:t>
+            </a:r>
+            <a:r>
+              <a:rPr lang="zh-CN" altLang="en-US" sz="1600">
+                <a:latin typeface="宋体" panose="02010600030101010101" pitchFamily="2" charset="-122"/>
+                <a:ea typeface="宋体" panose="02010600030101010101" pitchFamily="2" charset="-122"/>
+                <a:cs typeface="宋体" panose="02010600030101010101" pitchFamily="2" charset="-122"/>
+              </a:rPr>
+              <a:t>常用方法</a:t>
+            </a:r>
+            <a:endParaRPr lang="zh-CN" altLang="en-US" sz="1600">
+              <a:latin typeface="宋体" panose="02010600030101010101" pitchFamily="2" charset="-122"/>
+              <a:ea typeface="宋体" panose="02010600030101010101" pitchFamily="2" charset="-122"/>
+              <a:cs typeface="宋体" panose="02010600030101010101" pitchFamily="2" charset="-122"/>
+            </a:endParaRPr>
+          </a:p>
+          <a:p>
+            <a:r>
+              <a:rPr lang="zh-CN" altLang="en-US" sz="1600">
+                <a:latin typeface="宋体" panose="02010600030101010101" pitchFamily="2" charset="-122"/>
+                <a:ea typeface="宋体" panose="02010600030101010101" pitchFamily="2" charset="-122"/>
+                <a:cs typeface="宋体" panose="02010600030101010101" pitchFamily="2" charset="-122"/>
+              </a:rPr>
+              <a:t>1.获取并移除</a:t>
+            </a:r>
+            <a:endParaRPr lang="zh-CN" altLang="en-US" sz="1600">
+              <a:latin typeface="宋体" panose="02010600030101010101" pitchFamily="2" charset="-122"/>
+              <a:ea typeface="宋体" panose="02010600030101010101" pitchFamily="2" charset="-122"/>
+              <a:cs typeface="宋体" panose="02010600030101010101" pitchFamily="2" charset="-122"/>
+            </a:endParaRPr>
+          </a:p>
+          <a:p>
+            <a:r>
+              <a:rPr lang="zh-CN" altLang="en-US" sz="1600">
+                <a:latin typeface="宋体" panose="02010600030101010101" pitchFamily="2" charset="-122"/>
+                <a:ea typeface="宋体" panose="02010600030101010101" pitchFamily="2" charset="-122"/>
+                <a:cs typeface="宋体" panose="02010600030101010101" pitchFamily="2" charset="-122"/>
+              </a:rPr>
+              <a:t>poll() 　　获取并移除此队列的头，如果此队列为空，则返回 null</a:t>
+            </a:r>
+            <a:endParaRPr lang="zh-CN" altLang="en-US" sz="1600">
+              <a:latin typeface="宋体" panose="02010600030101010101" pitchFamily="2" charset="-122"/>
+              <a:ea typeface="宋体" panose="02010600030101010101" pitchFamily="2" charset="-122"/>
+              <a:cs typeface="宋体" panose="02010600030101010101" pitchFamily="2" charset="-122"/>
+            </a:endParaRPr>
+          </a:p>
+          <a:p>
+            <a:r>
+              <a:rPr lang="zh-CN" altLang="en-US" sz="1600">
+                <a:latin typeface="宋体" panose="02010600030101010101" pitchFamily="2" charset="-122"/>
+                <a:ea typeface="宋体" panose="02010600030101010101" pitchFamily="2" charset="-122"/>
+                <a:cs typeface="宋体" panose="02010600030101010101" pitchFamily="2" charset="-122"/>
+              </a:rPr>
+              <a:t>remove()　　获取并移除此队列的头，如果此队列为空，则抛出NoSuchElementException异常</a:t>
+            </a:r>
+            <a:endParaRPr lang="zh-CN" altLang="en-US" sz="1600">
+              <a:latin typeface="宋体" panose="02010600030101010101" pitchFamily="2" charset="-122"/>
+              <a:ea typeface="宋体" panose="02010600030101010101" pitchFamily="2" charset="-122"/>
+              <a:cs typeface="宋体" panose="02010600030101010101" pitchFamily="2" charset="-122"/>
+            </a:endParaRPr>
+          </a:p>
+          <a:p>
+            <a:endParaRPr lang="zh-CN" altLang="en-US" sz="1600">
+              <a:latin typeface="宋体" panose="02010600030101010101" pitchFamily="2" charset="-122"/>
+              <a:ea typeface="宋体" panose="02010600030101010101" pitchFamily="2" charset="-122"/>
+              <a:cs typeface="宋体" panose="02010600030101010101" pitchFamily="2" charset="-122"/>
+            </a:endParaRPr>
+          </a:p>
+          <a:p>
+            <a:r>
+              <a:rPr lang="zh-CN" altLang="en-US" sz="1600">
+                <a:latin typeface="宋体" panose="02010600030101010101" pitchFamily="2" charset="-122"/>
+                <a:ea typeface="宋体" panose="02010600030101010101" pitchFamily="2" charset="-122"/>
+                <a:cs typeface="宋体" panose="02010600030101010101" pitchFamily="2" charset="-122"/>
+              </a:rPr>
+              <a:t>2.获取但不移除</a:t>
+            </a:r>
+            <a:endParaRPr lang="zh-CN" altLang="en-US" sz="1600">
+              <a:latin typeface="宋体" panose="02010600030101010101" pitchFamily="2" charset="-122"/>
+              <a:ea typeface="宋体" panose="02010600030101010101" pitchFamily="2" charset="-122"/>
+              <a:cs typeface="宋体" panose="02010600030101010101" pitchFamily="2" charset="-122"/>
+            </a:endParaRPr>
+          </a:p>
+          <a:p>
+            <a:r>
+              <a:rPr lang="zh-CN" altLang="en-US" sz="1600">
+                <a:latin typeface="宋体" panose="02010600030101010101" pitchFamily="2" charset="-122"/>
+                <a:ea typeface="宋体" panose="02010600030101010101" pitchFamily="2" charset="-122"/>
+                <a:cs typeface="宋体" panose="02010600030101010101" pitchFamily="2" charset="-122"/>
+              </a:rPr>
+              <a:t>peek()　　获取队列的头但不移除此队列的头。如果此队列为空，则返回 null</a:t>
+            </a:r>
+            <a:endParaRPr lang="zh-CN" altLang="en-US" sz="1600">
+              <a:latin typeface="宋体" panose="02010600030101010101" pitchFamily="2" charset="-122"/>
+              <a:ea typeface="宋体" panose="02010600030101010101" pitchFamily="2" charset="-122"/>
+              <a:cs typeface="宋体" panose="02010600030101010101" pitchFamily="2" charset="-122"/>
+            </a:endParaRPr>
+          </a:p>
+          <a:p>
+            <a:r>
+              <a:rPr lang="zh-CN" altLang="en-US" sz="1600">
+                <a:latin typeface="宋体" panose="02010600030101010101" pitchFamily="2" charset="-122"/>
+                <a:ea typeface="宋体" panose="02010600030101010101" pitchFamily="2" charset="-122"/>
+                <a:cs typeface="宋体" panose="02010600030101010101" pitchFamily="2" charset="-122"/>
+              </a:rPr>
+              <a:t>element()　　获取队列的头但不移除此队列的头。如果此队列为空，则将抛出NoSuchElementException异常</a:t>
+            </a:r>
+            <a:endParaRPr lang="zh-CN" altLang="en-US" sz="1600">
+              <a:latin typeface="宋体" panose="02010600030101010101" pitchFamily="2" charset="-122"/>
+              <a:ea typeface="宋体" panose="02010600030101010101" pitchFamily="2" charset="-122"/>
+              <a:cs typeface="宋体" panose="02010600030101010101" pitchFamily="2" charset="-122"/>
+            </a:endParaRPr>
+          </a:p>
+          <a:p>
+            <a:r>
+              <a:rPr lang="zh-CN" altLang="en-US" sz="1600">
+                <a:latin typeface="宋体" panose="02010600030101010101" pitchFamily="2" charset="-122"/>
+                <a:ea typeface="宋体" panose="02010600030101010101" pitchFamily="2" charset="-122"/>
+                <a:cs typeface="宋体" panose="02010600030101010101" pitchFamily="2" charset="-122"/>
+              </a:rPr>
+              <a:t>添加元素的方法</a:t>
+            </a:r>
+            <a:endParaRPr lang="zh-CN" altLang="en-US" sz="1600">
+              <a:latin typeface="宋体" panose="02010600030101010101" pitchFamily="2" charset="-122"/>
+              <a:ea typeface="宋体" panose="02010600030101010101" pitchFamily="2" charset="-122"/>
+              <a:cs typeface="宋体" panose="02010600030101010101" pitchFamily="2" charset="-122"/>
+            </a:endParaRPr>
+          </a:p>
+          <a:p>
+            <a:endParaRPr lang="zh-CN" altLang="en-US" sz="1600">
+              <a:latin typeface="宋体" panose="02010600030101010101" pitchFamily="2" charset="-122"/>
+              <a:ea typeface="宋体" panose="02010600030101010101" pitchFamily="2" charset="-122"/>
+              <a:cs typeface="宋体" panose="02010600030101010101" pitchFamily="2" charset="-122"/>
+            </a:endParaRPr>
+          </a:p>
+          <a:p>
+            <a:r>
+              <a:rPr lang="zh-CN" altLang="en-US" sz="1600">
+                <a:latin typeface="宋体" panose="02010600030101010101" pitchFamily="2" charset="-122"/>
+                <a:ea typeface="宋体" panose="02010600030101010101" pitchFamily="2" charset="-122"/>
+                <a:cs typeface="宋体" panose="02010600030101010101" pitchFamily="2" charset="-122"/>
+              </a:rPr>
+              <a:t>offer()　　将指定的元素插入此队列（如果立即可行且不会违反容量限制），插入成功返回 true；否则返回 false。当使用有容量限制的队列时，offer方法通常要优于 add方法——add方法可能无法插入元素，而只是抛出一个  IllegalStateException异常</a:t>
+            </a:r>
+            <a:endParaRPr lang="zh-CN" altLang="en-US" sz="1600">
+              <a:latin typeface="宋体" panose="02010600030101010101" pitchFamily="2" charset="-122"/>
+              <a:ea typeface="宋体" panose="02010600030101010101" pitchFamily="2" charset="-122"/>
+              <a:cs typeface="宋体" panose="02010600030101010101" pitchFamily="2" charset="-122"/>
+            </a:endParaRPr>
+          </a:p>
+          <a:p>
+            <a:r>
+              <a:rPr lang="zh-CN" altLang="en-US" sz="1600">
+                <a:latin typeface="宋体" panose="02010600030101010101" pitchFamily="2" charset="-122"/>
+                <a:ea typeface="宋体" panose="02010600030101010101" pitchFamily="2" charset="-122"/>
+                <a:cs typeface="宋体" panose="02010600030101010101" pitchFamily="2" charset="-122"/>
+              </a:rPr>
+              <a:t>add()　　将指定的元素插入此队列</a:t>
+            </a:r>
+            <a:endParaRPr lang="zh-CN" altLang="en-US" sz="1600">
+              <a:latin typeface="宋体" panose="02010600030101010101" pitchFamily="2" charset="-122"/>
+              <a:ea typeface="宋体" panose="02010600030101010101" pitchFamily="2" charset="-122"/>
+              <a:cs typeface="宋体" panose="02010600030101010101" pitchFamily="2" charset="-122"/>
+            </a:endParaRPr>
+          </a:p>
+        </p:txBody>
+      </p:sp>
+    </p:spTree>
+    <p:custDataLst>
+      <p:tags r:id="rId2"/>
+    </p:custDataLst>
+  </p:cSld>
+  <p:clrMapOvr>
+    <a:masterClrMapping/>
+  </p:clrMapOvr>
+</p:sld>
+</file>
+
+<file path=ppt/slides/slide33.xml><?xml version="1.0" encoding="utf-8"?>
+<p:sld xmlns:a="http://schemas.openxmlformats.org/drawingml/2006/main" xmlns:r="http://schemas.openxmlformats.org/officeDocument/2006/relationships" xmlns:p="http://schemas.openxmlformats.org/presentationml/2006/main">
+  <p:cSld>
+    <p:bg>
+      <p:bgPr>
+        <a:blipFill rotWithShape="1">
+          <a:blip r:embed="rId1"/>
+          <a:stretch>
+            <a:fillRect/>
+          </a:stretch>
+        </a:blipFill>
+        <a:effectLst/>
+      </p:bgPr>
+    </p:bg>
+    <p:spTree>
+      <p:nvGrpSpPr>
+        <p:cNvPr id="1" name=""/>
+        <p:cNvGrpSpPr/>
+        <p:nvPr/>
+      </p:nvGrpSpPr>
+      <p:grpSpPr/>
+      <p:sp>
+        <p:nvSpPr>
+          <p:cNvPr id="2" name="文本框 1"/>
+          <p:cNvSpPr txBox="1"/>
+          <p:nvPr/>
+        </p:nvSpPr>
+        <p:spPr>
+          <a:xfrm>
+            <a:off x="212090" y="845185"/>
+            <a:ext cx="11767185" cy="2584450"/>
+          </a:xfrm>
+          <a:prstGeom prst="rect">
+            <a:avLst/>
+          </a:prstGeom>
+          <a:noFill/>
+        </p:spPr>
+        <p:txBody>
+          <a:bodyPr wrap="square" rtlCol="0">
+            <a:spAutoFit/>
+          </a:bodyPr>
+          <a:p>
+            <a:r>
+              <a:rPr lang="zh-CN" altLang="en-US" b="1">
+                <a:solidFill>
+                  <a:srgbClr val="FF0000"/>
+                </a:solidFill>
+                <a:effectLst/>
+                <a:latin typeface="宋体" panose="02010600030101010101" pitchFamily="2" charset="-122"/>
+                <a:ea typeface="宋体" panose="02010600030101010101" pitchFamily="2" charset="-122"/>
+                <a:cs typeface="宋体" panose="02010600030101010101" pitchFamily="2" charset="-122"/>
+              </a:rPr>
+              <a:t>java Deque（双向队列）与Queue（单向队列）</a:t>
+            </a:r>
+            <a:endParaRPr lang="zh-CN" altLang="en-US" b="1">
+              <a:solidFill>
+                <a:srgbClr val="FF0000"/>
+              </a:solidFill>
+              <a:effectLst/>
+              <a:latin typeface="宋体" panose="02010600030101010101" pitchFamily="2" charset="-122"/>
+              <a:ea typeface="宋体" panose="02010600030101010101" pitchFamily="2" charset="-122"/>
+              <a:cs typeface="宋体" panose="02010600030101010101" pitchFamily="2" charset="-122"/>
+            </a:endParaRPr>
+          </a:p>
+          <a:p>
+            <a:endParaRPr lang="zh-CN" altLang="en-US" sz="1600">
+              <a:latin typeface="宋体" panose="02010600030101010101" pitchFamily="2" charset="-122"/>
+              <a:ea typeface="宋体" panose="02010600030101010101" pitchFamily="2" charset="-122"/>
+              <a:cs typeface="宋体" panose="02010600030101010101" pitchFamily="2" charset="-122"/>
+            </a:endParaRPr>
+          </a:p>
+          <a:p>
+            <a:r>
+              <a:rPr lang="zh-CN" altLang="en-US" sz="1600">
+                <a:latin typeface="宋体" panose="02010600030101010101" pitchFamily="2" charset="-122"/>
+                <a:ea typeface="宋体" panose="02010600030101010101" pitchFamily="2" charset="-122"/>
+                <a:cs typeface="宋体" panose="02010600030101010101" pitchFamily="2" charset="-122"/>
+              </a:rPr>
+              <a:t>Deque继承Queue</a:t>
+            </a:r>
+            <a:r>
+              <a:rPr lang="en-US" altLang="zh-CN" sz="1600">
+                <a:latin typeface="宋体" panose="02010600030101010101" pitchFamily="2" charset="-122"/>
+                <a:ea typeface="宋体" panose="02010600030101010101" pitchFamily="2" charset="-122"/>
+                <a:cs typeface="宋体" panose="02010600030101010101" pitchFamily="2" charset="-122"/>
+              </a:rPr>
+              <a:t>	</a:t>
+            </a:r>
+            <a:r>
+              <a:rPr lang="zh-CN" altLang="en-US" sz="1600">
+                <a:latin typeface="宋体" panose="02010600030101010101" pitchFamily="2" charset="-122"/>
+                <a:ea typeface="宋体" panose="02010600030101010101" pitchFamily="2" charset="-122"/>
+                <a:cs typeface="宋体" panose="02010600030101010101" pitchFamily="2" charset="-122"/>
+              </a:rPr>
+              <a:t>public interface Deque&lt;E&gt; extends Queue&lt;E&gt;</a:t>
+            </a:r>
+            <a:endParaRPr lang="zh-CN" altLang="en-US" sz="1600">
+              <a:latin typeface="宋体" panose="02010600030101010101" pitchFamily="2" charset="-122"/>
+              <a:ea typeface="宋体" panose="02010600030101010101" pitchFamily="2" charset="-122"/>
+              <a:cs typeface="宋体" panose="02010600030101010101" pitchFamily="2" charset="-122"/>
+            </a:endParaRPr>
+          </a:p>
+          <a:p>
+            <a:endParaRPr lang="zh-CN" altLang="en-US" sz="1600">
+              <a:latin typeface="宋体" panose="02010600030101010101" pitchFamily="2" charset="-122"/>
+              <a:ea typeface="宋体" panose="02010600030101010101" pitchFamily="2" charset="-122"/>
+              <a:cs typeface="宋体" panose="02010600030101010101" pitchFamily="2" charset="-122"/>
+            </a:endParaRPr>
+          </a:p>
+          <a:p>
+            <a:r>
+              <a:rPr lang="zh-CN" altLang="en-US" sz="1600">
+                <a:latin typeface="宋体" panose="02010600030101010101" pitchFamily="2" charset="-122"/>
+                <a:ea typeface="宋体" panose="02010600030101010101" pitchFamily="2" charset="-122"/>
+                <a:cs typeface="宋体" panose="02010600030101010101" pitchFamily="2" charset="-122"/>
+                <a:sym typeface="+mn-ea"/>
+              </a:rPr>
+              <a:t>Queue</a:t>
+            </a:r>
+            <a:r>
+              <a:rPr lang="zh-CN" altLang="en-US" sz="1600">
+                <a:latin typeface="宋体" panose="02010600030101010101" pitchFamily="2" charset="-122"/>
+                <a:ea typeface="宋体" panose="02010600030101010101" pitchFamily="2" charset="-122"/>
+                <a:cs typeface="宋体" panose="02010600030101010101" pitchFamily="2" charset="-122"/>
+              </a:rPr>
+              <a:t>是集合框架Collection的子接口，是一种常见的数据结构，遵循先进先出的原则。基于链表来进行实现，的单向队列。LinkedList接口，实现了Queue，所以LinkedList，在插入和删除操作，效率会比较高。 </a:t>
+            </a:r>
+            <a:endParaRPr lang="zh-CN" altLang="en-US" sz="1600">
+              <a:latin typeface="宋体" panose="02010600030101010101" pitchFamily="2" charset="-122"/>
+              <a:ea typeface="宋体" panose="02010600030101010101" pitchFamily="2" charset="-122"/>
+              <a:cs typeface="宋体" panose="02010600030101010101" pitchFamily="2" charset="-122"/>
+            </a:endParaRPr>
+          </a:p>
+          <a:p>
+            <a:endParaRPr lang="zh-CN" altLang="en-US" sz="1600">
+              <a:latin typeface="宋体" panose="02010600030101010101" pitchFamily="2" charset="-122"/>
+              <a:ea typeface="宋体" panose="02010600030101010101" pitchFamily="2" charset="-122"/>
+              <a:cs typeface="宋体" panose="02010600030101010101" pitchFamily="2" charset="-122"/>
+            </a:endParaRPr>
+          </a:p>
+          <a:p>
+            <a:r>
+              <a:rPr lang="zh-CN" altLang="en-US" sz="1600">
+                <a:latin typeface="宋体" panose="02010600030101010101" pitchFamily="2" charset="-122"/>
+                <a:ea typeface="宋体" panose="02010600030101010101" pitchFamily="2" charset="-122"/>
+                <a:cs typeface="宋体" panose="02010600030101010101" pitchFamily="2" charset="-122"/>
+              </a:rPr>
+              <a:t>Deque接口，是Queue接口的子接口，是指队列两端的元素，既能入队（offer）也能出队。</a:t>
+            </a:r>
+            <a:endParaRPr lang="zh-CN" altLang="en-US" sz="1600">
+              <a:latin typeface="宋体" panose="02010600030101010101" pitchFamily="2" charset="-122"/>
+              <a:ea typeface="宋体" panose="02010600030101010101" pitchFamily="2" charset="-122"/>
+              <a:cs typeface="宋体" panose="02010600030101010101" pitchFamily="2" charset="-122"/>
+            </a:endParaRPr>
+          </a:p>
+          <a:p>
+            <a:r>
+              <a:rPr lang="zh-CN" altLang="en-US" sz="1600">
+                <a:latin typeface="宋体" panose="02010600030101010101" pitchFamily="2" charset="-122"/>
+                <a:ea typeface="宋体" panose="02010600030101010101" pitchFamily="2" charset="-122"/>
+                <a:cs typeface="宋体" panose="02010600030101010101" pitchFamily="2" charset="-122"/>
+              </a:rPr>
+              <a:t>如果将Deque限制为只能从一端进行入队，和出队，就是栈的数据结构的实现。对于栈而言，有入栈（push）和出栈（pop），遵循先进后出的规则。</a:t>
+            </a:r>
+            <a:endParaRPr lang="zh-CN" altLang="en-US" sz="1600">
+              <a:latin typeface="宋体" panose="02010600030101010101" pitchFamily="2" charset="-122"/>
+              <a:ea typeface="宋体" panose="02010600030101010101" pitchFamily="2" charset="-122"/>
+              <a:cs typeface="宋体" panose="02010600030101010101" pitchFamily="2" charset="-122"/>
+            </a:endParaRPr>
+          </a:p>
+        </p:txBody>
+      </p:sp>
+    </p:spTree>
+    <p:custDataLst>
+      <p:tags r:id="rId2"/>
+    </p:custDataLst>
+  </p:cSld>
+  <p:clrMapOvr>
+    <a:masterClrMapping/>
+  </p:clrMapOvr>
+</p:sld>
+</file>
+
+<file path=ppt/slides/slide34.xml><?xml version="1.0" encoding="utf-8"?>
 <p:sld xmlns:a="http://schemas.openxmlformats.org/drawingml/2006/main" xmlns:r="http://schemas.openxmlformats.org/officeDocument/2006/relationships" xmlns:p="http://schemas.openxmlformats.org/presentationml/2006/main">
   <p:cSld>
     <p:bg>
@@ -24756,6 +25457,24 @@
   <p:tag name="KSO_WM_UNIT_LAYERLEVEL" val="1"/>
   <p:tag name="KSO_WM_TAG_VERSION" val="1.0"/>
   <p:tag name="KSO_WM_BEAUTIFY_FLAG" val="#wm#"/>
+</p:tagLst>
+</file>
+
+<file path=ppt/tags/tag110.xml><?xml version="1.0" encoding="utf-8"?>
+<p:tagLst xmlns:p="http://schemas.openxmlformats.org/presentationml/2006/main">
+  <p:tag name="KSO_WM_BEAUTIFY_FLAG" val="#wm#"/>
+  <p:tag name="KSO_WM_TEMPLATE_CATEGORY" val="custom"/>
+  <p:tag name="KSO_WM_TEMPLATE_INDEX" val="20203858"/>
+  <p:tag name="KSO_WM_SPECIAL_SOURCE" val="bdnull"/>
+</p:tagLst>
+</file>
+
+<file path=ppt/tags/tag111.xml><?xml version="1.0" encoding="utf-8"?>
+<p:tagLst xmlns:p="http://schemas.openxmlformats.org/presentationml/2006/main">
+  <p:tag name="KSO_WM_BEAUTIFY_FLAG" val="#wm#"/>
+  <p:tag name="KSO_WM_TEMPLATE_CATEGORY" val="custom"/>
+  <p:tag name="KSO_WM_TEMPLATE_INDEX" val="20203858"/>
+  <p:tag name="KSO_WM_SPECIAL_SOURCE" val="bdnull"/>
 </p:tagLst>
 </file>
 

--- a/基础PPT/第7章：Java集合操作.pptx
+++ b/基础PPT/第7章：Java集合操作.pptx
@@ -17824,14 +17824,20 @@
           </a:p>
           <a:p>
             <a:r>
-              <a:rPr lang="zh-CN" altLang="en-US" sz="1600">
+              <a:rPr lang="zh-CN" altLang="en-US" sz="1600" b="1">
+                <a:solidFill>
+                  <a:srgbClr val="FF0000"/>
+                </a:solidFill>
                 <a:latin typeface="宋体" panose="02010600030101010101" pitchFamily="2" charset="-122"/>
                 <a:ea typeface="宋体" panose="02010600030101010101" pitchFamily="2" charset="-122"/>
                 <a:cs typeface="宋体" panose="02010600030101010101" pitchFamily="2" charset="-122"/>
               </a:rPr>
               <a:t>HashSet有以下特点</a:t>
             </a:r>
-            <a:endParaRPr lang="zh-CN" altLang="en-US" sz="1600">
+            <a:endParaRPr lang="zh-CN" altLang="en-US" sz="1600" b="1">
+              <a:solidFill>
+                <a:srgbClr val="FF0000"/>
+              </a:solidFill>
               <a:latin typeface="宋体" panose="02010600030101010101" pitchFamily="2" charset="-122"/>
               <a:ea typeface="宋体" panose="02010600030101010101" pitchFamily="2" charset="-122"/>
               <a:cs typeface="宋体" panose="02010600030101010101" pitchFamily="2" charset="-122"/>
@@ -18565,7 +18571,7 @@
         <p:spPr>
           <a:xfrm>
             <a:off x="166370" y="846455"/>
-            <a:ext cx="11711940" cy="4523105"/>
+            <a:ext cx="11711940" cy="4769485"/>
           </a:xfrm>
           <a:prstGeom prst="rect">
             <a:avLst/>
@@ -18605,7 +18611,7 @@
                 <a:ea typeface="宋体" panose="02010600030101010101" pitchFamily="2" charset="-122"/>
                 <a:cs typeface="宋体" panose="02010600030101010101" pitchFamily="2" charset="-122"/>
               </a:rPr>
-              <a:t>因为如果我们在重写equals方法的同时，不对hashcode方法进行重写的话，默认地还是会使用Object类自带的hashcode方法，这样就会出现在某些情况下，明明两个对象的equals方法判断相等了，但是它们的hashcode居然不一样，这是不符合规范的。对于hashcode，Java中有如下规定：</a:t>
+              <a:t>hashCode：是一个native方法，返回的是对象的内存地址</a:t>
             </a:r>
             <a:endParaRPr lang="zh-CN" altLang="en-US" sz="1600">
               <a:latin typeface="宋体" panose="02010600030101010101" pitchFamily="2" charset="-122"/>
@@ -18614,6 +18620,14 @@
             </a:endParaRPr>
           </a:p>
           <a:p>
+            <a:r>
+              <a:rPr lang="zh-CN" altLang="en-US" sz="1600">
+                <a:latin typeface="宋体" panose="02010600030101010101" pitchFamily="2" charset="-122"/>
+                <a:ea typeface="宋体" panose="02010600030101010101" pitchFamily="2" charset="-122"/>
+                <a:cs typeface="宋体" panose="02010600030101010101" pitchFamily="2" charset="-122"/>
+              </a:rPr>
+              <a:t>equals：对于基本数据类型，==比较的是两个变量的值。对于引用对象，==比较的是两个对象的地址</a:t>
+            </a:r>
             <a:endParaRPr lang="zh-CN" altLang="en-US" sz="1600">
               <a:latin typeface="宋体" panose="02010600030101010101" pitchFamily="2" charset="-122"/>
               <a:ea typeface="宋体" panose="02010600030101010101" pitchFamily="2" charset="-122"/>
@@ -18621,8 +18635,67 @@
             </a:endParaRPr>
           </a:p>
           <a:p>
+            <a:endParaRPr lang="zh-CN" altLang="en-US" sz="1600">
+              <a:latin typeface="宋体" panose="02010600030101010101" pitchFamily="2" charset="-122"/>
+              <a:ea typeface="宋体" panose="02010600030101010101" pitchFamily="2" charset="-122"/>
+              <a:cs typeface="宋体" panose="02010600030101010101" pitchFamily="2" charset="-122"/>
+            </a:endParaRPr>
+          </a:p>
+          <a:p>
             <a:r>
               <a:rPr lang="zh-CN" altLang="en-US" sz="1600">
+                <a:latin typeface="宋体" panose="02010600030101010101" pitchFamily="2" charset="-122"/>
+                <a:ea typeface="宋体" panose="02010600030101010101" pitchFamily="2" charset="-122"/>
+                <a:cs typeface="宋体" panose="02010600030101010101" pitchFamily="2" charset="-122"/>
+              </a:rPr>
+              <a:t>因为如果我们在重写equals方法的同时，不对hashcode方法进行重写的话，默认地还是会使用Object类自带的hashcode方法，这样就会出现在某些情况下，明明两个对象的equals方法判断相等了，但是它们的hashcode居然不一样，这是不符合规范的。</a:t>
+            </a:r>
+            <a:endParaRPr lang="zh-CN" altLang="en-US" sz="1600">
+              <a:latin typeface="宋体" panose="02010600030101010101" pitchFamily="2" charset="-122"/>
+              <a:ea typeface="宋体" panose="02010600030101010101" pitchFamily="2" charset="-122"/>
+              <a:cs typeface="宋体" panose="02010600030101010101" pitchFamily="2" charset="-122"/>
+            </a:endParaRPr>
+          </a:p>
+          <a:p>
+            <a:endParaRPr lang="zh-CN" altLang="en-US" sz="1600">
+              <a:latin typeface="宋体" panose="02010600030101010101" pitchFamily="2" charset="-122"/>
+              <a:ea typeface="宋体" panose="02010600030101010101" pitchFamily="2" charset="-122"/>
+              <a:cs typeface="宋体" panose="02010600030101010101" pitchFamily="2" charset="-122"/>
+            </a:endParaRPr>
+          </a:p>
+          <a:p>
+            <a:r>
+              <a:rPr lang="zh-CN" altLang="en-US" sz="1600">
+                <a:latin typeface="宋体" panose="02010600030101010101" pitchFamily="2" charset="-122"/>
+                <a:ea typeface="宋体" panose="02010600030101010101" pitchFamily="2" charset="-122"/>
+                <a:cs typeface="宋体" panose="02010600030101010101" pitchFamily="2" charset="-122"/>
+              </a:rPr>
+              <a:t>hashcode经常用于散列数据的快速存取，例如在使用hash类数据集合时，都是先根据存储的对象的hashcode值去判断对象是否相同，因此如果不重写hashcode方法的话，会导致判断对象相同的时候，明明equals方法判断相等了，hashcode却判断不相等，就会造成在不同的位置中可以存放两个相同的对象，这就不合理了。</a:t>
+            </a:r>
+            <a:endParaRPr lang="zh-CN" altLang="en-US" sz="1600">
+              <a:latin typeface="宋体" panose="02010600030101010101" pitchFamily="2" charset="-122"/>
+              <a:ea typeface="宋体" panose="02010600030101010101" pitchFamily="2" charset="-122"/>
+              <a:cs typeface="宋体" panose="02010600030101010101" pitchFamily="2" charset="-122"/>
+            </a:endParaRPr>
+          </a:p>
+          <a:p>
+            <a:endParaRPr lang="zh-CN" altLang="en-US" sz="1600">
+              <a:latin typeface="宋体" panose="02010600030101010101" pitchFamily="2" charset="-122"/>
+              <a:ea typeface="宋体" panose="02010600030101010101" pitchFamily="2" charset="-122"/>
+              <a:cs typeface="宋体" panose="02010600030101010101" pitchFamily="2" charset="-122"/>
+            </a:endParaRPr>
+          </a:p>
+          <a:p>
+            <a:r>
+              <a:rPr lang="zh-CN" altLang="en-US" sz="1600">
+                <a:latin typeface="宋体" panose="02010600030101010101" pitchFamily="2" charset="-122"/>
+                <a:ea typeface="宋体" panose="02010600030101010101" pitchFamily="2" charset="-122"/>
+                <a:cs typeface="宋体" panose="02010600030101010101" pitchFamily="2" charset="-122"/>
+              </a:rPr>
+              <a:t>字符串对象的哈希码根据以下公式计算（</a:t>
+            </a:r>
+            <a:r>
+              <a:rPr lang="zh-CN" altLang="en-US" sz="1600">
                 <a:solidFill>
                   <a:srgbClr val="FF0000"/>
                 </a:solidFill>
@@ -18630,11 +18703,118 @@
                 <a:ea typeface="宋体" panose="02010600030101010101" pitchFamily="2" charset="-122"/>
                 <a:cs typeface="宋体" panose="02010600030101010101" pitchFamily="2" charset="-122"/>
               </a:rPr>
-              <a:t>两个对象相等，hashcode一定相等</a:t>
+              <a:t>字符串类已经重写啦 </a:t>
+            </a:r>
+            <a:r>
+              <a:rPr lang="en-US" altLang="zh-CN" sz="1600">
+                <a:solidFill>
+                  <a:srgbClr val="FF0000"/>
+                </a:solidFill>
+                <a:latin typeface="宋体" panose="02010600030101010101" pitchFamily="2" charset="-122"/>
+                <a:ea typeface="宋体" panose="02010600030101010101" pitchFamily="2" charset="-122"/>
+                <a:cs typeface="宋体" panose="02010600030101010101" pitchFamily="2" charset="-122"/>
+              </a:rPr>
+              <a:t>equals </a:t>
+            </a:r>
+            <a:r>
+              <a:rPr lang="zh-CN" altLang="en-US" sz="1600">
+                <a:solidFill>
+                  <a:srgbClr val="FF0000"/>
+                </a:solidFill>
+                <a:latin typeface="宋体" panose="02010600030101010101" pitchFamily="2" charset="-122"/>
+                <a:ea typeface="宋体" panose="02010600030101010101" pitchFamily="2" charset="-122"/>
+                <a:cs typeface="宋体" panose="02010600030101010101" pitchFamily="2" charset="-122"/>
+              </a:rPr>
+              <a:t>和 </a:t>
+            </a:r>
+            <a:r>
+              <a:rPr lang="en-US" altLang="zh-CN" sz="1600">
+                <a:solidFill>
+                  <a:srgbClr val="FF0000"/>
+                </a:solidFill>
+                <a:latin typeface="宋体" panose="02010600030101010101" pitchFamily="2" charset="-122"/>
+                <a:ea typeface="宋体" panose="02010600030101010101" pitchFamily="2" charset="-122"/>
+                <a:cs typeface="宋体" panose="02010600030101010101" pitchFamily="2" charset="-122"/>
+              </a:rPr>
+              <a:t>hashCode </a:t>
+            </a:r>
+            <a:r>
+              <a:rPr lang="zh-CN" altLang="en-US" sz="1600">
+                <a:solidFill>
+                  <a:srgbClr val="FF0000"/>
+                </a:solidFill>
+                <a:latin typeface="宋体" panose="02010600030101010101" pitchFamily="2" charset="-122"/>
+                <a:ea typeface="宋体" panose="02010600030101010101" pitchFamily="2" charset="-122"/>
+                <a:cs typeface="宋体" panose="02010600030101010101" pitchFamily="2" charset="-122"/>
+              </a:rPr>
+              <a:t>方法了</a:t>
+            </a:r>
+            <a:r>
+              <a:rPr lang="zh-CN" altLang="en-US" sz="1600">
+                <a:latin typeface="宋体" panose="02010600030101010101" pitchFamily="2" charset="-122"/>
+                <a:ea typeface="宋体" panose="02010600030101010101" pitchFamily="2" charset="-122"/>
+                <a:cs typeface="宋体" panose="02010600030101010101" pitchFamily="2" charset="-122"/>
+              </a:rPr>
+              <a:t>）：</a:t>
             </a:r>
             <a:endParaRPr lang="zh-CN" altLang="en-US" sz="1600">
+              <a:latin typeface="宋体" panose="02010600030101010101" pitchFamily="2" charset="-122"/>
+              <a:ea typeface="宋体" panose="02010600030101010101" pitchFamily="2" charset="-122"/>
+              <a:cs typeface="宋体" panose="02010600030101010101" pitchFamily="2" charset="-122"/>
+            </a:endParaRPr>
+          </a:p>
+          <a:p>
+            <a:r>
+              <a:rPr lang="zh-CN" altLang="en-US" sz="1600">
+                <a:latin typeface="宋体" panose="02010600030101010101" pitchFamily="2" charset="-122"/>
+                <a:ea typeface="宋体" panose="02010600030101010101" pitchFamily="2" charset="-122"/>
+                <a:cs typeface="宋体" panose="02010600030101010101" pitchFamily="2" charset="-122"/>
+              </a:rPr>
+              <a:t>s[0]*31^(n-1) + s[1]*31^(n-2) + ... + s[n-1]</a:t>
+            </a:r>
+            <a:endParaRPr lang="zh-CN" altLang="en-US" sz="1600">
+              <a:latin typeface="宋体" panose="02010600030101010101" pitchFamily="2" charset="-122"/>
+              <a:ea typeface="宋体" panose="02010600030101010101" pitchFamily="2" charset="-122"/>
+              <a:cs typeface="宋体" panose="02010600030101010101" pitchFamily="2" charset="-122"/>
+            </a:endParaRPr>
+          </a:p>
+          <a:p>
+            <a:r>
+              <a:rPr lang="zh-CN" altLang="en-US" sz="1600">
+                <a:latin typeface="宋体" panose="02010600030101010101" pitchFamily="2" charset="-122"/>
+                <a:ea typeface="宋体" panose="02010600030101010101" pitchFamily="2" charset="-122"/>
+                <a:cs typeface="宋体" panose="02010600030101010101" pitchFamily="2" charset="-122"/>
+              </a:rPr>
+              <a:t>使用 int 算法，这里 s[i] 是字符串的第 i 个字符，n 是字符串的长度，^ 表示求幂。空字符串的哈希值为 0。</a:t>
+            </a:r>
+            <a:endParaRPr lang="zh-CN" altLang="en-US" sz="1600">
+              <a:latin typeface="宋体" panose="02010600030101010101" pitchFamily="2" charset="-122"/>
+              <a:ea typeface="宋体" panose="02010600030101010101" pitchFamily="2" charset="-122"/>
+              <a:cs typeface="宋体" panose="02010600030101010101" pitchFamily="2" charset="-122"/>
+            </a:endParaRPr>
+          </a:p>
+          <a:p>
+            <a:endParaRPr lang="zh-CN" altLang="en-US" sz="1600">
+              <a:latin typeface="宋体" panose="02010600030101010101" pitchFamily="2" charset="-122"/>
+              <a:ea typeface="宋体" panose="02010600030101010101" pitchFamily="2" charset="-122"/>
+              <a:cs typeface="宋体" panose="02010600030101010101" pitchFamily="2" charset="-122"/>
+            </a:endParaRPr>
+          </a:p>
+          <a:p>
+            <a:r>
+              <a:rPr lang="zh-CN" altLang="en-US" sz="1600" b="1">
+                <a:solidFill>
+                  <a:schemeClr val="accent1"/>
+                </a:solidFill>
+                <a:latin typeface="宋体" panose="02010600030101010101" pitchFamily="2" charset="-122"/>
+                <a:ea typeface="宋体" panose="02010600030101010101" pitchFamily="2" charset="-122"/>
+                <a:cs typeface="宋体" panose="02010600030101010101" pitchFamily="2" charset="-122"/>
+              </a:rPr>
+              <a:t>重写hashcode方法为了将数据存入HashSet/HashMap/Hashtable（可以参考源码有助于理解）类时进行比较</a:t>
+            </a:r>
+            <a:endParaRPr lang="zh-CN" altLang="en-US" sz="1600" b="1">
               <a:solidFill>
-                <a:srgbClr val="FF0000"/>
+                <a:schemeClr val="accent1"/>
               </a:solidFill>
               <a:latin typeface="宋体" panose="02010600030101010101" pitchFamily="2" charset="-122"/>
               <a:ea typeface="宋体" panose="02010600030101010101" pitchFamily="2" charset="-122"/>
@@ -18642,20 +18822,9 @@
             </a:endParaRPr>
           </a:p>
           <a:p>
-            <a:r>
-              <a:rPr lang="zh-CN" altLang="en-US" sz="1600">
-                <a:solidFill>
-                  <a:srgbClr val="FF0000"/>
-                </a:solidFill>
-                <a:latin typeface="宋体" panose="02010600030101010101" pitchFamily="2" charset="-122"/>
-                <a:ea typeface="宋体" panose="02010600030101010101" pitchFamily="2" charset="-122"/>
-                <a:cs typeface="宋体" panose="02010600030101010101" pitchFamily="2" charset="-122"/>
-              </a:rPr>
-              <a:t>两个对象不等，hashcode不一定不等</a:t>
-            </a:r>
-            <a:endParaRPr lang="zh-CN" altLang="en-US" sz="1600">
+            <a:endParaRPr lang="zh-CN" altLang="en-US" sz="1600" b="1">
               <a:solidFill>
-                <a:srgbClr val="FF0000"/>
+                <a:schemeClr val="accent1"/>
               </a:solidFill>
               <a:latin typeface="宋体" panose="02010600030101010101" pitchFamily="2" charset="-122"/>
               <a:ea typeface="宋体" panose="02010600030101010101" pitchFamily="2" charset="-122"/>
@@ -18664,178 +18833,20 @@
           </a:p>
           <a:p>
             <a:r>
-              <a:rPr lang="zh-CN" altLang="en-US" sz="1600">
-                <a:solidFill>
-                  <a:srgbClr val="FF0000"/>
-                </a:solidFill>
-                <a:latin typeface="宋体" panose="02010600030101010101" pitchFamily="2" charset="-122"/>
-                <a:ea typeface="宋体" panose="02010600030101010101" pitchFamily="2" charset="-122"/>
-                <a:cs typeface="宋体" panose="02010600030101010101" pitchFamily="2" charset="-122"/>
-              </a:rPr>
-              <a:t>hashcode相等，两个对象不一定相等</a:t>
-            </a:r>
-            <a:endParaRPr lang="zh-CN" altLang="en-US" sz="1600">
+              <a:rPr lang="zh-CN" altLang="en-US" sz="1600" b="1">
+                <a:solidFill>
+                  <a:schemeClr val="accent1"/>
+                </a:solidFill>
+                <a:latin typeface="宋体" panose="02010600030101010101" pitchFamily="2" charset="-122"/>
+                <a:ea typeface="宋体" panose="02010600030101010101" pitchFamily="2" charset="-122"/>
+                <a:cs typeface="宋体" panose="02010600030101010101" pitchFamily="2" charset="-122"/>
+              </a:rPr>
+              <a:t>相等的对象必须拥有相等的 hashcode</a:t>
+            </a:r>
+            <a:endParaRPr lang="zh-CN" altLang="en-US" sz="1600" b="1">
               <a:solidFill>
-                <a:srgbClr val="FF0000"/>
+                <a:schemeClr val="accent1"/>
               </a:solidFill>
-              <a:latin typeface="宋体" panose="02010600030101010101" pitchFamily="2" charset="-122"/>
-              <a:ea typeface="宋体" panose="02010600030101010101" pitchFamily="2" charset="-122"/>
-              <a:cs typeface="宋体" panose="02010600030101010101" pitchFamily="2" charset="-122"/>
-            </a:endParaRPr>
-          </a:p>
-          <a:p>
-            <a:r>
-              <a:rPr lang="zh-CN" altLang="en-US" sz="1600">
-                <a:solidFill>
-                  <a:srgbClr val="FF0000"/>
-                </a:solidFill>
-                <a:latin typeface="宋体" panose="02010600030101010101" pitchFamily="2" charset="-122"/>
-                <a:ea typeface="宋体" panose="02010600030101010101" pitchFamily="2" charset="-122"/>
-                <a:cs typeface="宋体" panose="02010600030101010101" pitchFamily="2" charset="-122"/>
-              </a:rPr>
-              <a:t>hashcode不等，两个对象一定不等</a:t>
-            </a:r>
-            <a:endParaRPr lang="zh-CN" altLang="en-US" sz="1600">
-              <a:solidFill>
-                <a:srgbClr val="FF0000"/>
-              </a:solidFill>
-              <a:latin typeface="宋体" panose="02010600030101010101" pitchFamily="2" charset="-122"/>
-              <a:ea typeface="宋体" panose="02010600030101010101" pitchFamily="2" charset="-122"/>
-              <a:cs typeface="宋体" panose="02010600030101010101" pitchFamily="2" charset="-122"/>
-            </a:endParaRPr>
-          </a:p>
-          <a:p>
-            <a:endParaRPr lang="zh-CN" altLang="en-US" sz="1600">
-              <a:latin typeface="宋体" panose="02010600030101010101" pitchFamily="2" charset="-122"/>
-              <a:ea typeface="宋体" panose="02010600030101010101" pitchFamily="2" charset="-122"/>
-              <a:cs typeface="宋体" panose="02010600030101010101" pitchFamily="2" charset="-122"/>
-            </a:endParaRPr>
-          </a:p>
-          <a:p>
-            <a:r>
-              <a:rPr lang="zh-CN" altLang="en-US" sz="1600">
-                <a:latin typeface="宋体" panose="02010600030101010101" pitchFamily="2" charset="-122"/>
-                <a:ea typeface="宋体" panose="02010600030101010101" pitchFamily="2" charset="-122"/>
-                <a:cs typeface="宋体" panose="02010600030101010101" pitchFamily="2" charset="-122"/>
-              </a:rPr>
-              <a:t>hashcode经常用于散列数据的快速存取，例如在使用hash类数据集合时，都是先根据存储的对象的hashcode值去判断对象是否相同，因此如果不重写hashcode方法的话，会导致判断对象相同的时候，明明equals方法判断相等了，hashcode却判断不相等，就会造成在不同的位置中可以存放两个相同的对象，这就不合理了。</a:t>
-            </a:r>
-            <a:endParaRPr lang="zh-CN" altLang="en-US" sz="1600">
-              <a:latin typeface="宋体" panose="02010600030101010101" pitchFamily="2" charset="-122"/>
-              <a:ea typeface="宋体" panose="02010600030101010101" pitchFamily="2" charset="-122"/>
-              <a:cs typeface="宋体" panose="02010600030101010101" pitchFamily="2" charset="-122"/>
-            </a:endParaRPr>
-          </a:p>
-          <a:p>
-            <a:endParaRPr lang="zh-CN" altLang="en-US" sz="1600">
-              <a:latin typeface="宋体" panose="02010600030101010101" pitchFamily="2" charset="-122"/>
-              <a:ea typeface="宋体" panose="02010600030101010101" pitchFamily="2" charset="-122"/>
-              <a:cs typeface="宋体" panose="02010600030101010101" pitchFamily="2" charset="-122"/>
-            </a:endParaRPr>
-          </a:p>
-          <a:p>
-            <a:r>
-              <a:rPr lang="zh-CN" altLang="en-US" sz="1600">
-                <a:latin typeface="宋体" panose="02010600030101010101" pitchFamily="2" charset="-122"/>
-                <a:ea typeface="宋体" panose="02010600030101010101" pitchFamily="2" charset="-122"/>
-                <a:cs typeface="宋体" panose="02010600030101010101" pitchFamily="2" charset="-122"/>
-              </a:rPr>
-              <a:t>字符串对象的哈希码根据以下公式计算（</a:t>
-            </a:r>
-            <a:r>
-              <a:rPr lang="zh-CN" altLang="en-US" sz="1600">
-                <a:solidFill>
-                  <a:srgbClr val="FF0000"/>
-                </a:solidFill>
-                <a:latin typeface="宋体" panose="02010600030101010101" pitchFamily="2" charset="-122"/>
-                <a:ea typeface="宋体" panose="02010600030101010101" pitchFamily="2" charset="-122"/>
-                <a:cs typeface="宋体" panose="02010600030101010101" pitchFamily="2" charset="-122"/>
-              </a:rPr>
-              <a:t>字符串类已经重写啦 </a:t>
-            </a:r>
-            <a:r>
-              <a:rPr lang="en-US" altLang="zh-CN" sz="1600">
-                <a:solidFill>
-                  <a:srgbClr val="FF0000"/>
-                </a:solidFill>
-                <a:latin typeface="宋体" panose="02010600030101010101" pitchFamily="2" charset="-122"/>
-                <a:ea typeface="宋体" panose="02010600030101010101" pitchFamily="2" charset="-122"/>
-                <a:cs typeface="宋体" panose="02010600030101010101" pitchFamily="2" charset="-122"/>
-              </a:rPr>
-              <a:t>equals </a:t>
-            </a:r>
-            <a:r>
-              <a:rPr lang="zh-CN" altLang="en-US" sz="1600">
-                <a:solidFill>
-                  <a:srgbClr val="FF0000"/>
-                </a:solidFill>
-                <a:latin typeface="宋体" panose="02010600030101010101" pitchFamily="2" charset="-122"/>
-                <a:ea typeface="宋体" panose="02010600030101010101" pitchFamily="2" charset="-122"/>
-                <a:cs typeface="宋体" panose="02010600030101010101" pitchFamily="2" charset="-122"/>
-              </a:rPr>
-              <a:t>和 </a:t>
-            </a:r>
-            <a:r>
-              <a:rPr lang="en-US" altLang="zh-CN" sz="1600">
-                <a:solidFill>
-                  <a:srgbClr val="FF0000"/>
-                </a:solidFill>
-                <a:latin typeface="宋体" panose="02010600030101010101" pitchFamily="2" charset="-122"/>
-                <a:ea typeface="宋体" panose="02010600030101010101" pitchFamily="2" charset="-122"/>
-                <a:cs typeface="宋体" panose="02010600030101010101" pitchFamily="2" charset="-122"/>
-              </a:rPr>
-              <a:t>hashCode </a:t>
-            </a:r>
-            <a:r>
-              <a:rPr lang="zh-CN" altLang="en-US" sz="1600">
-                <a:solidFill>
-                  <a:srgbClr val="FF0000"/>
-                </a:solidFill>
-                <a:latin typeface="宋体" panose="02010600030101010101" pitchFamily="2" charset="-122"/>
-                <a:ea typeface="宋体" panose="02010600030101010101" pitchFamily="2" charset="-122"/>
-                <a:cs typeface="宋体" panose="02010600030101010101" pitchFamily="2" charset="-122"/>
-              </a:rPr>
-              <a:t>方法了</a:t>
-            </a:r>
-            <a:r>
-              <a:rPr lang="zh-CN" altLang="en-US" sz="1600">
-                <a:latin typeface="宋体" panose="02010600030101010101" pitchFamily="2" charset="-122"/>
-                <a:ea typeface="宋体" panose="02010600030101010101" pitchFamily="2" charset="-122"/>
-                <a:cs typeface="宋体" panose="02010600030101010101" pitchFamily="2" charset="-122"/>
-              </a:rPr>
-              <a:t>）：</a:t>
-            </a:r>
-            <a:endParaRPr lang="zh-CN" altLang="en-US" sz="1600">
-              <a:latin typeface="宋体" panose="02010600030101010101" pitchFamily="2" charset="-122"/>
-              <a:ea typeface="宋体" panose="02010600030101010101" pitchFamily="2" charset="-122"/>
-              <a:cs typeface="宋体" panose="02010600030101010101" pitchFamily="2" charset="-122"/>
-            </a:endParaRPr>
-          </a:p>
-          <a:p>
-            <a:r>
-              <a:rPr lang="zh-CN" altLang="en-US" sz="1600">
-                <a:latin typeface="宋体" panose="02010600030101010101" pitchFamily="2" charset="-122"/>
-                <a:ea typeface="宋体" panose="02010600030101010101" pitchFamily="2" charset="-122"/>
-                <a:cs typeface="宋体" panose="02010600030101010101" pitchFamily="2" charset="-122"/>
-              </a:rPr>
-              <a:t>s[0]*31^(n-1) + s[1]*31^(n-2) + ... + s[n-1]</a:t>
-            </a:r>
-            <a:endParaRPr lang="zh-CN" altLang="en-US" sz="1600">
-              <a:latin typeface="宋体" panose="02010600030101010101" pitchFamily="2" charset="-122"/>
-              <a:ea typeface="宋体" panose="02010600030101010101" pitchFamily="2" charset="-122"/>
-              <a:cs typeface="宋体" panose="02010600030101010101" pitchFamily="2" charset="-122"/>
-            </a:endParaRPr>
-          </a:p>
-          <a:p>
-            <a:r>
-              <a:rPr lang="zh-CN" altLang="en-US" sz="1600">
-                <a:latin typeface="宋体" panose="02010600030101010101" pitchFamily="2" charset="-122"/>
-                <a:ea typeface="宋体" panose="02010600030101010101" pitchFamily="2" charset="-122"/>
-                <a:cs typeface="宋体" panose="02010600030101010101" pitchFamily="2" charset="-122"/>
-              </a:rPr>
-              <a:t>使用 int 算法，这里 s[i] 是字符串的第 i 个字符，n 是字符串的长度，^ 表示求幂。空字符串的哈希值为 0。</a:t>
-            </a:r>
-            <a:endParaRPr lang="zh-CN" altLang="en-US" sz="1600">
               <a:latin typeface="宋体" panose="02010600030101010101" pitchFamily="2" charset="-122"/>
               <a:ea typeface="宋体" panose="02010600030101010101" pitchFamily="2" charset="-122"/>
               <a:cs typeface="宋体" panose="02010600030101010101" pitchFamily="2" charset="-122"/>
@@ -22485,7 +22496,26 @@
                 <a:ea typeface="宋体" panose="02010600030101010101" pitchFamily="2" charset="-122"/>
                 <a:cs typeface="宋体" panose="02010600030101010101" pitchFamily="2" charset="-122"/>
               </a:rPr>
-              <a:t>计算机行业有一条规则：加入任何规则都必须慎之又慎，因为以后无法删除规则。</a:t>
+              <a:t>计算机行业有一条规则：</a:t>
+            </a:r>
+            <a:r>
+              <a:rPr lang="zh-CN" altLang="en-US" sz="1600" b="1">
+                <a:solidFill>
+                  <a:schemeClr val="accent1"/>
+                </a:solidFill>
+                <a:latin typeface="宋体" panose="02010600030101010101" pitchFamily="2" charset="-122"/>
+                <a:ea typeface="宋体" panose="02010600030101010101" pitchFamily="2" charset="-122"/>
+                <a:cs typeface="宋体" panose="02010600030101010101" pitchFamily="2" charset="-122"/>
+              </a:rPr>
+              <a:t>加入任何规则都必须慎之又慎，因为以后无法删除规则</a:t>
+            </a:r>
+            <a:r>
+              <a:rPr lang="zh-CN" altLang="en-US" sz="1600">
+                <a:latin typeface="宋体" panose="02010600030101010101" pitchFamily="2" charset="-122"/>
+                <a:ea typeface="宋体" panose="02010600030101010101" pitchFamily="2" charset="-122"/>
+                <a:cs typeface="宋体" panose="02010600030101010101" pitchFamily="2" charset="-122"/>
+              </a:rPr>
+              <a:t>。</a:t>
             </a:r>
             <a:endParaRPr lang="zh-CN" altLang="en-US" sz="1600">
               <a:latin typeface="宋体" panose="02010600030101010101" pitchFamily="2" charset="-122"/>
@@ -22885,7 +22915,10 @@
           </a:p>
           <a:p>
             <a:r>
-              <a:rPr lang="zh-CN" altLang="en-US" sz="1600">
+              <a:rPr lang="zh-CN" altLang="en-US" sz="1600" b="1">
+                <a:solidFill>
+                  <a:schemeClr val="accent1"/>
+                </a:solidFill>
                 <a:latin typeface="宋体" panose="02010600030101010101" pitchFamily="2" charset="-122"/>
                 <a:ea typeface="宋体" panose="02010600030101010101" pitchFamily="2" charset="-122"/>
                 <a:cs typeface="宋体" panose="02010600030101010101" pitchFamily="2" charset="-122"/>
@@ -22893,7 +22926,10 @@
               <a:t>push( num) </a:t>
             </a:r>
             <a:r>
-              <a:rPr lang="en-US" altLang="zh-CN" sz="1600">
+              <a:rPr lang="en-US" altLang="zh-CN" sz="1600" b="1">
+                <a:solidFill>
+                  <a:schemeClr val="accent1"/>
+                </a:solidFill>
                 <a:latin typeface="宋体" panose="02010600030101010101" pitchFamily="2" charset="-122"/>
                 <a:ea typeface="宋体" panose="02010600030101010101" pitchFamily="2" charset="-122"/>
                 <a:cs typeface="宋体" panose="02010600030101010101" pitchFamily="2" charset="-122"/>
@@ -22901,22 +22937,31 @@
               <a:t>	</a:t>
             </a:r>
             <a:r>
-              <a:rPr lang="zh-CN" altLang="en-US" sz="1600">
+              <a:rPr lang="zh-CN" altLang="en-US" sz="1600" b="1">
+                <a:solidFill>
+                  <a:schemeClr val="accent1"/>
+                </a:solidFill>
                 <a:latin typeface="宋体" panose="02010600030101010101" pitchFamily="2" charset="-122"/>
                 <a:ea typeface="宋体" panose="02010600030101010101" pitchFamily="2" charset="-122"/>
                 <a:cs typeface="宋体" panose="02010600030101010101" pitchFamily="2" charset="-122"/>
               </a:rPr>
               <a:t>//入栈</a:t>
             </a:r>
-            <a:endParaRPr lang="zh-CN" altLang="en-US" sz="1600">
-              <a:latin typeface="宋体" panose="02010600030101010101" pitchFamily="2" charset="-122"/>
-              <a:ea typeface="宋体" panose="02010600030101010101" pitchFamily="2" charset="-122"/>
-              <a:cs typeface="宋体" panose="02010600030101010101" pitchFamily="2" charset="-122"/>
-            </a:endParaRPr>
-          </a:p>
-          <a:p>
-            <a:r>
-              <a:rPr lang="zh-CN" altLang="en-US" sz="1600">
+            <a:endParaRPr lang="zh-CN" altLang="en-US" sz="1600" b="1">
+              <a:solidFill>
+                <a:schemeClr val="accent1"/>
+              </a:solidFill>
+              <a:latin typeface="宋体" panose="02010600030101010101" pitchFamily="2" charset="-122"/>
+              <a:ea typeface="宋体" panose="02010600030101010101" pitchFamily="2" charset="-122"/>
+              <a:cs typeface="宋体" panose="02010600030101010101" pitchFamily="2" charset="-122"/>
+            </a:endParaRPr>
+          </a:p>
+          <a:p>
+            <a:r>
+              <a:rPr lang="zh-CN" altLang="en-US" sz="1600" b="1">
+                <a:solidFill>
+                  <a:schemeClr val="accent1"/>
+                </a:solidFill>
                 <a:latin typeface="宋体" panose="02010600030101010101" pitchFamily="2" charset="-122"/>
                 <a:ea typeface="宋体" panose="02010600030101010101" pitchFamily="2" charset="-122"/>
                 <a:cs typeface="宋体" panose="02010600030101010101" pitchFamily="2" charset="-122"/>
@@ -22924,7 +22969,10 @@
               <a:t>pop() </a:t>
             </a:r>
             <a:r>
-              <a:rPr lang="en-US" altLang="zh-CN" sz="1600">
+              <a:rPr lang="en-US" altLang="zh-CN" sz="1600" b="1">
+                <a:solidFill>
+                  <a:schemeClr val="accent1"/>
+                </a:solidFill>
                 <a:latin typeface="宋体" panose="02010600030101010101" pitchFamily="2" charset="-122"/>
                 <a:ea typeface="宋体" panose="02010600030101010101" pitchFamily="2" charset="-122"/>
                 <a:cs typeface="宋体" panose="02010600030101010101" pitchFamily="2" charset="-122"/>
@@ -22932,14 +22980,20 @@
               <a:t>		</a:t>
             </a:r>
             <a:r>
-              <a:rPr lang="zh-CN" altLang="en-US" sz="1600">
+              <a:rPr lang="zh-CN" altLang="en-US" sz="1600" b="1">
+                <a:solidFill>
+                  <a:schemeClr val="accent1"/>
+                </a:solidFill>
                 <a:latin typeface="宋体" panose="02010600030101010101" pitchFamily="2" charset="-122"/>
                 <a:ea typeface="宋体" panose="02010600030101010101" pitchFamily="2" charset="-122"/>
                 <a:cs typeface="宋体" panose="02010600030101010101" pitchFamily="2" charset="-122"/>
               </a:rPr>
               <a:t>//栈顶元素出栈</a:t>
             </a:r>
-            <a:endParaRPr lang="zh-CN" altLang="en-US" sz="1600">
+            <a:endParaRPr lang="zh-CN" altLang="en-US" sz="1600" b="1">
+              <a:solidFill>
+                <a:schemeClr val="accent1"/>
+              </a:solidFill>
               <a:latin typeface="宋体" panose="02010600030101010101" pitchFamily="2" charset="-122"/>
               <a:ea typeface="宋体" panose="02010600030101010101" pitchFamily="2" charset="-122"/>
               <a:cs typeface="宋体" panose="02010600030101010101" pitchFamily="2" charset="-122"/>
